--- a/03 설계/Class 설계서_3조_THREEGO.pptx
+++ b/03 설계/Class 설계서_3조_THREEGO.pptx
@@ -1082,6 +1082,13 @@
   <p:clrMapOvr>
     <a:masterClrMapping/>
   </p:clrMapOvr>
+  <p:timing>
+    <p:tnLst>
+      <p:par>
+        <p:cTn id="1" dur="indefinite" restart="never" nodeType="tmRoot"/>
+      </p:par>
+    </p:tnLst>
+  </p:timing>
 </p:sldLayout>
 </file>
 
@@ -1111,7 +1118,7 @@
           <p:nvPr userDrawn="1">
             <p:extLst>
               <p:ext uri="{D42A27DB-BD31-4B8C-83A1-F6EECF244321}">
-                <p14:modId xmlns:p14="http://schemas.microsoft.com/office/powerpoint/2010/main" val="4241933172"/>
+                <p14:modId xmlns:p14="http://schemas.microsoft.com/office/powerpoint/2010/main" val="259738503"/>
               </p:ext>
             </p:extLst>
           </p:nvPr>
@@ -1861,7 +1868,7 @@
                           <a:latin typeface="맑은 고딕" pitchFamily="50" charset="-127"/>
                           <a:ea typeface="맑은 고딕" pitchFamily="50" charset="-127"/>
                         </a:rPr>
-                        <a:t>V 1.0.0</a:t>
+                        <a:t>V 1.0.1</a:t>
                       </a:r>
                       <a:endParaRPr kumimoji="1" lang="ko-KR" altLang="ko-KR" sz="900" b="0" i="0" u="none" strike="noStrike" cap="none" normalizeH="0" baseline="0" dirty="0" smtClean="0">
                         <a:ln>
@@ -2055,6 +2062,13 @@
   <p:clrMapOvr>
     <a:masterClrMapping/>
   </p:clrMapOvr>
+  <p:timing>
+    <p:tnLst>
+      <p:par>
+        <p:cTn id="1" dur="indefinite" restart="never" nodeType="tmRoot"/>
+      </p:par>
+    </p:tnLst>
+  </p:timing>
 </p:sldLayout>
 </file>
 
@@ -2155,35 +2169,35 @@
           <a:p>
             <a:pPr lvl="0"/>
             <a:r>
-              <a:rPr lang="ko-KR" altLang="en-US" smtClean="0"/>
+              <a:rPr lang="ko-KR" altLang="en-US" dirty="0" smtClean="0"/>
               <a:t>마스터 텍스트 스타일을 편집합니다</a:t>
             </a:r>
           </a:p>
           <a:p>
             <a:pPr lvl="1"/>
             <a:r>
-              <a:rPr lang="ko-KR" altLang="en-US" smtClean="0"/>
+              <a:rPr lang="ko-KR" altLang="en-US" dirty="0" smtClean="0"/>
               <a:t>둘째 수준</a:t>
             </a:r>
           </a:p>
           <a:p>
             <a:pPr lvl="2"/>
             <a:r>
-              <a:rPr lang="ko-KR" altLang="en-US" smtClean="0"/>
+              <a:rPr lang="ko-KR" altLang="en-US" dirty="0" smtClean="0"/>
               <a:t>셋째 수준</a:t>
             </a:r>
           </a:p>
           <a:p>
             <a:pPr lvl="3"/>
             <a:r>
-              <a:rPr lang="ko-KR" altLang="en-US" smtClean="0"/>
+              <a:rPr lang="ko-KR" altLang="en-US" dirty="0" smtClean="0"/>
               <a:t>넷째 수준</a:t>
             </a:r>
           </a:p>
           <a:p>
             <a:pPr lvl="4"/>
             <a:r>
-              <a:rPr lang="ko-KR" altLang="en-US" smtClean="0"/>
+              <a:rPr lang="ko-KR" altLang="en-US" dirty="0" smtClean="0"/>
               <a:t>다섯째 수준</a:t>
             </a:r>
             <a:endParaRPr lang="ko-KR" altLang="en-US" dirty="0"/>
@@ -2319,6 +2333,13 @@
   <p:clrMapOvr>
     <a:masterClrMapping/>
   </p:clrMapOvr>
+  <p:timing>
+    <p:tnLst>
+      <p:par>
+        <p:cTn id="1" dur="indefinite" restart="never" nodeType="tmRoot"/>
+      </p:par>
+    </p:tnLst>
+  </p:timing>
 </p:sldLayout>
 </file>
 
@@ -2527,6 +2548,13 @@
     <p:sldLayoutId id="2147483657" r:id="rId2"/>
     <p:sldLayoutId id="2147483662" r:id="rId3"/>
   </p:sldLayoutIdLst>
+  <p:timing>
+    <p:tnLst>
+      <p:par>
+        <p:cTn id="1" dur="indefinite" restart="never" nodeType="tmRoot"/>
+      </p:par>
+    </p:tnLst>
+  </p:timing>
   <p:hf sldNum="0" hdr="0" dt="0"/>
   <p:txStyles>
     <p:titleStyle>
@@ -3112,6 +3140,13 @@
   <p:clrMapOvr>
     <a:masterClrMapping/>
   </p:clrMapOvr>
+  <p:timing>
+    <p:tnLst>
+      <p:par>
+        <p:cTn id="1" dur="indefinite" restart="never" nodeType="tmRoot"/>
+      </p:par>
+    </p:tnLst>
+  </p:timing>
 </p:sld>
 </file>
 
@@ -3189,7 +3224,7 @@
             <p:ph idx="1"/>
             <p:extLst>
               <p:ext uri="{D42A27DB-BD31-4B8C-83A1-F6EECF244321}">
-                <p14:modId xmlns:p14="http://schemas.microsoft.com/office/powerpoint/2010/main" val="3314930904"/>
+                <p14:modId xmlns:p14="http://schemas.microsoft.com/office/powerpoint/2010/main" val="1221011176"/>
               </p:ext>
             </p:extLst>
           </p:nvPr>
@@ -3519,6 +3554,16 @@
                     <a:lstStyle/>
                     <a:p>
                       <a:pPr algn="ctr" latinLnBrk="1"/>
+                      <a:r>
+                        <a:rPr lang="en-US" altLang="ko-KR" sz="1200" b="0" dirty="0" smtClean="0">
+                          <a:solidFill>
+                            <a:schemeClr val="tx1"/>
+                          </a:solidFill>
+                          <a:latin typeface="맑은 고딕" pitchFamily="50" charset="-127"/>
+                          <a:ea typeface="맑은 고딕" pitchFamily="50" charset="-127"/>
+                        </a:rPr>
+                        <a:t>2018-05-15</a:t>
+                      </a:r>
                       <a:endParaRPr lang="ko-KR" altLang="en-US" sz="1200" b="0" dirty="0">
                         <a:solidFill>
                           <a:schemeClr val="tx1"/>
@@ -3540,6 +3585,26 @@
                     <a:lstStyle/>
                     <a:p>
                       <a:pPr algn="ctr" latinLnBrk="1"/>
+                      <a:r>
+                        <a:rPr lang="en-US" altLang="ko-KR" sz="1200" b="0" dirty="0" smtClean="0">
+                          <a:solidFill>
+                            <a:schemeClr val="tx1"/>
+                          </a:solidFill>
+                          <a:latin typeface="맑은 고딕" pitchFamily="50" charset="-127"/>
+                          <a:ea typeface="맑은 고딕" pitchFamily="50" charset="-127"/>
+                        </a:rPr>
+                        <a:t>V</a:t>
+                      </a:r>
+                      <a:r>
+                        <a:rPr lang="en-US" altLang="ko-KR" sz="1200" b="0" baseline="0" dirty="0" smtClean="0">
+                          <a:solidFill>
+                            <a:schemeClr val="tx1"/>
+                          </a:solidFill>
+                          <a:latin typeface="맑은 고딕" pitchFamily="50" charset="-127"/>
+                          <a:ea typeface="맑은 고딕" pitchFamily="50" charset="-127"/>
+                        </a:rPr>
+                        <a:t> 1.0.1</a:t>
+                      </a:r>
                       <a:endParaRPr lang="ko-KR" altLang="en-US" sz="1200" b="0" dirty="0">
                         <a:solidFill>
                           <a:schemeClr val="tx1"/>
@@ -3561,7 +3626,37 @@
                     <a:lstStyle/>
                     <a:p>
                       <a:pPr latinLnBrk="1"/>
-                      <a:endParaRPr lang="ko-KR" altLang="en-US" sz="1200" b="0">
+                      <a:r>
+                        <a:rPr lang="en-US" altLang="ko-KR" sz="1200" b="0" dirty="0" smtClean="0">
+                          <a:solidFill>
+                            <a:schemeClr val="tx1"/>
+                          </a:solidFill>
+                          <a:latin typeface="맑은 고딕" pitchFamily="50" charset="-127"/>
+                          <a:ea typeface="맑은 고딕" pitchFamily="50" charset="-127"/>
+                        </a:rPr>
+                        <a:t>T</a:t>
+                      </a:r>
+                      <a:r>
+                        <a:rPr lang="en-US" altLang="ko-KR" sz="1200" b="0" baseline="0" dirty="0" smtClean="0">
+                          <a:solidFill>
+                            <a:schemeClr val="tx1"/>
+                          </a:solidFill>
+                          <a:latin typeface="맑은 고딕" pitchFamily="50" charset="-127"/>
+                          <a:ea typeface="맑은 고딕" pitchFamily="50" charset="-127"/>
+                        </a:rPr>
+                        <a:t>o do List </a:t>
+                      </a:r>
+                      <a:r>
+                        <a:rPr lang="ko-KR" altLang="en-US" sz="1200" b="0" baseline="0" dirty="0" smtClean="0">
+                          <a:solidFill>
+                            <a:schemeClr val="tx1"/>
+                          </a:solidFill>
+                          <a:latin typeface="맑은 고딕" pitchFamily="50" charset="-127"/>
+                          <a:ea typeface="맑은 고딕" pitchFamily="50" charset="-127"/>
+                        </a:rPr>
+                        <a:t>패널 수정</a:t>
+                      </a:r>
+                      <a:endParaRPr lang="ko-KR" altLang="en-US" sz="1200" b="0" dirty="0">
                         <a:solidFill>
                           <a:schemeClr val="tx1"/>
                         </a:solidFill>
@@ -3582,6 +3677,16 @@
                     <a:lstStyle/>
                     <a:p>
                       <a:pPr algn="ctr" latinLnBrk="1"/>
+                      <a:r>
+                        <a:rPr lang="ko-KR" altLang="en-US" sz="1200" b="0" dirty="0" smtClean="0">
+                          <a:solidFill>
+                            <a:schemeClr val="tx1"/>
+                          </a:solidFill>
+                          <a:latin typeface="맑은 고딕" pitchFamily="50" charset="-127"/>
+                          <a:ea typeface="맑은 고딕" pitchFamily="50" charset="-127"/>
+                        </a:rPr>
+                        <a:t>김 정 현</a:t>
+                      </a:r>
                       <a:endParaRPr lang="ko-KR" altLang="en-US" sz="1200" b="0" dirty="0">
                         <a:solidFill>
                           <a:schemeClr val="tx1"/>
@@ -4067,6 +4172,13 @@
   <p:clrMapOvr>
     <a:masterClrMapping/>
   </p:clrMapOvr>
+  <p:timing>
+    <p:tnLst>
+      <p:par>
+        <p:cTn id="1" dur="indefinite" restart="never" nodeType="tmRoot"/>
+      </p:par>
+    </p:tnLst>
+  </p:timing>
 </p:sld>
 </file>
 
@@ -5618,14 +5730,14 @@
           <p:nvPr>
             <p:extLst>
               <p:ext uri="{D42A27DB-BD31-4B8C-83A1-F6EECF244321}">
-                <p14:modId xmlns:p14="http://schemas.microsoft.com/office/powerpoint/2010/main" val="1690044487"/>
+                <p14:modId xmlns:p14="http://schemas.microsoft.com/office/powerpoint/2010/main" val="1596453611"/>
               </p:ext>
             </p:extLst>
           </p:nvPr>
         </p:nvGraphicFramePr>
         <p:xfrm>
           <a:off x="5320457" y="1988130"/>
-          <a:ext cx="1685776" cy="2758440"/>
+          <a:ext cx="1685776" cy="3169920"/>
         </p:xfrm>
         <a:graphic>
           <a:graphicData uri="http://schemas.openxmlformats.org/drawingml/2006/table">
@@ -5873,7 +5985,7 @@
                         <a:t>중요도 </a:t>
                       </a:r>
                       <a:r>
-                        <a:rPr lang="en-US" altLang="ko-KR" sz="900" dirty="0">
+                        <a:rPr lang="en-US" altLang="ko-KR" sz="900" dirty="0" smtClean="0">
                           <a:solidFill>
                             <a:schemeClr val="tx1"/>
                           </a:solidFill>
@@ -5882,6 +5994,56 @@
                         </a:rPr>
                         <a:t>Button</a:t>
                       </a:r>
+                    </a:p>
+                    <a:p>
+                      <a:pPr latinLnBrk="1"/>
+                      <a:r>
+                        <a:rPr lang="ko-KR" altLang="en-US" sz="900" dirty="0" smtClean="0">
+                          <a:solidFill>
+                            <a:schemeClr val="tx1"/>
+                          </a:solidFill>
+                          <a:latin typeface="맑은 고딕" pitchFamily="50" charset="-127"/>
+                          <a:ea typeface="맑은 고딕" pitchFamily="50" charset="-127"/>
+                        </a:rPr>
+                        <a:t>보이기</a:t>
+                      </a:r>
+                      <a:r>
+                        <a:rPr lang="en-US" altLang="ko-KR" sz="900" dirty="0" smtClean="0">
+                          <a:solidFill>
+                            <a:schemeClr val="tx1"/>
+                          </a:solidFill>
+                          <a:latin typeface="맑은 고딕" pitchFamily="50" charset="-127"/>
+                          <a:ea typeface="맑은 고딕" pitchFamily="50" charset="-127"/>
+                        </a:rPr>
+                        <a:t>/</a:t>
+                      </a:r>
+                      <a:r>
+                        <a:rPr lang="ko-KR" altLang="en-US" sz="900" dirty="0" smtClean="0">
+                          <a:solidFill>
+                            <a:schemeClr val="tx1"/>
+                          </a:solidFill>
+                          <a:latin typeface="맑은 고딕" pitchFamily="50" charset="-127"/>
+                          <a:ea typeface="맑은 고딕" pitchFamily="50" charset="-127"/>
+                        </a:rPr>
+                        <a:t>숨기기 </a:t>
+                      </a:r>
+                      <a:r>
+                        <a:rPr lang="en-US" altLang="ko-KR" sz="900" dirty="0" smtClean="0">
+                          <a:solidFill>
+                            <a:schemeClr val="tx1"/>
+                          </a:solidFill>
+                          <a:latin typeface="맑은 고딕" pitchFamily="50" charset="-127"/>
+                          <a:ea typeface="맑은 고딕" pitchFamily="50" charset="-127"/>
+                        </a:rPr>
+                        <a:t>Button</a:t>
+                      </a:r>
+                      <a:endParaRPr lang="en-US" altLang="ko-KR" sz="900" dirty="0">
+                        <a:solidFill>
+                          <a:schemeClr val="tx1"/>
+                        </a:solidFill>
+                        <a:latin typeface="맑은 고딕" pitchFamily="50" charset="-127"/>
+                        <a:ea typeface="맑은 고딕" pitchFamily="50" charset="-127"/>
+                      </a:endParaRPr>
                     </a:p>
                   </a:txBody>
                   <a:tcPr marL="68580" marR="68580">
@@ -6195,7 +6357,7 @@
                         <a:t>상태 정렬</a:t>
                       </a:r>
                       <a:r>
-                        <a:rPr lang="en-US" altLang="ko-KR" sz="900" b="0" dirty="0">
+                        <a:rPr lang="en-US" altLang="ko-KR" sz="900" b="0" dirty="0" smtClean="0">
                           <a:solidFill>
                             <a:schemeClr val="tx1"/>
                           </a:solidFill>
@@ -6204,6 +6366,109 @@
                         </a:rPr>
                         <a:t>()</a:t>
                       </a:r>
+                    </a:p>
+                    <a:p>
+                      <a:pPr latinLnBrk="1"/>
+                      <a:r>
+                        <a:rPr lang="ko-KR" altLang="en-US" sz="900" b="0" dirty="0" smtClean="0">
+                          <a:solidFill>
+                            <a:schemeClr val="tx1"/>
+                          </a:solidFill>
+                          <a:latin typeface="맑은 고딕" pitchFamily="50" charset="-127"/>
+                          <a:ea typeface="맑은 고딕" pitchFamily="50" charset="-127"/>
+                        </a:rPr>
+                        <a:t>완료 </a:t>
+                      </a:r>
+                      <a:r>
+                        <a:rPr lang="en-US" altLang="ko-KR" sz="900" b="0" dirty="0" smtClean="0">
+                          <a:solidFill>
+                            <a:schemeClr val="tx1"/>
+                          </a:solidFill>
+                          <a:latin typeface="맑은 고딕" pitchFamily="50" charset="-127"/>
+                          <a:ea typeface="맑은 고딕" pitchFamily="50" charset="-127"/>
+                        </a:rPr>
+                        <a:t>To do </a:t>
+                      </a:r>
+                      <a:r>
+                        <a:rPr lang="ko-KR" altLang="en-US" sz="900" b="0" dirty="0" smtClean="0">
+                          <a:solidFill>
+                            <a:schemeClr val="tx1"/>
+                          </a:solidFill>
+                          <a:latin typeface="맑은 고딕" pitchFamily="50" charset="-127"/>
+                          <a:ea typeface="맑은 고딕" pitchFamily="50" charset="-127"/>
+                        </a:rPr>
+                        <a:t>항목 보이기</a:t>
+                      </a:r>
+                      <a:r>
+                        <a:rPr lang="en-US" altLang="ko-KR" sz="900" b="0" dirty="0" smtClean="0">
+                          <a:solidFill>
+                            <a:schemeClr val="tx1"/>
+                          </a:solidFill>
+                          <a:latin typeface="맑은 고딕" pitchFamily="50" charset="-127"/>
+                          <a:ea typeface="맑은 고딕" pitchFamily="50" charset="-127"/>
+                        </a:rPr>
+                        <a:t>()</a:t>
+                      </a:r>
+                    </a:p>
+                    <a:p>
+                      <a:pPr latinLnBrk="1"/>
+                      <a:r>
+                        <a:rPr lang="ko-KR" altLang="en-US" sz="900" b="0" dirty="0" smtClean="0">
+                          <a:solidFill>
+                            <a:schemeClr val="tx1"/>
+                          </a:solidFill>
+                          <a:latin typeface="맑은 고딕" pitchFamily="50" charset="-127"/>
+                          <a:ea typeface="맑은 고딕" pitchFamily="50" charset="-127"/>
+                        </a:rPr>
+                        <a:t>완료 </a:t>
+                      </a:r>
+                      <a:r>
+                        <a:rPr lang="en-US" altLang="ko-KR" sz="900" b="0" dirty="0" smtClean="0">
+                          <a:solidFill>
+                            <a:schemeClr val="tx1"/>
+                          </a:solidFill>
+                          <a:latin typeface="맑은 고딕" pitchFamily="50" charset="-127"/>
+                          <a:ea typeface="맑은 고딕" pitchFamily="50" charset="-127"/>
+                        </a:rPr>
+                        <a:t>To</a:t>
+                      </a:r>
+                      <a:r>
+                        <a:rPr lang="en-US" altLang="ko-KR" sz="900" b="0" baseline="0" dirty="0" smtClean="0">
+                          <a:solidFill>
+                            <a:schemeClr val="tx1"/>
+                          </a:solidFill>
+                          <a:latin typeface="맑은 고딕" pitchFamily="50" charset="-127"/>
+                          <a:ea typeface="맑은 고딕" pitchFamily="50" charset="-127"/>
+                        </a:rPr>
+                        <a:t> do </a:t>
+                      </a:r>
+                      <a:r>
+                        <a:rPr lang="ko-KR" altLang="en-US" sz="900" b="0" baseline="0" dirty="0" smtClean="0">
+                          <a:solidFill>
+                            <a:schemeClr val="tx1"/>
+                          </a:solidFill>
+                          <a:latin typeface="맑은 고딕" pitchFamily="50" charset="-127"/>
+                          <a:ea typeface="맑은 고딕" pitchFamily="50" charset="-127"/>
+                        </a:rPr>
+                        <a:t>항목 숨기기</a:t>
+                      </a:r>
+                      <a:r>
+                        <a:rPr lang="en-US" altLang="ko-KR" sz="900" b="0" baseline="0" dirty="0" smtClean="0">
+                          <a:solidFill>
+                            <a:schemeClr val="tx1"/>
+                          </a:solidFill>
+                          <a:latin typeface="맑은 고딕" pitchFamily="50" charset="-127"/>
+                          <a:ea typeface="맑은 고딕" pitchFamily="50" charset="-127"/>
+                        </a:rPr>
+                        <a:t>()</a:t>
+                      </a:r>
+                      <a:endParaRPr lang="en-US" altLang="ko-KR" sz="900" b="0" dirty="0" smtClean="0">
+                        <a:solidFill>
+                          <a:schemeClr val="tx1"/>
+                        </a:solidFill>
+                        <a:latin typeface="맑은 고딕" pitchFamily="50" charset="-127"/>
+                        <a:ea typeface="맑은 고딕" pitchFamily="50" charset="-127"/>
+                      </a:endParaRPr>
                     </a:p>
                   </a:txBody>
                   <a:tcPr marL="68580" marR="68580">
@@ -7885,13 +8150,13 @@
           <p:nvPr>
             <p:extLst>
               <p:ext uri="{D42A27DB-BD31-4B8C-83A1-F6EECF244321}">
-                <p14:modId xmlns:p14="http://schemas.microsoft.com/office/powerpoint/2010/main" val="2847195041"/>
+                <p14:modId xmlns:p14="http://schemas.microsoft.com/office/powerpoint/2010/main" val="2765136128"/>
               </p:ext>
             </p:extLst>
           </p:nvPr>
         </p:nvGraphicFramePr>
         <p:xfrm>
-          <a:off x="5320457" y="5204882"/>
+          <a:off x="4290083" y="5298741"/>
           <a:ext cx="1030374" cy="975360"/>
         </p:xfrm>
         <a:graphic>
@@ -8373,8 +8638,8 @@
         </p:nvCxnSpPr>
         <p:spPr bwMode="auto">
           <a:xfrm>
-            <a:off x="7006233" y="3367350"/>
-            <a:ext cx="1031961" cy="407391"/>
+            <a:off x="7006233" y="3573090"/>
+            <a:ext cx="1031961" cy="201651"/>
           </a:xfrm>
           <a:prstGeom prst="straightConnector1">
             <a:avLst/>
@@ -8398,15 +8663,14 @@
         <p:nvCxnSpPr>
           <p:cNvPr id="51" name="직선 화살표 연결선 50"/>
           <p:cNvCxnSpPr>
-            <a:stCxn id="9" idx="2"/>
             <a:endCxn id="21" idx="0"/>
           </p:cNvCxnSpPr>
           <p:nvPr/>
         </p:nvCxnSpPr>
         <p:spPr bwMode="auto">
           <a:xfrm flipH="1">
-            <a:off x="5835644" y="4746570"/>
-            <a:ext cx="327701" cy="458312"/>
+            <a:off x="4805270" y="4816366"/>
+            <a:ext cx="515187" cy="482375"/>
           </a:xfrm>
           <a:prstGeom prst="straightConnector1">
             <a:avLst/>
@@ -8460,6 +8724,13 @@
   <p:clrMapOvr>
     <a:masterClrMapping/>
   </p:clrMapOvr>
+  <p:timing>
+    <p:tnLst>
+      <p:par>
+        <p:cTn id="1" dur="indefinite" restart="never" nodeType="tmRoot"/>
+      </p:par>
+    </p:tnLst>
+  </p:timing>
 </p:sld>
 </file>
 

--- a/03 설계/Class 설계서_3조_THREEGO.pptx
+++ b/03 설계/Class 설계서_3조_THREEGO.pptx
@@ -144,7 +144,7 @@
   </p:defaultTextStyle>
   <p:extLst>
     <p:ext uri="{EFAFB233-063F-42B5-8137-9DF3F51BA10A}">
-      <p15:sldGuideLst xmlns="" xmlns:p15="http://schemas.microsoft.com/office/powerpoint/2012/main">
+      <p15:sldGuideLst xmlns:p15="http://schemas.microsoft.com/office/powerpoint/2012/main" xmlns="">
         <p15:guide id="1" orient="horz">
           <p15:clr>
             <a:srgbClr val="A4A3A4"/>
@@ -163,7 +163,7 @@
       </p15:sldGuideLst>
     </p:ext>
     <p:ext uri="{2D200454-40CA-4A62-9FC3-DE9A4176ACB9}">
-      <p15:notesGuideLst xmlns="" xmlns:p15="http://schemas.microsoft.com/office/powerpoint/2012/main">
+      <p15:notesGuideLst xmlns:p15="http://schemas.microsoft.com/office/powerpoint/2012/main" xmlns="">
         <p15:guide id="1" orient="horz" pos="3126">
           <p15:clr>
             <a:srgbClr val="A4A3A4"/>
@@ -1135,28 +1135,28 @@
                 <a:gridCol w="1022523">
                   <a:extLst>
                     <a:ext uri="{9D8B030D-6E8A-4147-A177-3AD203B41FA5}">
-                      <a16:colId xmlns="" xmlns:a16="http://schemas.microsoft.com/office/drawing/2014/main" val="20000"/>
+                      <a16:colId xmlns:a16="http://schemas.microsoft.com/office/drawing/2014/main" xmlns="" val="20000"/>
                     </a:ext>
                   </a:extLst>
                 </a:gridCol>
                 <a:gridCol w="3439486">
                   <a:extLst>
                     <a:ext uri="{9D8B030D-6E8A-4147-A177-3AD203B41FA5}">
-                      <a16:colId xmlns="" xmlns:a16="http://schemas.microsoft.com/office/drawing/2014/main" val="20001"/>
+                      <a16:colId xmlns:a16="http://schemas.microsoft.com/office/drawing/2014/main" xmlns="" val="20001"/>
                     </a:ext>
                   </a:extLst>
                 </a:gridCol>
                 <a:gridCol w="947956">
                   <a:extLst>
                     <a:ext uri="{9D8B030D-6E8A-4147-A177-3AD203B41FA5}">
-                      <a16:colId xmlns="" xmlns:a16="http://schemas.microsoft.com/office/drawing/2014/main" val="20002"/>
+                      <a16:colId xmlns:a16="http://schemas.microsoft.com/office/drawing/2014/main" xmlns="" val="20002"/>
                     </a:ext>
                   </a:extLst>
                 </a:gridCol>
                 <a:gridCol w="3523377">
                   <a:extLst>
                     <a:ext uri="{9D8B030D-6E8A-4147-A177-3AD203B41FA5}">
-                      <a16:colId xmlns="" xmlns:a16="http://schemas.microsoft.com/office/drawing/2014/main" val="20003"/>
+                      <a16:colId xmlns:a16="http://schemas.microsoft.com/office/drawing/2014/main" xmlns="" val="20003"/>
                     </a:ext>
                   </a:extLst>
                 </a:gridCol>
@@ -1572,7 +1572,7 @@
                 </a:tc>
                 <a:extLst>
                   <a:ext uri="{0D108BD9-81ED-4DB2-BD59-A6C34878D82A}">
-                    <a16:rowId xmlns="" xmlns:a16="http://schemas.microsoft.com/office/drawing/2014/main" val="10000"/>
+                    <a16:rowId xmlns:a16="http://schemas.microsoft.com/office/drawing/2014/main" xmlns="" val="10000"/>
                   </a:ext>
                 </a:extLst>
               </a:tr>
@@ -1868,7 +1868,21 @@
                           <a:latin typeface="맑은 고딕" pitchFamily="50" charset="-127"/>
                           <a:ea typeface="맑은 고딕" pitchFamily="50" charset="-127"/>
                         </a:rPr>
-                        <a:t>V 1.0.1</a:t>
+                        <a:t>V </a:t>
+                      </a:r>
+                      <a:r>
+                        <a:rPr kumimoji="1" lang="en-US" altLang="ko-KR" sz="900" b="0" i="0" u="none" strike="noStrike" cap="none" normalizeH="0" baseline="0" dirty="0" smtClean="0">
+                          <a:ln>
+                            <a:noFill/>
+                          </a:ln>
+                          <a:solidFill>
+                            <a:schemeClr val="tx1"/>
+                          </a:solidFill>
+                          <a:effectLst/>
+                          <a:latin typeface="맑은 고딕" pitchFamily="50" charset="-127"/>
+                          <a:ea typeface="맑은 고딕" pitchFamily="50" charset="-127"/>
+                        </a:rPr>
+                        <a:t>1.0.1</a:t>
                       </a:r>
                       <a:endParaRPr kumimoji="1" lang="ko-KR" altLang="ko-KR" sz="900" b="0" i="0" u="none" strike="noStrike" cap="none" normalizeH="0" baseline="0" dirty="0" smtClean="0">
                         <a:ln>
@@ -1931,7 +1945,7 @@
                 </a:tc>
                 <a:extLst>
                   <a:ext uri="{0D108BD9-81ED-4DB2-BD59-A6C34878D82A}">
-                    <a16:rowId xmlns="" xmlns:a16="http://schemas.microsoft.com/office/drawing/2014/main" val="10001"/>
+                    <a16:rowId xmlns:a16="http://schemas.microsoft.com/office/drawing/2014/main" xmlns="" val="10001"/>
                   </a:ext>
                 </a:extLst>
               </a:tr>
@@ -3224,7 +3238,7 @@
             <p:ph idx="1"/>
             <p:extLst>
               <p:ext uri="{D42A27DB-BD31-4B8C-83A1-F6EECF244321}">
-                <p14:modId xmlns:p14="http://schemas.microsoft.com/office/powerpoint/2010/main" val="1221011176"/>
+                <p14:modId xmlns:p14="http://schemas.microsoft.com/office/powerpoint/2010/main" val="531889999"/>
               </p:ext>
             </p:extLst>
           </p:nvPr>
@@ -3243,28 +3257,28 @@
                 <a:gridCol w="2145506">
                   <a:extLst>
                     <a:ext uri="{9D8B030D-6E8A-4147-A177-3AD203B41FA5}">
-                      <a16:colId xmlns="" xmlns:a16="http://schemas.microsoft.com/office/drawing/2014/main" val="20000"/>
+                      <a16:colId xmlns:a16="http://schemas.microsoft.com/office/drawing/2014/main" xmlns="" val="20000"/>
                     </a:ext>
                   </a:extLst>
                 </a:gridCol>
                 <a:gridCol w="2145506">
                   <a:extLst>
                     <a:ext uri="{9D8B030D-6E8A-4147-A177-3AD203B41FA5}">
-                      <a16:colId xmlns="" xmlns:a16="http://schemas.microsoft.com/office/drawing/2014/main" val="20001"/>
+                      <a16:colId xmlns:a16="http://schemas.microsoft.com/office/drawing/2014/main" xmlns="" val="20001"/>
                     </a:ext>
                   </a:extLst>
                 </a:gridCol>
                 <a:gridCol w="2145506">
                   <a:extLst>
                     <a:ext uri="{9D8B030D-6E8A-4147-A177-3AD203B41FA5}">
-                      <a16:colId xmlns="" xmlns:a16="http://schemas.microsoft.com/office/drawing/2014/main" val="20002"/>
+                      <a16:colId xmlns:a16="http://schemas.microsoft.com/office/drawing/2014/main" xmlns="" val="20002"/>
                     </a:ext>
                   </a:extLst>
                 </a:gridCol>
                 <a:gridCol w="2145506">
                   <a:extLst>
                     <a:ext uri="{9D8B030D-6E8A-4147-A177-3AD203B41FA5}">
-                      <a16:colId xmlns="" xmlns:a16="http://schemas.microsoft.com/office/drawing/2014/main" val="20003"/>
+                      <a16:colId xmlns:a16="http://schemas.microsoft.com/office/drawing/2014/main" xmlns="" val="20003"/>
                     </a:ext>
                   </a:extLst>
                 </a:gridCol>
@@ -3392,7 +3406,7 @@
                 </a:tc>
                 <a:extLst>
                   <a:ext uri="{0D108BD9-81ED-4DB2-BD59-A6C34878D82A}">
-                    <a16:rowId xmlns="" xmlns:a16="http://schemas.microsoft.com/office/drawing/2014/main" val="10000"/>
+                    <a16:rowId xmlns:a16="http://schemas.microsoft.com/office/drawing/2014/main" xmlns="" val="10000"/>
                   </a:ext>
                 </a:extLst>
               </a:tr>
@@ -3543,7 +3557,7 @@
                 </a:tc>
                 <a:extLst>
                   <a:ext uri="{0D108BD9-81ED-4DB2-BD59-A6C34878D82A}">
-                    <a16:rowId xmlns="" xmlns:a16="http://schemas.microsoft.com/office/drawing/2014/main" val="10001"/>
+                    <a16:rowId xmlns:a16="http://schemas.microsoft.com/office/drawing/2014/main" xmlns="" val="10001"/>
                   </a:ext>
                 </a:extLst>
               </a:tr>
@@ -3634,7 +3648,7 @@
                           <a:latin typeface="맑은 고딕" pitchFamily="50" charset="-127"/>
                           <a:ea typeface="맑은 고딕" pitchFamily="50" charset="-127"/>
                         </a:rPr>
-                        <a:t>T</a:t>
+                        <a:t>Class</a:t>
                       </a:r>
                       <a:r>
                         <a:rPr lang="en-US" altLang="ko-KR" sz="1200" b="0" baseline="0" dirty="0" smtClean="0">
@@ -3644,7 +3658,7 @@
                           <a:latin typeface="맑은 고딕" pitchFamily="50" charset="-127"/>
                           <a:ea typeface="맑은 고딕" pitchFamily="50" charset="-127"/>
                         </a:rPr>
-                        <a:t>o do List </a:t>
+                        <a:t> </a:t>
                       </a:r>
                       <a:r>
                         <a:rPr lang="ko-KR" altLang="en-US" sz="1200" b="0" baseline="0" dirty="0" smtClean="0">
@@ -3654,7 +3668,7 @@
                           <a:latin typeface="맑은 고딕" pitchFamily="50" charset="-127"/>
                           <a:ea typeface="맑은 고딕" pitchFamily="50" charset="-127"/>
                         </a:rPr>
-                        <a:t>패널 수정</a:t>
+                        <a:t>설계서 수정</a:t>
                       </a:r>
                       <a:endParaRPr lang="ko-KR" altLang="en-US" sz="1200" b="0" dirty="0">
                         <a:solidFill>
@@ -3704,7 +3718,7 @@
                 </a:tc>
                 <a:extLst>
                   <a:ext uri="{0D108BD9-81ED-4DB2-BD59-A6C34878D82A}">
-                    <a16:rowId xmlns="" xmlns:a16="http://schemas.microsoft.com/office/drawing/2014/main" val="10002"/>
+                    <a16:rowId xmlns:a16="http://schemas.microsoft.com/office/drawing/2014/main" xmlns="" val="10002"/>
                   </a:ext>
                 </a:extLst>
               </a:tr>
@@ -3795,7 +3809,7 @@
                 </a:tc>
                 <a:extLst>
                   <a:ext uri="{0D108BD9-81ED-4DB2-BD59-A6C34878D82A}">
-                    <a16:rowId xmlns="" xmlns:a16="http://schemas.microsoft.com/office/drawing/2014/main" val="10003"/>
+                    <a16:rowId xmlns:a16="http://schemas.microsoft.com/office/drawing/2014/main" xmlns="" val="10003"/>
                   </a:ext>
                 </a:extLst>
               </a:tr>
@@ -3886,7 +3900,7 @@
                 </a:tc>
                 <a:extLst>
                   <a:ext uri="{0D108BD9-81ED-4DB2-BD59-A6C34878D82A}">
-                    <a16:rowId xmlns="" xmlns:a16="http://schemas.microsoft.com/office/drawing/2014/main" val="10004"/>
+                    <a16:rowId xmlns:a16="http://schemas.microsoft.com/office/drawing/2014/main" xmlns="" val="10004"/>
                   </a:ext>
                 </a:extLst>
               </a:tr>
@@ -3977,7 +3991,7 @@
                 </a:tc>
                 <a:extLst>
                   <a:ext uri="{0D108BD9-81ED-4DB2-BD59-A6C34878D82A}">
-                    <a16:rowId xmlns="" xmlns:a16="http://schemas.microsoft.com/office/drawing/2014/main" val="10005"/>
+                    <a16:rowId xmlns:a16="http://schemas.microsoft.com/office/drawing/2014/main" xmlns="" val="10005"/>
                   </a:ext>
                 </a:extLst>
               </a:tr>
@@ -4068,7 +4082,7 @@
                 </a:tc>
                 <a:extLst>
                   <a:ext uri="{0D108BD9-81ED-4DB2-BD59-A6C34878D82A}">
-                    <a16:rowId xmlns="" xmlns:a16="http://schemas.microsoft.com/office/drawing/2014/main" val="10006"/>
+                    <a16:rowId xmlns:a16="http://schemas.microsoft.com/office/drawing/2014/main" xmlns="" val="10006"/>
                   </a:ext>
                 </a:extLst>
               </a:tr>
@@ -4159,7 +4173,7 @@
                 </a:tc>
                 <a:extLst>
                   <a:ext uri="{0D108BD9-81ED-4DB2-BD59-A6C34878D82A}">
-                    <a16:rowId xmlns="" xmlns:a16="http://schemas.microsoft.com/office/drawing/2014/main" val="10007"/>
+                    <a16:rowId xmlns:a16="http://schemas.microsoft.com/office/drawing/2014/main" xmlns="" val="10007"/>
                   </a:ext>
                 </a:extLst>
               </a:tr>
@@ -4233,7 +4247,7 @@
           <p:cNvPr id="5" name="표 4">
             <a:extLst>
               <a:ext uri="{FF2B5EF4-FFF2-40B4-BE49-F238E27FC236}">
-                <a16:creationId xmlns="" xmlns:a16="http://schemas.microsoft.com/office/drawing/2014/main" id="{DA4D6BA2-741D-4D5D-8D33-C9F2206C7F1A}"/>
+                <a16:creationId xmlns:a16="http://schemas.microsoft.com/office/drawing/2014/main" xmlns="" id="{DA4D6BA2-741D-4D5D-8D33-C9F2206C7F1A}"/>
               </a:ext>
             </a:extLst>
           </p:cNvPr>
@@ -4262,7 +4276,7 @@
                 <a:gridCol w="921267">
                   <a:extLst>
                     <a:ext uri="{9D8B030D-6E8A-4147-A177-3AD203B41FA5}">
-                      <a16:colId xmlns="" xmlns:a16="http://schemas.microsoft.com/office/drawing/2014/main" val="1145108348"/>
+                      <a16:colId xmlns:a16="http://schemas.microsoft.com/office/drawing/2014/main" xmlns="" val="1145108348"/>
                     </a:ext>
                   </a:extLst>
                 </a:gridCol>
@@ -4328,7 +4342,7 @@
                 </a:tc>
                 <a:extLst>
                   <a:ext uri="{0D108BD9-81ED-4DB2-BD59-A6C34878D82A}">
-                    <a16:rowId xmlns="" xmlns:a16="http://schemas.microsoft.com/office/drawing/2014/main" val="2109428318"/>
+                    <a16:rowId xmlns:a16="http://schemas.microsoft.com/office/drawing/2014/main" xmlns="" val="2109428318"/>
                   </a:ext>
                 </a:extLst>
               </a:tr>
@@ -4519,7 +4533,7 @@
                 </a:tc>
                 <a:extLst>
                   <a:ext uri="{0D108BD9-81ED-4DB2-BD59-A6C34878D82A}">
-                    <a16:rowId xmlns="" xmlns:a16="http://schemas.microsoft.com/office/drawing/2014/main" val="2809090921"/>
+                    <a16:rowId xmlns:a16="http://schemas.microsoft.com/office/drawing/2014/main" xmlns="" val="2809090921"/>
                   </a:ext>
                 </a:extLst>
               </a:tr>
@@ -4644,7 +4658,7 @@
                 </a:tc>
                 <a:extLst>
                   <a:ext uri="{0D108BD9-81ED-4DB2-BD59-A6C34878D82A}">
-                    <a16:rowId xmlns="" xmlns:a16="http://schemas.microsoft.com/office/drawing/2014/main" val="989837163"/>
+                    <a16:rowId xmlns:a16="http://schemas.microsoft.com/office/drawing/2014/main" xmlns="" val="989837163"/>
                   </a:ext>
                 </a:extLst>
               </a:tr>
@@ -4657,7 +4671,7 @@
           <p:cNvPr id="6" name="표 5">
             <a:extLst>
               <a:ext uri="{FF2B5EF4-FFF2-40B4-BE49-F238E27FC236}">
-                <a16:creationId xmlns="" xmlns:a16="http://schemas.microsoft.com/office/drawing/2014/main" id="{C5B2FC20-F283-4269-A9B9-FC5C3F205349}"/>
+                <a16:creationId xmlns:a16="http://schemas.microsoft.com/office/drawing/2014/main" xmlns="" id="{C5B2FC20-F283-4269-A9B9-FC5C3F205349}"/>
               </a:ext>
             </a:extLst>
           </p:cNvPr>
@@ -4686,7 +4700,7 @@
                 <a:gridCol w="1355184">
                   <a:extLst>
                     <a:ext uri="{9D8B030D-6E8A-4147-A177-3AD203B41FA5}">
-                      <a16:colId xmlns="" xmlns:a16="http://schemas.microsoft.com/office/drawing/2014/main" val="1145108348"/>
+                      <a16:colId xmlns:a16="http://schemas.microsoft.com/office/drawing/2014/main" xmlns="" val="1145108348"/>
                     </a:ext>
                   </a:extLst>
                 </a:gridCol>
@@ -4752,7 +4766,7 @@
                 </a:tc>
                 <a:extLst>
                   <a:ext uri="{0D108BD9-81ED-4DB2-BD59-A6C34878D82A}">
-                    <a16:rowId xmlns="" xmlns:a16="http://schemas.microsoft.com/office/drawing/2014/main" val="2109428318"/>
+                    <a16:rowId xmlns:a16="http://schemas.microsoft.com/office/drawing/2014/main" xmlns="" val="2109428318"/>
                   </a:ext>
                 </a:extLst>
               </a:tr>
@@ -4867,7 +4881,7 @@
                 </a:tc>
                 <a:extLst>
                   <a:ext uri="{0D108BD9-81ED-4DB2-BD59-A6C34878D82A}">
-                    <a16:rowId xmlns="" xmlns:a16="http://schemas.microsoft.com/office/drawing/2014/main" val="2809090921"/>
+                    <a16:rowId xmlns:a16="http://schemas.microsoft.com/office/drawing/2014/main" xmlns="" val="2809090921"/>
                   </a:ext>
                 </a:extLst>
               </a:tr>
@@ -5005,7 +5019,7 @@
                 </a:tc>
                 <a:extLst>
                   <a:ext uri="{0D108BD9-81ED-4DB2-BD59-A6C34878D82A}">
-                    <a16:rowId xmlns="" xmlns:a16="http://schemas.microsoft.com/office/drawing/2014/main" val="989837163"/>
+                    <a16:rowId xmlns:a16="http://schemas.microsoft.com/office/drawing/2014/main" xmlns="" val="989837163"/>
                   </a:ext>
                 </a:extLst>
               </a:tr>
@@ -5018,7 +5032,7 @@
           <p:cNvPr id="7" name="표 6">
             <a:extLst>
               <a:ext uri="{FF2B5EF4-FFF2-40B4-BE49-F238E27FC236}">
-                <a16:creationId xmlns="" xmlns:a16="http://schemas.microsoft.com/office/drawing/2014/main" id="{96DD638E-F629-4BDD-A6E3-9AB446FBFEA1}"/>
+                <a16:creationId xmlns:a16="http://schemas.microsoft.com/office/drawing/2014/main" xmlns="" id="{96DD638E-F629-4BDD-A6E3-9AB446FBFEA1}"/>
               </a:ext>
             </a:extLst>
           </p:cNvPr>
@@ -5047,7 +5061,7 @@
                 <a:gridCol w="878934">
                   <a:extLst>
                     <a:ext uri="{9D8B030D-6E8A-4147-A177-3AD203B41FA5}">
-                      <a16:colId xmlns="" xmlns:a16="http://schemas.microsoft.com/office/drawing/2014/main" val="1145108348"/>
+                      <a16:colId xmlns:a16="http://schemas.microsoft.com/office/drawing/2014/main" xmlns="" val="1145108348"/>
                     </a:ext>
                   </a:extLst>
                 </a:gridCol>
@@ -5120,7 +5134,7 @@
                 </a:tc>
                 <a:extLst>
                   <a:ext uri="{0D108BD9-81ED-4DB2-BD59-A6C34878D82A}">
-                    <a16:rowId xmlns="" xmlns:a16="http://schemas.microsoft.com/office/drawing/2014/main" val="2109428318"/>
+                    <a16:rowId xmlns:a16="http://schemas.microsoft.com/office/drawing/2014/main" xmlns="" val="2109428318"/>
                   </a:ext>
                 </a:extLst>
               </a:tr>
@@ -5232,7 +5246,7 @@
                 </a:tc>
                 <a:extLst>
                   <a:ext uri="{0D108BD9-81ED-4DB2-BD59-A6C34878D82A}">
-                    <a16:rowId xmlns="" xmlns:a16="http://schemas.microsoft.com/office/drawing/2014/main" val="2809090921"/>
+                    <a16:rowId xmlns:a16="http://schemas.microsoft.com/office/drawing/2014/main" xmlns="" val="2809090921"/>
                   </a:ext>
                 </a:extLst>
               </a:tr>
@@ -5314,7 +5328,7 @@
                 </a:tc>
                 <a:extLst>
                   <a:ext uri="{0D108BD9-81ED-4DB2-BD59-A6C34878D82A}">
-                    <a16:rowId xmlns="" xmlns:a16="http://schemas.microsoft.com/office/drawing/2014/main" val="989837163"/>
+                    <a16:rowId xmlns:a16="http://schemas.microsoft.com/office/drawing/2014/main" xmlns="" val="989837163"/>
                   </a:ext>
                 </a:extLst>
               </a:tr>
@@ -5327,7 +5341,7 @@
           <p:cNvPr id="8" name="표 7">
             <a:extLst>
               <a:ext uri="{FF2B5EF4-FFF2-40B4-BE49-F238E27FC236}">
-                <a16:creationId xmlns="" xmlns:a16="http://schemas.microsoft.com/office/drawing/2014/main" id="{DF2A9454-8746-4514-B6B2-7E034471D80E}"/>
+                <a16:creationId xmlns:a16="http://schemas.microsoft.com/office/drawing/2014/main" xmlns="" id="{DF2A9454-8746-4514-B6B2-7E034471D80E}"/>
               </a:ext>
             </a:extLst>
           </p:cNvPr>
@@ -5356,7 +5370,7 @@
                 <a:gridCol w="1279376">
                   <a:extLst>
                     <a:ext uri="{9D8B030D-6E8A-4147-A177-3AD203B41FA5}">
-                      <a16:colId xmlns="" xmlns:a16="http://schemas.microsoft.com/office/drawing/2014/main" val="1145108348"/>
+                      <a16:colId xmlns:a16="http://schemas.microsoft.com/office/drawing/2014/main" xmlns="" val="1145108348"/>
                     </a:ext>
                   </a:extLst>
                 </a:gridCol>
@@ -5422,7 +5436,7 @@
                 </a:tc>
                 <a:extLst>
                   <a:ext uri="{0D108BD9-81ED-4DB2-BD59-A6C34878D82A}">
-                    <a16:rowId xmlns="" xmlns:a16="http://schemas.microsoft.com/office/drawing/2014/main" val="2109428318"/>
+                    <a16:rowId xmlns:a16="http://schemas.microsoft.com/office/drawing/2014/main" xmlns="" val="2109428318"/>
                   </a:ext>
                 </a:extLst>
               </a:tr>
@@ -5586,7 +5600,7 @@
                 </a:tc>
                 <a:extLst>
                   <a:ext uri="{0D108BD9-81ED-4DB2-BD59-A6C34878D82A}">
-                    <a16:rowId xmlns="" xmlns:a16="http://schemas.microsoft.com/office/drawing/2014/main" val="2809090921"/>
+                    <a16:rowId xmlns:a16="http://schemas.microsoft.com/office/drawing/2014/main" xmlns="" val="2809090921"/>
                   </a:ext>
                 </a:extLst>
               </a:tr>
@@ -5707,7 +5721,7 @@
                 </a:tc>
                 <a:extLst>
                   <a:ext uri="{0D108BD9-81ED-4DB2-BD59-A6C34878D82A}">
-                    <a16:rowId xmlns="" xmlns:a16="http://schemas.microsoft.com/office/drawing/2014/main" val="989837163"/>
+                    <a16:rowId xmlns:a16="http://schemas.microsoft.com/office/drawing/2014/main" xmlns="" val="989837163"/>
                   </a:ext>
                 </a:extLst>
               </a:tr>
@@ -5720,7 +5734,7 @@
           <p:cNvPr id="9" name="표 8">
             <a:extLst>
               <a:ext uri="{FF2B5EF4-FFF2-40B4-BE49-F238E27FC236}">
-                <a16:creationId xmlns="" xmlns:a16="http://schemas.microsoft.com/office/drawing/2014/main" id="{31E1606C-CD53-4F35-813D-A2F4931EAF9C}"/>
+                <a16:creationId xmlns:a16="http://schemas.microsoft.com/office/drawing/2014/main" xmlns="" id="{31E1606C-CD53-4F35-813D-A2F4931EAF9C}"/>
               </a:ext>
             </a:extLst>
           </p:cNvPr>
@@ -5749,7 +5763,7 @@
                 <a:gridCol w="1685776">
                   <a:extLst>
                     <a:ext uri="{9D8B030D-6E8A-4147-A177-3AD203B41FA5}">
-                      <a16:colId xmlns="" xmlns:a16="http://schemas.microsoft.com/office/drawing/2014/main" val="1145108348"/>
+                      <a16:colId xmlns:a16="http://schemas.microsoft.com/office/drawing/2014/main" xmlns="" val="1145108348"/>
                     </a:ext>
                   </a:extLst>
                 </a:gridCol>
@@ -5825,7 +5839,7 @@
                 </a:tc>
                 <a:extLst>
                   <a:ext uri="{0D108BD9-81ED-4DB2-BD59-A6C34878D82A}">
-                    <a16:rowId xmlns="" xmlns:a16="http://schemas.microsoft.com/office/drawing/2014/main" val="2109428318"/>
+                    <a16:rowId xmlns:a16="http://schemas.microsoft.com/office/drawing/2014/main" xmlns="" val="2109428318"/>
                   </a:ext>
                 </a:extLst>
               </a:tr>
@@ -6088,7 +6102,7 @@
                 </a:tc>
                 <a:extLst>
                   <a:ext uri="{0D108BD9-81ED-4DB2-BD59-A6C34878D82A}">
-                    <a16:rowId xmlns="" xmlns:a16="http://schemas.microsoft.com/office/drawing/2014/main" val="2809090921"/>
+                    <a16:rowId xmlns:a16="http://schemas.microsoft.com/office/drawing/2014/main" xmlns="" val="2809090921"/>
                   </a:ext>
                 </a:extLst>
               </a:tr>
@@ -6513,7 +6527,7 @@
                 </a:tc>
                 <a:extLst>
                   <a:ext uri="{0D108BD9-81ED-4DB2-BD59-A6C34878D82A}">
-                    <a16:rowId xmlns="" xmlns:a16="http://schemas.microsoft.com/office/drawing/2014/main" val="989837163"/>
+                    <a16:rowId xmlns:a16="http://schemas.microsoft.com/office/drawing/2014/main" xmlns="" val="989837163"/>
                   </a:ext>
                 </a:extLst>
               </a:tr>
@@ -6526,7 +6540,7 @@
           <p:cNvPr id="18" name="표 17">
             <a:extLst>
               <a:ext uri="{FF2B5EF4-FFF2-40B4-BE49-F238E27FC236}">
-                <a16:creationId xmlns="" xmlns:a16="http://schemas.microsoft.com/office/drawing/2014/main" id="{6FF3F8B8-8E27-4CEC-AC24-5E236327FD0F}"/>
+                <a16:creationId xmlns:a16="http://schemas.microsoft.com/office/drawing/2014/main" xmlns="" id="{6FF3F8B8-8E27-4CEC-AC24-5E236327FD0F}"/>
               </a:ext>
             </a:extLst>
           </p:cNvPr>
@@ -6555,7 +6569,7 @@
                 <a:gridCol w="1009737">
                   <a:extLst>
                     <a:ext uri="{9D8B030D-6E8A-4147-A177-3AD203B41FA5}">
-                      <a16:colId xmlns="" xmlns:a16="http://schemas.microsoft.com/office/drawing/2014/main" val="1145108348"/>
+                      <a16:colId xmlns:a16="http://schemas.microsoft.com/office/drawing/2014/main" xmlns="" val="1145108348"/>
                     </a:ext>
                   </a:extLst>
                 </a:gridCol>
@@ -6621,7 +6635,7 @@
                 </a:tc>
                 <a:extLst>
                   <a:ext uri="{0D108BD9-81ED-4DB2-BD59-A6C34878D82A}">
-                    <a16:rowId xmlns="" xmlns:a16="http://schemas.microsoft.com/office/drawing/2014/main" val="2109428318"/>
+                    <a16:rowId xmlns:a16="http://schemas.microsoft.com/office/drawing/2014/main" xmlns="" val="2109428318"/>
                   </a:ext>
                 </a:extLst>
               </a:tr>
@@ -6749,7 +6763,7 @@
                 </a:tc>
                 <a:extLst>
                   <a:ext uri="{0D108BD9-81ED-4DB2-BD59-A6C34878D82A}">
-                    <a16:rowId xmlns="" xmlns:a16="http://schemas.microsoft.com/office/drawing/2014/main" val="2809090921"/>
+                    <a16:rowId xmlns:a16="http://schemas.microsoft.com/office/drawing/2014/main" xmlns="" val="2809090921"/>
                   </a:ext>
                 </a:extLst>
               </a:tr>
@@ -6824,7 +6838,7 @@
                 </a:tc>
                 <a:extLst>
                   <a:ext uri="{0D108BD9-81ED-4DB2-BD59-A6C34878D82A}">
-                    <a16:rowId xmlns="" xmlns:a16="http://schemas.microsoft.com/office/drawing/2014/main" val="989837163"/>
+                    <a16:rowId xmlns:a16="http://schemas.microsoft.com/office/drawing/2014/main" xmlns="" val="989837163"/>
                   </a:ext>
                 </a:extLst>
               </a:tr>
@@ -7495,7 +7509,7 @@
           <p:cNvPr id="20" name="표 19">
             <a:extLst>
               <a:ext uri="{FF2B5EF4-FFF2-40B4-BE49-F238E27FC236}">
-                <a16:creationId xmlns="" xmlns:a16="http://schemas.microsoft.com/office/drawing/2014/main" id="{7CFFD3B8-4DF0-48E5-8EE1-759C63D5B457}"/>
+                <a16:creationId xmlns:a16="http://schemas.microsoft.com/office/drawing/2014/main" xmlns="" id="{7CFFD3B8-4DF0-48E5-8EE1-759C63D5B457}"/>
               </a:ext>
             </a:extLst>
           </p:cNvPr>
@@ -7524,7 +7538,7 @@
                 <a:gridCol w="1480890">
                   <a:extLst>
                     <a:ext uri="{9D8B030D-6E8A-4147-A177-3AD203B41FA5}">
-                      <a16:colId xmlns="" xmlns:a16="http://schemas.microsoft.com/office/drawing/2014/main" val="1145108348"/>
+                      <a16:colId xmlns:a16="http://schemas.microsoft.com/office/drawing/2014/main" xmlns="" val="1145108348"/>
                     </a:ext>
                   </a:extLst>
                 </a:gridCol>
@@ -7687,7 +7701,7 @@
                 </a:tc>
                 <a:extLst>
                   <a:ext uri="{0D108BD9-81ED-4DB2-BD59-A6C34878D82A}">
-                    <a16:rowId xmlns="" xmlns:a16="http://schemas.microsoft.com/office/drawing/2014/main" val="2109428318"/>
+                    <a16:rowId xmlns:a16="http://schemas.microsoft.com/office/drawing/2014/main" xmlns="" val="2109428318"/>
                   </a:ext>
                 </a:extLst>
               </a:tr>
@@ -8019,7 +8033,7 @@
                 </a:tc>
                 <a:extLst>
                   <a:ext uri="{0D108BD9-81ED-4DB2-BD59-A6C34878D82A}">
-                    <a16:rowId xmlns="" xmlns:a16="http://schemas.microsoft.com/office/drawing/2014/main" val="2809090921"/>
+                    <a16:rowId xmlns:a16="http://schemas.microsoft.com/office/drawing/2014/main" xmlns="" val="2809090921"/>
                   </a:ext>
                 </a:extLst>
               </a:tr>
@@ -8127,7 +8141,7 @@
                 </a:tc>
                 <a:extLst>
                   <a:ext uri="{0D108BD9-81ED-4DB2-BD59-A6C34878D82A}">
-                    <a16:rowId xmlns="" xmlns:a16="http://schemas.microsoft.com/office/drawing/2014/main" val="989837163"/>
+                    <a16:rowId xmlns:a16="http://schemas.microsoft.com/office/drawing/2014/main" xmlns="" val="989837163"/>
                   </a:ext>
                 </a:extLst>
               </a:tr>
@@ -8140,7 +8154,7 @@
           <p:cNvPr id="21" name="표 20">
             <a:extLst>
               <a:ext uri="{FF2B5EF4-FFF2-40B4-BE49-F238E27FC236}">
-                <a16:creationId xmlns="" xmlns:a16="http://schemas.microsoft.com/office/drawing/2014/main" id="{E2B46D3D-6110-4A99-9AC5-D0E02F81BC46}"/>
+                <a16:creationId xmlns:a16="http://schemas.microsoft.com/office/drawing/2014/main" xmlns="" id="{E2B46D3D-6110-4A99-9AC5-D0E02F81BC46}"/>
               </a:ext>
             </a:extLst>
           </p:cNvPr>
@@ -8169,7 +8183,7 @@
                 <a:gridCol w="1030374">
                   <a:extLst>
                     <a:ext uri="{9D8B030D-6E8A-4147-A177-3AD203B41FA5}">
-                      <a16:colId xmlns="" xmlns:a16="http://schemas.microsoft.com/office/drawing/2014/main" val="1145108348"/>
+                      <a16:colId xmlns:a16="http://schemas.microsoft.com/office/drawing/2014/main" xmlns="" val="1145108348"/>
                     </a:ext>
                   </a:extLst>
                 </a:gridCol>
@@ -8235,7 +8249,7 @@
                 </a:tc>
                 <a:extLst>
                   <a:ext uri="{0D108BD9-81ED-4DB2-BD59-A6C34878D82A}">
-                    <a16:rowId xmlns="" xmlns:a16="http://schemas.microsoft.com/office/drawing/2014/main" val="2109428318"/>
+                    <a16:rowId xmlns:a16="http://schemas.microsoft.com/office/drawing/2014/main" xmlns="" val="2109428318"/>
                   </a:ext>
                 </a:extLst>
               </a:tr>
@@ -8363,7 +8377,7 @@
                 </a:tc>
                 <a:extLst>
                   <a:ext uri="{0D108BD9-81ED-4DB2-BD59-A6C34878D82A}">
-                    <a16:rowId xmlns="" xmlns:a16="http://schemas.microsoft.com/office/drawing/2014/main" val="2809090921"/>
+                    <a16:rowId xmlns:a16="http://schemas.microsoft.com/office/drawing/2014/main" xmlns="" val="2809090921"/>
                   </a:ext>
                 </a:extLst>
               </a:tr>
@@ -8438,7 +8452,7 @@
                 </a:tc>
                 <a:extLst>
                   <a:ext uri="{0D108BD9-81ED-4DB2-BD59-A6C34878D82A}">
-                    <a16:rowId xmlns="" xmlns:a16="http://schemas.microsoft.com/office/drawing/2014/main" val="989837163"/>
+                    <a16:rowId xmlns:a16="http://schemas.microsoft.com/office/drawing/2014/main" xmlns="" val="989837163"/>
                   </a:ext>
                 </a:extLst>
               </a:tr>

--- a/03 설계/Class 설계서_3조_THREEGO.pptx
+++ b/03 설계/Class 설계서_3조_THREEGO.pptx
@@ -144,7 +144,7 @@
   </p:defaultTextStyle>
   <p:extLst>
     <p:ext uri="{EFAFB233-063F-42B5-8137-9DF3F51BA10A}">
-      <p15:sldGuideLst xmlns:p15="http://schemas.microsoft.com/office/powerpoint/2012/main" xmlns="">
+      <p15:sldGuideLst xmlns:p15="http://schemas.microsoft.com/office/powerpoint/2012/main">
         <p15:guide id="1" orient="horz">
           <p15:clr>
             <a:srgbClr val="A4A3A4"/>
@@ -163,7 +163,7 @@
       </p15:sldGuideLst>
     </p:ext>
     <p:ext uri="{2D200454-40CA-4A62-9FC3-DE9A4176ACB9}">
-      <p15:notesGuideLst xmlns:p15="http://schemas.microsoft.com/office/powerpoint/2012/main" xmlns="">
+      <p15:notesGuideLst xmlns:p15="http://schemas.microsoft.com/office/powerpoint/2012/main">
         <p15:guide id="1" orient="horz" pos="3126">
           <p15:clr>
             <a:srgbClr val="A4A3A4"/>
@@ -589,35 +589,35 @@
           <a:p>
             <a:pPr lvl="0"/>
             <a:r>
-              <a:rPr lang="en-GB" altLang="ko-KR" smtClean="0"/>
+              <a:rPr lang="en-GB" altLang="ko-KR"/>
               <a:t>Click to edit Master text styles</a:t>
             </a:r>
           </a:p>
           <a:p>
             <a:pPr lvl="1"/>
             <a:r>
-              <a:rPr lang="en-GB" altLang="ko-KR" smtClean="0"/>
+              <a:rPr lang="en-GB" altLang="ko-KR"/>
               <a:t>Second level</a:t>
             </a:r>
           </a:p>
           <a:p>
             <a:pPr lvl="2"/>
             <a:r>
-              <a:rPr lang="en-GB" altLang="ko-KR" smtClean="0"/>
+              <a:rPr lang="en-GB" altLang="ko-KR"/>
               <a:t>Third level</a:t>
             </a:r>
           </a:p>
           <a:p>
             <a:pPr lvl="3"/>
             <a:r>
-              <a:rPr lang="en-GB" altLang="ko-KR" smtClean="0"/>
+              <a:rPr lang="en-GB" altLang="ko-KR"/>
               <a:t>Fourth level</a:t>
             </a:r>
           </a:p>
           <a:p>
             <a:pPr lvl="4"/>
             <a:r>
-              <a:rPr lang="en-GB" altLang="ko-KR" smtClean="0"/>
+              <a:rPr lang="en-GB" altLang="ko-KR"/>
               <a:t>Fifth level</a:t>
             </a:r>
           </a:p>
@@ -1008,7 +1008,7 @@
           </a:bodyPr>
           <a:lstStyle/>
           <a:p>
-            <a:endParaRPr lang="en-US" altLang="ko-KR" sz="2400" b="1" dirty="0" smtClean="0">
+            <a:endParaRPr lang="en-US" altLang="ko-KR" sz="2400" b="1" dirty="0">
               <a:latin typeface="HY헤드라인M" pitchFamily="18" charset="-127"/>
               <a:ea typeface="HY헤드라인M" pitchFamily="18" charset="-127"/>
             </a:endParaRPr>
@@ -1062,18 +1062,13 @@
             </a:lvl1pPr>
           </a:lstStyle>
           <a:p>
-            <a:r>
-              <a:rPr lang="en-US" altLang="ko-KR" dirty="0" smtClean="0"/>
-              <a:t/>
-            </a:r>
             <a:br>
-              <a:rPr lang="en-US" altLang="ko-KR" dirty="0" smtClean="0"/>
+              <a:rPr lang="en-US" altLang="ko-KR" dirty="0"/>
             </a:br>
             <a:r>
-              <a:rPr lang="ko-KR" altLang="en-US" dirty="0" smtClean="0"/>
+              <a:rPr lang="ko-KR" altLang="en-US" dirty="0"/>
               <a:t>마스터 제목 스타일 편집</a:t>
             </a:r>
-            <a:endParaRPr lang="ko-KR" altLang="en-US" dirty="0"/>
           </a:p>
         </p:txBody>
       </p:sp>
@@ -1082,13 +1077,6 @@
   <p:clrMapOvr>
     <a:masterClrMapping/>
   </p:clrMapOvr>
-  <p:timing>
-    <p:tnLst>
-      <p:par>
-        <p:cTn id="1" dur="indefinite" restart="never" nodeType="tmRoot"/>
-      </p:par>
-    </p:tnLst>
-  </p:timing>
 </p:sldLayout>
 </file>
 
@@ -1135,28 +1123,28 @@
                 <a:gridCol w="1022523">
                   <a:extLst>
                     <a:ext uri="{9D8B030D-6E8A-4147-A177-3AD203B41FA5}">
-                      <a16:colId xmlns:a16="http://schemas.microsoft.com/office/drawing/2014/main" xmlns="" val="20000"/>
+                      <a16:colId xmlns:a16="http://schemas.microsoft.com/office/drawing/2014/main" val="20000"/>
                     </a:ext>
                   </a:extLst>
                 </a:gridCol>
                 <a:gridCol w="3439486">
                   <a:extLst>
                     <a:ext uri="{9D8B030D-6E8A-4147-A177-3AD203B41FA5}">
-                      <a16:colId xmlns:a16="http://schemas.microsoft.com/office/drawing/2014/main" xmlns="" val="20001"/>
+                      <a16:colId xmlns:a16="http://schemas.microsoft.com/office/drawing/2014/main" val="20001"/>
                     </a:ext>
                   </a:extLst>
                 </a:gridCol>
                 <a:gridCol w="947956">
                   <a:extLst>
                     <a:ext uri="{9D8B030D-6E8A-4147-A177-3AD203B41FA5}">
-                      <a16:colId xmlns:a16="http://schemas.microsoft.com/office/drawing/2014/main" xmlns="" val="20002"/>
+                      <a16:colId xmlns:a16="http://schemas.microsoft.com/office/drawing/2014/main" val="20002"/>
                     </a:ext>
                   </a:extLst>
                 </a:gridCol>
                 <a:gridCol w="3523377">
                   <a:extLst>
                     <a:ext uri="{9D8B030D-6E8A-4147-A177-3AD203B41FA5}">
-                      <a16:colId xmlns:a16="http://schemas.microsoft.com/office/drawing/2014/main" xmlns="" val="20003"/>
+                      <a16:colId xmlns:a16="http://schemas.microsoft.com/office/drawing/2014/main" val="20003"/>
                     </a:ext>
                   </a:extLst>
                 </a:gridCol>
@@ -1184,7 +1172,7 @@
                         <a:tabLst/>
                       </a:pPr>
                       <a:r>
-                        <a:rPr kumimoji="1" lang="ko-KR" altLang="en-US" sz="900" b="0" i="0" u="none" strike="noStrike" cap="none" normalizeH="0" baseline="0" dirty="0" smtClean="0">
+                        <a:rPr kumimoji="1" lang="ko-KR" altLang="en-US" sz="900" b="0" i="0" u="none" strike="noStrike" cap="none" normalizeH="0" baseline="0" dirty="0">
                           <a:ln>
                             <a:noFill/>
                           </a:ln>
@@ -1197,7 +1185,7 @@
                         </a:rPr>
                         <a:t>프로젝트 명</a:t>
                       </a:r>
-                      <a:endParaRPr kumimoji="1" lang="ko-KR" altLang="ko-KR" sz="900" b="0" i="0" u="none" strike="noStrike" cap="none" normalizeH="0" baseline="0" dirty="0" smtClean="0">
+                      <a:endParaRPr kumimoji="1" lang="ko-KR" altLang="ko-KR" sz="900" b="0" i="0" u="none" strike="noStrike" cap="none" normalizeH="0" baseline="0" dirty="0">
                         <a:ln>
                           <a:noFill/>
                         </a:ln>
@@ -1280,7 +1268,7 @@
                         <a:tabLst/>
                       </a:pPr>
                       <a:r>
-                        <a:rPr kumimoji="1" lang="en-US" altLang="ko-KR" sz="900" b="0" i="0" u="none" strike="noStrike" cap="none" normalizeH="0" baseline="0" dirty="0" smtClean="0">
+                        <a:rPr kumimoji="1" lang="en-US" altLang="ko-KR" sz="900" b="0" i="0" u="none" strike="noStrike" cap="none" normalizeH="0" baseline="0" dirty="0">
                           <a:ln>
                             <a:noFill/>
                           </a:ln>
@@ -1294,7 +1282,7 @@
                         <a:t>To do List </a:t>
                       </a:r>
                       <a:r>
-                        <a:rPr kumimoji="1" lang="ko-KR" altLang="en-US" sz="900" b="0" i="0" u="none" strike="noStrike" cap="none" normalizeH="0" baseline="0" dirty="0" smtClean="0">
+                        <a:rPr kumimoji="1" lang="ko-KR" altLang="en-US" sz="900" b="0" i="0" u="none" strike="noStrike" cap="none" normalizeH="0" baseline="0" dirty="0">
                           <a:ln>
                             <a:noFill/>
                           </a:ln>
@@ -1307,7 +1295,7 @@
                         </a:rPr>
                         <a:t>프로그램 개발</a:t>
                       </a:r>
-                      <a:endParaRPr kumimoji="1" lang="ko-KR" altLang="ko-KR" sz="900" b="0" i="0" u="none" strike="noStrike" cap="none" normalizeH="0" baseline="0" dirty="0" smtClean="0">
+                      <a:endParaRPr kumimoji="1" lang="ko-KR" altLang="ko-KR" sz="900" b="0" i="0" u="none" strike="noStrike" cap="none" normalizeH="0" baseline="0" dirty="0">
                         <a:ln>
                           <a:noFill/>
                         </a:ln>
@@ -1388,7 +1376,7 @@
                         <a:tabLst/>
                       </a:pPr>
                       <a:r>
-                        <a:rPr kumimoji="1" lang="ko-KR" altLang="en-US" sz="900" b="0" i="0" u="none" strike="noStrike" cap="none" normalizeH="0" baseline="0" dirty="0" smtClean="0">
+                        <a:rPr kumimoji="1" lang="ko-KR" altLang="en-US" sz="900" b="0" i="0" u="none" strike="noStrike" cap="none" normalizeH="0" baseline="0" dirty="0">
                           <a:ln>
                             <a:noFill/>
                           </a:ln>
@@ -1401,7 +1389,7 @@
                         </a:rPr>
                         <a:t>문서 명</a:t>
                       </a:r>
-                      <a:endParaRPr kumimoji="1" lang="ko-KR" altLang="ko-KR" sz="900" b="0" i="0" u="none" strike="noStrike" cap="none" normalizeH="0" baseline="0" dirty="0" smtClean="0">
+                      <a:endParaRPr kumimoji="1" lang="ko-KR" altLang="ko-KR" sz="900" b="0" i="0" u="none" strike="noStrike" cap="none" normalizeH="0" baseline="0" dirty="0">
                         <a:ln>
                           <a:noFill/>
                         </a:ln>
@@ -1484,7 +1472,7 @@
                         <a:tabLst/>
                       </a:pPr>
                       <a:r>
-                        <a:rPr kumimoji="1" lang="en-US" altLang="ko-KR" sz="900" b="0" i="0" u="none" strike="noStrike" cap="none" normalizeH="0" baseline="0" dirty="0" smtClean="0">
+                        <a:rPr kumimoji="1" lang="en-US" altLang="ko-KR" sz="900" b="0" i="0" u="none" strike="noStrike" cap="none" normalizeH="0" baseline="0" dirty="0">
                           <a:ln>
                             <a:noFill/>
                           </a:ln>
@@ -1498,7 +1486,7 @@
                         <a:t>Class </a:t>
                       </a:r>
                       <a:r>
-                        <a:rPr kumimoji="1" lang="ko-KR" altLang="en-US" sz="900" b="0" i="0" u="none" strike="noStrike" cap="none" normalizeH="0" baseline="0" dirty="0" smtClean="0">
+                        <a:rPr kumimoji="1" lang="ko-KR" altLang="en-US" sz="900" b="0" i="0" u="none" strike="noStrike" cap="none" normalizeH="0" baseline="0" dirty="0">
                           <a:ln>
                             <a:noFill/>
                           </a:ln>
@@ -1511,7 +1499,7 @@
                         </a:rPr>
                         <a:t>설계서</a:t>
                       </a:r>
-                      <a:endParaRPr kumimoji="1" lang="ko-KR" sz="900" b="0" i="0" u="none" strike="noStrike" cap="none" normalizeH="0" baseline="0" dirty="0" smtClean="0">
+                      <a:endParaRPr kumimoji="1" lang="ko-KR" sz="900" b="0" i="0" u="none" strike="noStrike" cap="none" normalizeH="0" baseline="0" dirty="0">
                         <a:ln>
                           <a:noFill/>
                         </a:ln>
@@ -1572,7 +1560,7 @@
                 </a:tc>
                 <a:extLst>
                   <a:ext uri="{0D108BD9-81ED-4DB2-BD59-A6C34878D82A}">
-                    <a16:rowId xmlns:a16="http://schemas.microsoft.com/office/drawing/2014/main" xmlns="" val="10000"/>
+                    <a16:rowId xmlns:a16="http://schemas.microsoft.com/office/drawing/2014/main" val="10000"/>
                   </a:ext>
                 </a:extLst>
               </a:tr>
@@ -1598,7 +1586,7 @@
                         <a:buNone/>
                         <a:tabLst/>
                       </a:pPr>
-                      <a:endParaRPr kumimoji="1" lang="ko-KR" sz="900" b="0" i="0" u="none" strike="noStrike" cap="none" normalizeH="0" baseline="0" dirty="0" smtClean="0">
+                      <a:endParaRPr kumimoji="1" lang="ko-KR" sz="900" b="0" i="0" u="none" strike="noStrike" cap="none" normalizeH="0" baseline="0" dirty="0">
                         <a:ln>
                           <a:noFill/>
                         </a:ln>
@@ -1680,7 +1668,7 @@
                         <a:buNone/>
                         <a:tabLst/>
                       </a:pPr>
-                      <a:endParaRPr kumimoji="1" lang="ko-KR" altLang="ko-KR" sz="900" b="0" i="0" u="none" strike="noStrike" cap="none" normalizeH="0" baseline="0" dirty="0" smtClean="0">
+                      <a:endParaRPr kumimoji="1" lang="ko-KR" altLang="ko-KR" sz="900" b="0" i="0" u="none" strike="noStrike" cap="none" normalizeH="0" baseline="0" dirty="0">
                         <a:ln>
                           <a:noFill/>
                         </a:ln>
@@ -1761,7 +1749,7 @@
                         <a:tabLst/>
                       </a:pPr>
                       <a:r>
-                        <a:rPr kumimoji="1" lang="ko-KR" altLang="en-US" sz="900" b="0" i="0" u="none" strike="noStrike" cap="none" normalizeH="0" baseline="0" dirty="0" smtClean="0">
+                        <a:rPr kumimoji="1" lang="ko-KR" altLang="en-US" sz="900" b="0" i="0" u="none" strike="noStrike" cap="none" normalizeH="0" baseline="0" dirty="0">
                           <a:ln>
                             <a:noFill/>
                           </a:ln>
@@ -1774,7 +1762,7 @@
                         </a:rPr>
                         <a:t>버전</a:t>
                       </a:r>
-                      <a:endParaRPr kumimoji="1" lang="ko-KR" altLang="ko-KR" sz="900" b="0" i="0" u="none" strike="noStrike" cap="none" normalizeH="0" baseline="0" dirty="0" smtClean="0">
+                      <a:endParaRPr kumimoji="1" lang="ko-KR" altLang="ko-KR" sz="900" b="0" i="0" u="none" strike="noStrike" cap="none" normalizeH="0" baseline="0" dirty="0">
                         <a:ln>
                           <a:noFill/>
                         </a:ln>
@@ -1857,7 +1845,7 @@
                         <a:tabLst/>
                       </a:pPr>
                       <a:r>
-                        <a:rPr kumimoji="1" lang="en-US" altLang="ko-KR" sz="900" b="0" i="0" u="none" strike="noStrike" cap="none" normalizeH="0" baseline="0" dirty="0" smtClean="0">
+                        <a:rPr kumimoji="1" lang="en-US" altLang="ko-KR" sz="900" b="0" i="0" u="none" strike="noStrike" cap="none" normalizeH="0" baseline="0" dirty="0">
                           <a:ln>
                             <a:noFill/>
                           </a:ln>
@@ -1868,23 +1856,9 @@
                           <a:latin typeface="맑은 고딕" pitchFamily="50" charset="-127"/>
                           <a:ea typeface="맑은 고딕" pitchFamily="50" charset="-127"/>
                         </a:rPr>
-                        <a:t>V </a:t>
-                      </a:r>
-                      <a:r>
-                        <a:rPr kumimoji="1" lang="en-US" altLang="ko-KR" sz="900" b="0" i="0" u="none" strike="noStrike" cap="none" normalizeH="0" baseline="0" dirty="0" smtClean="0">
-                          <a:ln>
-                            <a:noFill/>
-                          </a:ln>
-                          <a:solidFill>
-                            <a:schemeClr val="tx1"/>
-                          </a:solidFill>
-                          <a:effectLst/>
-                          <a:latin typeface="맑은 고딕" pitchFamily="50" charset="-127"/>
-                          <a:ea typeface="맑은 고딕" pitchFamily="50" charset="-127"/>
-                        </a:rPr>
-                        <a:t>1.0.1</a:t>
-                      </a:r>
-                      <a:endParaRPr kumimoji="1" lang="ko-KR" altLang="ko-KR" sz="900" b="0" i="0" u="none" strike="noStrike" cap="none" normalizeH="0" baseline="0" dirty="0" smtClean="0">
+                        <a:t>V 1.0.1</a:t>
+                      </a:r>
+                      <a:endParaRPr kumimoji="1" lang="ko-KR" altLang="ko-KR" sz="900" b="0" i="0" u="none" strike="noStrike" cap="none" normalizeH="0" baseline="0" dirty="0">
                         <a:ln>
                           <a:noFill/>
                         </a:ln>
@@ -1945,7 +1919,7 @@
                 </a:tc>
                 <a:extLst>
                   <a:ext uri="{0D108BD9-81ED-4DB2-BD59-A6C34878D82A}">
-                    <a16:rowId xmlns:a16="http://schemas.microsoft.com/office/drawing/2014/main" xmlns="" val="10001"/>
+                    <a16:rowId xmlns:a16="http://schemas.microsoft.com/office/drawing/2014/main" val="10001"/>
                   </a:ext>
                 </a:extLst>
               </a:tr>
@@ -2000,10 +1974,9 @@
           <a:p>
             <a:pPr algn="r"/>
             <a:r>
-              <a:rPr lang="en-US" altLang="ko-KR" dirty="0" smtClean="0"/>
+              <a:rPr lang="en-US" altLang="ko-KR" dirty="0"/>
               <a:t>THREEGO</a:t>
             </a:r>
-            <a:endParaRPr lang="en-US" altLang="ko-KR" dirty="0"/>
           </a:p>
         </p:txBody>
       </p:sp>
@@ -2057,7 +2030,7 @@
               <a:buNone/>
               <a:tabLst/>
             </a:pPr>
-            <a:endParaRPr kumimoji="0" lang="ko-KR" altLang="en-US" sz="1400" b="0" i="0" u="none" strike="noStrike" cap="none" normalizeH="0" baseline="0" smtClean="0">
+            <a:endParaRPr kumimoji="0" lang="ko-KR" altLang="en-US" sz="1400" b="0" i="0" u="none" strike="noStrike" cap="none" normalizeH="0" baseline="0">
               <a:ln>
                 <a:noFill/>
               </a:ln>
@@ -2076,13 +2049,6 @@
   <p:clrMapOvr>
     <a:masterClrMapping/>
   </p:clrMapOvr>
-  <p:timing>
-    <p:tnLst>
-      <p:par>
-        <p:cTn id="1" dur="indefinite" restart="never" nodeType="tmRoot"/>
-      </p:par>
-    </p:tnLst>
-  </p:timing>
 </p:sldLayout>
 </file>
 
@@ -2133,7 +2099,7 @@
           </a:lstStyle>
           <a:p>
             <a:r>
-              <a:rPr lang="ko-KR" altLang="en-US" smtClean="0"/>
+              <a:rPr lang="ko-KR" altLang="en-US"/>
               <a:t>마스터 제목 스타일 편집</a:t>
             </a:r>
             <a:endParaRPr lang="ko-KR" altLang="en-US" dirty="0"/>
@@ -2183,38 +2149,37 @@
           <a:p>
             <a:pPr lvl="0"/>
             <a:r>
-              <a:rPr lang="ko-KR" altLang="en-US" dirty="0" smtClean="0"/>
+              <a:rPr lang="ko-KR" altLang="en-US" dirty="0"/>
               <a:t>마스터 텍스트 스타일을 편집합니다</a:t>
             </a:r>
           </a:p>
           <a:p>
             <a:pPr lvl="1"/>
             <a:r>
-              <a:rPr lang="ko-KR" altLang="en-US" dirty="0" smtClean="0"/>
+              <a:rPr lang="ko-KR" altLang="en-US" dirty="0"/>
               <a:t>둘째 수준</a:t>
             </a:r>
           </a:p>
           <a:p>
             <a:pPr lvl="2"/>
             <a:r>
-              <a:rPr lang="ko-KR" altLang="en-US" dirty="0" smtClean="0"/>
+              <a:rPr lang="ko-KR" altLang="en-US" dirty="0"/>
               <a:t>셋째 수준</a:t>
             </a:r>
           </a:p>
           <a:p>
             <a:pPr lvl="3"/>
             <a:r>
-              <a:rPr lang="ko-KR" altLang="en-US" dirty="0" smtClean="0"/>
+              <a:rPr lang="ko-KR" altLang="en-US" dirty="0"/>
               <a:t>넷째 수준</a:t>
             </a:r>
           </a:p>
           <a:p>
             <a:pPr lvl="4"/>
             <a:r>
-              <a:rPr lang="ko-KR" altLang="en-US" dirty="0" smtClean="0"/>
+              <a:rPr lang="ko-KR" altLang="en-US" dirty="0"/>
               <a:t>다섯째 수준</a:t>
             </a:r>
-            <a:endParaRPr lang="ko-KR" altLang="en-US" dirty="0"/>
           </a:p>
         </p:txBody>
       </p:sp>
@@ -2335,10 +2300,9 @@
           <a:p>
             <a:pPr algn="r"/>
             <a:r>
-              <a:rPr lang="en-US" altLang="ko-KR" dirty="0" smtClean="0"/>
+              <a:rPr lang="en-US" altLang="ko-KR" dirty="0"/>
               <a:t>THREEGO</a:t>
             </a:r>
-            <a:endParaRPr lang="en-US" altLang="ko-KR" dirty="0"/>
           </a:p>
         </p:txBody>
       </p:sp>
@@ -2347,13 +2311,6 @@
   <p:clrMapOvr>
     <a:masterClrMapping/>
   </p:clrMapOvr>
-  <p:timing>
-    <p:tnLst>
-      <p:par>
-        <p:cTn id="1" dur="indefinite" restart="never" nodeType="tmRoot"/>
-      </p:par>
-    </p:tnLst>
-  </p:timing>
 </p:sldLayout>
 </file>
 
@@ -2547,10 +2504,9 @@
           <a:p>
             <a:pPr algn="r"/>
             <a:r>
-              <a:rPr lang="en-US" altLang="ko-KR" dirty="0" smtClean="0"/>
+              <a:rPr lang="en-US" altLang="ko-KR" dirty="0"/>
               <a:t>THREEGO</a:t>
             </a:r>
-            <a:endParaRPr lang="en-US" altLang="ko-KR" dirty="0"/>
           </a:p>
         </p:txBody>
       </p:sp>
@@ -2562,13 +2518,6 @@
     <p:sldLayoutId id="2147483657" r:id="rId2"/>
     <p:sldLayoutId id="2147483662" r:id="rId3"/>
   </p:sldLayoutIdLst>
-  <p:timing>
-    <p:tnLst>
-      <p:par>
-        <p:cTn id="1" dur="indefinite" restart="never" nodeType="tmRoot"/>
-      </p:par>
-    </p:tnLst>
-  </p:timing>
   <p:hf sldNum="0" hdr="0" dt="0"/>
   <p:txStyles>
     <p:titleStyle>
@@ -3100,22 +3049,17 @@
           <a:bodyPr/>
           <a:lstStyle/>
           <a:p>
-            <a:r>
-              <a:rPr lang="en-US" altLang="ko-KR" dirty="0" smtClean="0"/>
-              <a:t/>
-            </a:r>
             <a:br>
-              <a:rPr lang="en-US" altLang="ko-KR" dirty="0" smtClean="0"/>
+              <a:rPr lang="en-US" altLang="ko-KR" dirty="0"/>
             </a:br>
             <a:r>
-              <a:rPr lang="en-US" altLang="ko-KR" dirty="0" smtClean="0"/>
+              <a:rPr lang="en-US" altLang="ko-KR" dirty="0"/>
               <a:t>Class </a:t>
             </a:r>
             <a:r>
-              <a:rPr lang="ko-KR" altLang="en-US" dirty="0" smtClean="0"/>
+              <a:rPr lang="ko-KR" altLang="en-US" dirty="0"/>
               <a:t>설계서</a:t>
             </a:r>
-            <a:endParaRPr lang="ko-KR" altLang="en-US" dirty="0"/>
           </a:p>
         </p:txBody>
       </p:sp>
@@ -3142,7 +3086,7 @@
           <a:lstStyle/>
           <a:p>
             <a:r>
-              <a:rPr lang="en-US" altLang="ko-KR" sz="2000" dirty="0" smtClean="0"/>
+              <a:rPr lang="en-US" altLang="ko-KR" sz="2000" dirty="0"/>
               <a:t>&lt;THREEGO&gt;</a:t>
             </a:r>
             <a:endParaRPr lang="ko-KR" altLang="en-US" sz="2000" dirty="0"/>
@@ -3154,13 +3098,6 @@
   <p:clrMapOvr>
     <a:masterClrMapping/>
   </p:clrMapOvr>
-  <p:timing>
-    <p:tnLst>
-      <p:par>
-        <p:cTn id="1" dur="indefinite" restart="never" nodeType="tmRoot"/>
-      </p:par>
-    </p:tnLst>
-  </p:timing>
 </p:sld>
 </file>
 
@@ -3197,10 +3134,9 @@
           <a:lstStyle/>
           <a:p>
             <a:r>
-              <a:rPr lang="ko-KR" altLang="en-US" dirty="0" smtClean="0"/>
+              <a:rPr lang="ko-KR" altLang="en-US" dirty="0"/>
               <a:t>변경 이력</a:t>
             </a:r>
-            <a:endParaRPr lang="ko-KR" altLang="en-US" dirty="0"/>
           </a:p>
         </p:txBody>
       </p:sp>
@@ -3221,10 +3157,9 @@
           <a:p>
             <a:pPr algn="r"/>
             <a:r>
-              <a:rPr lang="en-US" altLang="ko-KR" dirty="0" smtClean="0"/>
+              <a:rPr lang="en-US" altLang="ko-KR" dirty="0"/>
               <a:t>THREEGO</a:t>
             </a:r>
-            <a:endParaRPr lang="en-US" altLang="ko-KR" dirty="0"/>
           </a:p>
         </p:txBody>
       </p:sp>
@@ -3257,28 +3192,28 @@
                 <a:gridCol w="2145506">
                   <a:extLst>
                     <a:ext uri="{9D8B030D-6E8A-4147-A177-3AD203B41FA5}">
-                      <a16:colId xmlns:a16="http://schemas.microsoft.com/office/drawing/2014/main" xmlns="" val="20000"/>
+                      <a16:colId xmlns:a16="http://schemas.microsoft.com/office/drawing/2014/main" val="20000"/>
                     </a:ext>
                   </a:extLst>
                 </a:gridCol>
                 <a:gridCol w="2145506">
                   <a:extLst>
                     <a:ext uri="{9D8B030D-6E8A-4147-A177-3AD203B41FA5}">
-                      <a16:colId xmlns:a16="http://schemas.microsoft.com/office/drawing/2014/main" xmlns="" val="20001"/>
+                      <a16:colId xmlns:a16="http://schemas.microsoft.com/office/drawing/2014/main" val="20001"/>
                     </a:ext>
                   </a:extLst>
                 </a:gridCol>
                 <a:gridCol w="2145506">
                   <a:extLst>
                     <a:ext uri="{9D8B030D-6E8A-4147-A177-3AD203B41FA5}">
-                      <a16:colId xmlns:a16="http://schemas.microsoft.com/office/drawing/2014/main" xmlns="" val="20002"/>
+                      <a16:colId xmlns:a16="http://schemas.microsoft.com/office/drawing/2014/main" val="20002"/>
                     </a:ext>
                   </a:extLst>
                 </a:gridCol>
                 <a:gridCol w="2145506">
                   <a:extLst>
                     <a:ext uri="{9D8B030D-6E8A-4147-A177-3AD203B41FA5}">
-                      <a16:colId xmlns:a16="http://schemas.microsoft.com/office/drawing/2014/main" xmlns="" val="20003"/>
+                      <a16:colId xmlns:a16="http://schemas.microsoft.com/office/drawing/2014/main" val="20003"/>
                     </a:ext>
                   </a:extLst>
                 </a:gridCol>
@@ -3291,7 +3226,7 @@
                     <a:p>
                       <a:pPr algn="ctr" latinLnBrk="1"/>
                       <a:r>
-                        <a:rPr lang="ko-KR" altLang="en-US" sz="1200" b="1" dirty="0" smtClean="0">
+                        <a:rPr lang="ko-KR" altLang="en-US" sz="1200" b="1" dirty="0">
                           <a:latin typeface="맑은 고딕" pitchFamily="50" charset="-127"/>
                           <a:ea typeface="맑은 고딕" pitchFamily="50" charset="-127"/>
                         </a:rPr>
@@ -3321,7 +3256,7 @@
                     <a:p>
                       <a:pPr algn="ctr" latinLnBrk="1"/>
                       <a:r>
-                        <a:rPr lang="ko-KR" altLang="en-US" sz="1200" b="1" dirty="0" smtClean="0">
+                        <a:rPr lang="ko-KR" altLang="en-US" sz="1200" b="1" dirty="0">
                           <a:latin typeface="맑은 고딕" pitchFamily="50" charset="-127"/>
                           <a:ea typeface="맑은 고딕" pitchFamily="50" charset="-127"/>
                         </a:rPr>
@@ -3351,7 +3286,7 @@
                     <a:p>
                       <a:pPr algn="ctr" latinLnBrk="1"/>
                       <a:r>
-                        <a:rPr lang="ko-KR" altLang="en-US" sz="1200" b="1" dirty="0" smtClean="0">
+                        <a:rPr lang="ko-KR" altLang="en-US" sz="1200" b="1" dirty="0">
                           <a:latin typeface="맑은 고딕" pitchFamily="50" charset="-127"/>
                           <a:ea typeface="맑은 고딕" pitchFamily="50" charset="-127"/>
                         </a:rPr>
@@ -3381,7 +3316,7 @@
                     <a:p>
                       <a:pPr algn="ctr" latinLnBrk="1"/>
                       <a:r>
-                        <a:rPr lang="ko-KR" altLang="en-US" sz="1200" b="1" dirty="0" smtClean="0">
+                        <a:rPr lang="ko-KR" altLang="en-US" sz="1200" b="1" dirty="0">
                           <a:latin typeface="맑은 고딕" pitchFamily="50" charset="-127"/>
                           <a:ea typeface="맑은 고딕" pitchFamily="50" charset="-127"/>
                         </a:rPr>
@@ -3406,7 +3341,7 @@
                 </a:tc>
                 <a:extLst>
                   <a:ext uri="{0D108BD9-81ED-4DB2-BD59-A6C34878D82A}">
-                    <a16:rowId xmlns:a16="http://schemas.microsoft.com/office/drawing/2014/main" xmlns="" val="10000"/>
+                    <a16:rowId xmlns:a16="http://schemas.microsoft.com/office/drawing/2014/main" val="10000"/>
                   </a:ext>
                 </a:extLst>
               </a:tr>
@@ -3418,7 +3353,7 @@
                     <a:p>
                       <a:pPr algn="ctr" latinLnBrk="1"/>
                       <a:r>
-                        <a:rPr lang="en-US" altLang="ko-KR" sz="1200" b="0" dirty="0" smtClean="0">
+                        <a:rPr lang="en-US" altLang="ko-KR" sz="1200" b="0" dirty="0">
                           <a:solidFill>
                             <a:schemeClr val="tx1"/>
                           </a:solidFill>
@@ -3449,7 +3384,7 @@
                     <a:p>
                       <a:pPr algn="ctr" latinLnBrk="1"/>
                       <a:r>
-                        <a:rPr lang="en-US" altLang="ko-KR" sz="1200" b="0" dirty="0" smtClean="0">
+                        <a:rPr lang="en-US" altLang="ko-KR" sz="1200" b="0" dirty="0">
                           <a:solidFill>
                             <a:schemeClr val="tx1"/>
                           </a:solidFill>
@@ -3459,7 +3394,7 @@
                         <a:t>V</a:t>
                       </a:r>
                       <a:r>
-                        <a:rPr lang="en-US" altLang="ko-KR" sz="1200" b="0" baseline="0" dirty="0" smtClean="0">
+                        <a:rPr lang="en-US" altLang="ko-KR" sz="1200" b="0" baseline="0" dirty="0">
                           <a:solidFill>
                             <a:schemeClr val="tx1"/>
                           </a:solidFill>
@@ -3490,7 +3425,7 @@
                     <a:p>
                       <a:pPr latinLnBrk="1"/>
                       <a:r>
-                        <a:rPr lang="en-US" altLang="ko-KR" sz="1200" b="0" dirty="0" smtClean="0">
+                        <a:rPr lang="en-US" altLang="ko-KR" sz="1200" b="0" dirty="0">
                           <a:solidFill>
                             <a:schemeClr val="tx1"/>
                           </a:solidFill>
@@ -3500,7 +3435,7 @@
                         <a:t>Class </a:t>
                       </a:r>
                       <a:r>
-                        <a:rPr lang="ko-KR" altLang="en-US" sz="1200" b="0" dirty="0" smtClean="0">
+                        <a:rPr lang="ko-KR" altLang="en-US" sz="1200" b="0" dirty="0">
                           <a:solidFill>
                             <a:schemeClr val="tx1"/>
                           </a:solidFill>
@@ -3509,13 +3444,6 @@
                         </a:rPr>
                         <a:t>설계서 작성</a:t>
                       </a:r>
-                      <a:endParaRPr lang="ko-KR" altLang="en-US" sz="1200" b="0" dirty="0">
-                        <a:solidFill>
-                          <a:schemeClr val="tx1"/>
-                        </a:solidFill>
-                        <a:latin typeface="맑은 고딕" pitchFamily="50" charset="-127"/>
-                        <a:ea typeface="맑은 고딕" pitchFamily="50" charset="-127"/>
-                      </a:endParaRPr>
                     </a:p>
                   </a:txBody>
                   <a:tcPr anchor="ctr">
@@ -3531,7 +3459,7 @@
                     <a:p>
                       <a:pPr algn="ctr" latinLnBrk="1"/>
                       <a:r>
-                        <a:rPr lang="ko-KR" altLang="en-US" sz="1200" b="0" dirty="0" smtClean="0">
+                        <a:rPr lang="ko-KR" altLang="en-US" sz="1200" b="0" dirty="0">
                           <a:solidFill>
                             <a:schemeClr val="tx1"/>
                           </a:solidFill>
@@ -3540,13 +3468,6 @@
                         </a:rPr>
                         <a:t>김 정 현</a:t>
                       </a:r>
-                      <a:endParaRPr lang="ko-KR" altLang="en-US" sz="1200" b="0" dirty="0">
-                        <a:solidFill>
-                          <a:schemeClr val="tx1"/>
-                        </a:solidFill>
-                        <a:latin typeface="맑은 고딕" pitchFamily="50" charset="-127"/>
-                        <a:ea typeface="맑은 고딕" pitchFamily="50" charset="-127"/>
-                      </a:endParaRPr>
                     </a:p>
                   </a:txBody>
                   <a:tcPr anchor="ctr">
@@ -3557,7 +3478,7 @@
                 </a:tc>
                 <a:extLst>
                   <a:ext uri="{0D108BD9-81ED-4DB2-BD59-A6C34878D82A}">
-                    <a16:rowId xmlns:a16="http://schemas.microsoft.com/office/drawing/2014/main" xmlns="" val="10001"/>
+                    <a16:rowId xmlns:a16="http://schemas.microsoft.com/office/drawing/2014/main" val="10001"/>
                   </a:ext>
                 </a:extLst>
               </a:tr>
@@ -3569,7 +3490,7 @@
                     <a:p>
                       <a:pPr algn="ctr" latinLnBrk="1"/>
                       <a:r>
-                        <a:rPr lang="en-US" altLang="ko-KR" sz="1200" b="0" dirty="0" smtClean="0">
+                        <a:rPr lang="en-US" altLang="ko-KR" sz="1200" b="0" dirty="0">
                           <a:solidFill>
                             <a:schemeClr val="tx1"/>
                           </a:solidFill>
@@ -3600,7 +3521,7 @@
                     <a:p>
                       <a:pPr algn="ctr" latinLnBrk="1"/>
                       <a:r>
-                        <a:rPr lang="en-US" altLang="ko-KR" sz="1200" b="0" dirty="0" smtClean="0">
+                        <a:rPr lang="en-US" altLang="ko-KR" sz="1200" b="0" dirty="0">
                           <a:solidFill>
                             <a:schemeClr val="tx1"/>
                           </a:solidFill>
@@ -3610,7 +3531,7 @@
                         <a:t>V</a:t>
                       </a:r>
                       <a:r>
-                        <a:rPr lang="en-US" altLang="ko-KR" sz="1200" b="0" baseline="0" dirty="0" smtClean="0">
+                        <a:rPr lang="en-US" altLang="ko-KR" sz="1200" b="0" baseline="0" dirty="0">
                           <a:solidFill>
                             <a:schemeClr val="tx1"/>
                           </a:solidFill>
@@ -3641,7 +3562,7 @@
                     <a:p>
                       <a:pPr latinLnBrk="1"/>
                       <a:r>
-                        <a:rPr lang="en-US" altLang="ko-KR" sz="1200" b="0" dirty="0" smtClean="0">
+                        <a:rPr lang="en-US" altLang="ko-KR" sz="1200" b="0" dirty="0">
                           <a:solidFill>
                             <a:schemeClr val="tx1"/>
                           </a:solidFill>
@@ -3651,7 +3572,7 @@
                         <a:t>Class</a:t>
                       </a:r>
                       <a:r>
-                        <a:rPr lang="en-US" altLang="ko-KR" sz="1200" b="0" baseline="0" dirty="0" smtClean="0">
+                        <a:rPr lang="en-US" altLang="ko-KR" sz="1200" b="0" baseline="0" dirty="0">
                           <a:solidFill>
                             <a:schemeClr val="tx1"/>
                           </a:solidFill>
@@ -3661,7 +3582,7 @@
                         <a:t> </a:t>
                       </a:r>
                       <a:r>
-                        <a:rPr lang="ko-KR" altLang="en-US" sz="1200" b="0" baseline="0" dirty="0" smtClean="0">
+                        <a:rPr lang="ko-KR" altLang="en-US" sz="1200" b="0" baseline="0" dirty="0">
                           <a:solidFill>
                             <a:schemeClr val="tx1"/>
                           </a:solidFill>
@@ -3692,7 +3613,7 @@
                     <a:p>
                       <a:pPr algn="ctr" latinLnBrk="1"/>
                       <a:r>
-                        <a:rPr lang="ko-KR" altLang="en-US" sz="1200" b="0" dirty="0" smtClean="0">
+                        <a:rPr lang="ko-KR" altLang="en-US" sz="1200" b="0" dirty="0">
                           <a:solidFill>
                             <a:schemeClr val="tx1"/>
                           </a:solidFill>
@@ -3701,13 +3622,6 @@
                         </a:rPr>
                         <a:t>김 정 현</a:t>
                       </a:r>
-                      <a:endParaRPr lang="ko-KR" altLang="en-US" sz="1200" b="0" dirty="0">
-                        <a:solidFill>
-                          <a:schemeClr val="tx1"/>
-                        </a:solidFill>
-                        <a:latin typeface="맑은 고딕" pitchFamily="50" charset="-127"/>
-                        <a:ea typeface="맑은 고딕" pitchFamily="50" charset="-127"/>
-                      </a:endParaRPr>
                     </a:p>
                   </a:txBody>
                   <a:tcPr anchor="ctr">
@@ -3718,7 +3632,7 @@
                 </a:tc>
                 <a:extLst>
                   <a:ext uri="{0D108BD9-81ED-4DB2-BD59-A6C34878D82A}">
-                    <a16:rowId xmlns:a16="http://schemas.microsoft.com/office/drawing/2014/main" xmlns="" val="10002"/>
+                    <a16:rowId xmlns:a16="http://schemas.microsoft.com/office/drawing/2014/main" val="10002"/>
                   </a:ext>
                 </a:extLst>
               </a:tr>
@@ -3809,7 +3723,7 @@
                 </a:tc>
                 <a:extLst>
                   <a:ext uri="{0D108BD9-81ED-4DB2-BD59-A6C34878D82A}">
-                    <a16:rowId xmlns:a16="http://schemas.microsoft.com/office/drawing/2014/main" xmlns="" val="10003"/>
+                    <a16:rowId xmlns:a16="http://schemas.microsoft.com/office/drawing/2014/main" val="10003"/>
                   </a:ext>
                 </a:extLst>
               </a:tr>
@@ -3900,7 +3814,7 @@
                 </a:tc>
                 <a:extLst>
                   <a:ext uri="{0D108BD9-81ED-4DB2-BD59-A6C34878D82A}">
-                    <a16:rowId xmlns:a16="http://schemas.microsoft.com/office/drawing/2014/main" xmlns="" val="10004"/>
+                    <a16:rowId xmlns:a16="http://schemas.microsoft.com/office/drawing/2014/main" val="10004"/>
                   </a:ext>
                 </a:extLst>
               </a:tr>
@@ -3991,7 +3905,7 @@
                 </a:tc>
                 <a:extLst>
                   <a:ext uri="{0D108BD9-81ED-4DB2-BD59-A6C34878D82A}">
-                    <a16:rowId xmlns:a16="http://schemas.microsoft.com/office/drawing/2014/main" xmlns="" val="10005"/>
+                    <a16:rowId xmlns:a16="http://schemas.microsoft.com/office/drawing/2014/main" val="10005"/>
                   </a:ext>
                 </a:extLst>
               </a:tr>
@@ -4082,7 +3996,7 @@
                 </a:tc>
                 <a:extLst>
                   <a:ext uri="{0D108BD9-81ED-4DB2-BD59-A6C34878D82A}">
-                    <a16:rowId xmlns:a16="http://schemas.microsoft.com/office/drawing/2014/main" xmlns="" val="10006"/>
+                    <a16:rowId xmlns:a16="http://schemas.microsoft.com/office/drawing/2014/main" val="10006"/>
                   </a:ext>
                 </a:extLst>
               </a:tr>
@@ -4173,7 +4087,7 @@
                 </a:tc>
                 <a:extLst>
                   <a:ext uri="{0D108BD9-81ED-4DB2-BD59-A6C34878D82A}">
-                    <a16:rowId xmlns:a16="http://schemas.microsoft.com/office/drawing/2014/main" xmlns="" val="10007"/>
+                    <a16:rowId xmlns:a16="http://schemas.microsoft.com/office/drawing/2014/main" val="10007"/>
                   </a:ext>
                 </a:extLst>
               </a:tr>
@@ -4186,13 +4100,6 @@
   <p:clrMapOvr>
     <a:masterClrMapping/>
   </p:clrMapOvr>
-  <p:timing>
-    <p:tnLst>
-      <p:par>
-        <p:cTn id="1" dur="indefinite" restart="never" nodeType="tmRoot"/>
-      </p:par>
-    </p:tnLst>
-  </p:timing>
 </p:sld>
 </file>
 
@@ -4235,10 +4142,9 @@
           <a:p>
             <a:pPr algn="r"/>
             <a:r>
-              <a:rPr lang="en-US" altLang="ko-KR" dirty="0" smtClean="0"/>
+              <a:rPr lang="en-US" altLang="ko-KR" dirty="0"/>
               <a:t>THREEGO</a:t>
             </a:r>
-            <a:endParaRPr lang="en-US" altLang="ko-KR" dirty="0"/>
           </a:p>
         </p:txBody>
       </p:sp>
@@ -4247,7 +4153,7 @@
           <p:cNvPr id="5" name="표 4">
             <a:extLst>
               <a:ext uri="{FF2B5EF4-FFF2-40B4-BE49-F238E27FC236}">
-                <a16:creationId xmlns:a16="http://schemas.microsoft.com/office/drawing/2014/main" xmlns="" id="{DA4D6BA2-741D-4D5D-8D33-C9F2206C7F1A}"/>
+                <a16:creationId xmlns:a16="http://schemas.microsoft.com/office/drawing/2014/main" id="{DA4D6BA2-741D-4D5D-8D33-C9F2206C7F1A}"/>
               </a:ext>
             </a:extLst>
           </p:cNvPr>
@@ -4257,14 +4163,14 @@
           <p:nvPr>
             <p:extLst>
               <p:ext uri="{D42A27DB-BD31-4B8C-83A1-F6EECF244321}">
-                <p14:modId xmlns:p14="http://schemas.microsoft.com/office/powerpoint/2010/main" val="683953578"/>
+                <p14:modId xmlns:p14="http://schemas.microsoft.com/office/powerpoint/2010/main" val="55182723"/>
               </p:ext>
             </p:extLst>
           </p:nvPr>
         </p:nvGraphicFramePr>
         <p:xfrm>
-          <a:off x="321024" y="892054"/>
-          <a:ext cx="921267" cy="1524000"/>
+          <a:off x="236220" y="892054"/>
+          <a:ext cx="1271754" cy="1798320"/>
         </p:xfrm>
         <a:graphic>
           <a:graphicData uri="http://schemas.openxmlformats.org/drawingml/2006/table">
@@ -4273,10 +4179,10 @@
                 <a:tableStyleId>{073A0DAA-6AF3-43AB-8588-CEC1D06C72B9}</a:tableStyleId>
               </a:tblPr>
               <a:tblGrid>
-                <a:gridCol w="921267">
+                <a:gridCol w="1271754">
                   <a:extLst>
                     <a:ext uri="{9D8B030D-6E8A-4147-A177-3AD203B41FA5}">
-                      <a16:colId xmlns:a16="http://schemas.microsoft.com/office/drawing/2014/main" xmlns="" val="1145108348"/>
+                      <a16:colId xmlns:a16="http://schemas.microsoft.com/office/drawing/2014/main" val="1145108348"/>
                     </a:ext>
                   </a:extLst>
                 </a:gridCol>
@@ -4342,7 +4248,7 @@
                 </a:tc>
                 <a:extLst>
                   <a:ext uri="{0D108BD9-81ED-4DB2-BD59-A6C34878D82A}">
-                    <a16:rowId xmlns:a16="http://schemas.microsoft.com/office/drawing/2014/main" xmlns="" val="2109428318"/>
+                    <a16:rowId xmlns:a16="http://schemas.microsoft.com/office/drawing/2014/main" val="2109428318"/>
                   </a:ext>
                 </a:extLst>
               </a:tr>
@@ -4440,7 +4346,7 @@
                           <a:latin typeface="맑은 고딕" pitchFamily="50" charset="-127"/>
                           <a:ea typeface="맑은 고딕" pitchFamily="50" charset="-127"/>
                         </a:rPr>
-                        <a:t>TextField</a:t>
+                        <a:t>PasswordField</a:t>
                       </a:r>
                       <a:endParaRPr lang="en-US" altLang="ko-KR" sz="900" dirty="0">
                         <a:solidFill>
@@ -4482,6 +4388,39 @@
                         </a:rPr>
                         <a:t>Button</a:t>
                       </a:r>
+                    </a:p>
+                    <a:p>
+                      <a:pPr latinLnBrk="1"/>
+                      <a:r>
+                        <a:rPr lang="en-US" altLang="ko-KR" sz="900" dirty="0" err="1">
+                          <a:solidFill>
+                            <a:schemeClr val="tx1"/>
+                          </a:solidFill>
+                          <a:latin typeface="맑은 고딕" pitchFamily="50" charset="-127"/>
+                          <a:ea typeface="맑은 고딕" pitchFamily="50" charset="-127"/>
+                        </a:rPr>
+                        <a:t>DBConnection</a:t>
+                      </a:r>
+                      <a:r>
+                        <a:rPr lang="en-US" altLang="ko-KR" sz="900" dirty="0">
+                          <a:solidFill>
+                            <a:schemeClr val="tx1"/>
+                          </a:solidFill>
+                          <a:latin typeface="맑은 고딕" pitchFamily="50" charset="-127"/>
+                          <a:ea typeface="맑은 고딕" pitchFamily="50" charset="-127"/>
+                        </a:rPr>
+                        <a:t> </a:t>
+                      </a:r>
+                      <a:r>
+                        <a:rPr lang="en-US" altLang="ko-KR" sz="900" dirty="0" err="1">
+                          <a:solidFill>
+                            <a:schemeClr val="tx1"/>
+                          </a:solidFill>
+                          <a:latin typeface="맑은 고딕" pitchFamily="50" charset="-127"/>
+                          <a:ea typeface="맑은 고딕" pitchFamily="50" charset="-127"/>
+                        </a:rPr>
+                        <a:t>db</a:t>
+                      </a:r>
                       <a:endParaRPr lang="ko-KR" altLang="en-US" sz="900" dirty="0">
                         <a:solidFill>
                           <a:schemeClr val="tx1"/>
@@ -4533,7 +4472,7 @@
                 </a:tc>
                 <a:extLst>
                   <a:ext uri="{0D108BD9-81ED-4DB2-BD59-A6C34878D82A}">
-                    <a16:rowId xmlns:a16="http://schemas.microsoft.com/office/drawing/2014/main" xmlns="" val="2809090921"/>
+                    <a16:rowId xmlns:a16="http://schemas.microsoft.com/office/drawing/2014/main" val="2809090921"/>
                   </a:ext>
                 </a:extLst>
               </a:tr>
@@ -4607,6 +4546,39 @@
                         </a:rPr>
                         <a:t>()</a:t>
                       </a:r>
+                    </a:p>
+                    <a:p>
+                      <a:pPr latinLnBrk="1"/>
+                      <a:r>
+                        <a:rPr lang="en-US" altLang="ko-KR" sz="900" b="0" dirty="0">
+                          <a:solidFill>
+                            <a:schemeClr val="tx1"/>
+                          </a:solidFill>
+                          <a:latin typeface="맑은 고딕" pitchFamily="50" charset="-127"/>
+                          <a:ea typeface="맑은 고딕" pitchFamily="50" charset="-127"/>
+                        </a:rPr>
+                        <a:t>ID/PWD</a:t>
+                      </a:r>
+                      <a:r>
+                        <a:rPr lang="ko-KR" altLang="en-US" sz="900" b="0" dirty="0">
+                          <a:solidFill>
+                            <a:schemeClr val="tx1"/>
+                          </a:solidFill>
+                          <a:latin typeface="맑은 고딕" pitchFamily="50" charset="-127"/>
+                          <a:ea typeface="맑은 고딕" pitchFamily="50" charset="-127"/>
+                        </a:rPr>
+                        <a:t>유효성검사</a:t>
+                      </a:r>
+                      <a:r>
+                        <a:rPr lang="en-US" altLang="ko-KR" sz="900" b="0" dirty="0">
+                          <a:solidFill>
+                            <a:schemeClr val="tx1"/>
+                          </a:solidFill>
+                          <a:latin typeface="맑은 고딕" pitchFamily="50" charset="-127"/>
+                          <a:ea typeface="맑은 고딕" pitchFamily="50" charset="-127"/>
+                        </a:rPr>
+                        <a:t>()</a:t>
+                      </a:r>
                       <a:endParaRPr lang="ko-KR" altLang="en-US" sz="900" b="0" dirty="0">
                         <a:solidFill>
                           <a:schemeClr val="tx1"/>
@@ -4658,7 +4630,7 @@
                 </a:tc>
                 <a:extLst>
                   <a:ext uri="{0D108BD9-81ED-4DB2-BD59-A6C34878D82A}">
-                    <a16:rowId xmlns:a16="http://schemas.microsoft.com/office/drawing/2014/main" xmlns="" val="989837163"/>
+                    <a16:rowId xmlns:a16="http://schemas.microsoft.com/office/drawing/2014/main" val="989837163"/>
                   </a:ext>
                 </a:extLst>
               </a:tr>
@@ -4671,7 +4643,7 @@
           <p:cNvPr id="6" name="표 5">
             <a:extLst>
               <a:ext uri="{FF2B5EF4-FFF2-40B4-BE49-F238E27FC236}">
-                <a16:creationId xmlns:a16="http://schemas.microsoft.com/office/drawing/2014/main" xmlns="" id="{C5B2FC20-F283-4269-A9B9-FC5C3F205349}"/>
+                <a16:creationId xmlns:a16="http://schemas.microsoft.com/office/drawing/2014/main" id="{C5B2FC20-F283-4269-A9B9-FC5C3F205349}"/>
               </a:ext>
             </a:extLst>
           </p:cNvPr>
@@ -4700,7 +4672,7 @@
                 <a:gridCol w="1355184">
                   <a:extLst>
                     <a:ext uri="{9D8B030D-6E8A-4147-A177-3AD203B41FA5}">
-                      <a16:colId xmlns:a16="http://schemas.microsoft.com/office/drawing/2014/main" xmlns="" val="1145108348"/>
+                      <a16:colId xmlns:a16="http://schemas.microsoft.com/office/drawing/2014/main" val="1145108348"/>
                     </a:ext>
                   </a:extLst>
                 </a:gridCol>
@@ -4766,7 +4738,7 @@
                 </a:tc>
                 <a:extLst>
                   <a:ext uri="{0D108BD9-81ED-4DB2-BD59-A6C34878D82A}">
-                    <a16:rowId xmlns:a16="http://schemas.microsoft.com/office/drawing/2014/main" xmlns="" val="2109428318"/>
+                    <a16:rowId xmlns:a16="http://schemas.microsoft.com/office/drawing/2014/main" val="2109428318"/>
                   </a:ext>
                 </a:extLst>
               </a:tr>
@@ -4881,7 +4853,7 @@
                 </a:tc>
                 <a:extLst>
                   <a:ext uri="{0D108BD9-81ED-4DB2-BD59-A6C34878D82A}">
-                    <a16:rowId xmlns:a16="http://schemas.microsoft.com/office/drawing/2014/main" xmlns="" val="2809090921"/>
+                    <a16:rowId xmlns:a16="http://schemas.microsoft.com/office/drawing/2014/main" val="2809090921"/>
                   </a:ext>
                 </a:extLst>
               </a:tr>
@@ -5019,7 +4991,7 @@
                 </a:tc>
                 <a:extLst>
                   <a:ext uri="{0D108BD9-81ED-4DB2-BD59-A6C34878D82A}">
-                    <a16:rowId xmlns:a16="http://schemas.microsoft.com/office/drawing/2014/main" xmlns="" val="989837163"/>
+                    <a16:rowId xmlns:a16="http://schemas.microsoft.com/office/drawing/2014/main" val="989837163"/>
                   </a:ext>
                 </a:extLst>
               </a:tr>
@@ -5032,7 +5004,7 @@
           <p:cNvPr id="7" name="표 6">
             <a:extLst>
               <a:ext uri="{FF2B5EF4-FFF2-40B4-BE49-F238E27FC236}">
-                <a16:creationId xmlns:a16="http://schemas.microsoft.com/office/drawing/2014/main" xmlns="" id="{96DD638E-F629-4BDD-A6E3-9AB446FBFEA1}"/>
+                <a16:creationId xmlns:a16="http://schemas.microsoft.com/office/drawing/2014/main" id="{96DD638E-F629-4BDD-A6E3-9AB446FBFEA1}"/>
               </a:ext>
             </a:extLst>
           </p:cNvPr>
@@ -5042,14 +5014,14 @@
           <p:nvPr>
             <p:extLst>
               <p:ext uri="{D42A27DB-BD31-4B8C-83A1-F6EECF244321}">
-                <p14:modId xmlns:p14="http://schemas.microsoft.com/office/powerpoint/2010/main" val="2842231226"/>
+                <p14:modId xmlns:p14="http://schemas.microsoft.com/office/powerpoint/2010/main" val="3452104341"/>
               </p:ext>
             </p:extLst>
           </p:nvPr>
         </p:nvGraphicFramePr>
         <p:xfrm>
-          <a:off x="7390667" y="958875"/>
-          <a:ext cx="878934" cy="838200"/>
+          <a:off x="7390666" y="958875"/>
+          <a:ext cx="1181834" cy="1249680"/>
         </p:xfrm>
         <a:graphic>
           <a:graphicData uri="http://schemas.openxmlformats.org/drawingml/2006/table">
@@ -5058,10 +5030,10 @@
                 <a:tableStyleId>{073A0DAA-6AF3-43AB-8588-CEC1D06C72B9}</a:tableStyleId>
               </a:tblPr>
               <a:tblGrid>
-                <a:gridCol w="878934">
+                <a:gridCol w="1181834">
                   <a:extLst>
                     <a:ext uri="{9D8B030D-6E8A-4147-A177-3AD203B41FA5}">
-                      <a16:colId xmlns:a16="http://schemas.microsoft.com/office/drawing/2014/main" xmlns="" val="1145108348"/>
+                      <a16:colId xmlns:a16="http://schemas.microsoft.com/office/drawing/2014/main" val="1145108348"/>
                     </a:ext>
                   </a:extLst>
                 </a:gridCol>
@@ -5134,7 +5106,7 @@
                 </a:tc>
                 <a:extLst>
                   <a:ext uri="{0D108BD9-81ED-4DB2-BD59-A6C34878D82A}">
-                    <a16:rowId xmlns:a16="http://schemas.microsoft.com/office/drawing/2014/main" xmlns="" val="2109428318"/>
+                    <a16:rowId xmlns:a16="http://schemas.microsoft.com/office/drawing/2014/main" val="2109428318"/>
                   </a:ext>
                 </a:extLst>
               </a:tr>
@@ -5153,7 +5125,7 @@
                           <a:latin typeface="맑은 고딕" pitchFamily="50" charset="-127"/>
                           <a:ea typeface="맑은 고딕" pitchFamily="50" charset="-127"/>
                         </a:rPr>
-                        <a:t>경고 </a:t>
+                        <a:t>알림 </a:t>
                       </a:r>
                       <a:r>
                         <a:rPr lang="en-US" altLang="ko-KR" sz="900" dirty="0" err="1">
@@ -5163,7 +5135,7 @@
                           <a:latin typeface="맑은 고딕" pitchFamily="50" charset="-127"/>
                           <a:ea typeface="맑은 고딕" pitchFamily="50" charset="-127"/>
                         </a:rPr>
-                        <a:t>TextField</a:t>
+                        <a:t>MessageDialog</a:t>
                       </a:r>
                       <a:endParaRPr lang="en-US" altLang="ko-KR" sz="900" dirty="0">
                         <a:solidFill>
@@ -5174,16 +5146,32 @@
                       </a:endParaRPr>
                     </a:p>
                     <a:p>
-                      <a:pPr latinLnBrk="1"/>
-                      <a:r>
-                        <a:rPr lang="ko-KR" altLang="en-US" sz="900" dirty="0">
-                          <a:solidFill>
-                            <a:schemeClr val="tx1"/>
-                          </a:solidFill>
-                          <a:latin typeface="맑은 고딕" pitchFamily="50" charset="-127"/>
-                          <a:ea typeface="맑은 고딕" pitchFamily="50" charset="-127"/>
-                        </a:rPr>
-                        <a:t>확인 </a:t>
+                      <a:pPr marL="0" marR="0" lvl="0" indent="0" algn="l" defTabSz="914400" rtl="0" eaLnBrk="1" fontAlgn="auto" latinLnBrk="1" hangingPunct="1">
+                        <a:lnSpc>
+                          <a:spcPct val="100000"/>
+                        </a:lnSpc>
+                        <a:spcBef>
+                          <a:spcPts val="0"/>
+                        </a:spcBef>
+                        <a:spcAft>
+                          <a:spcPts val="0"/>
+                        </a:spcAft>
+                        <a:buClrTx/>
+                        <a:buSzTx/>
+                        <a:buFontTx/>
+                        <a:buNone/>
+                        <a:tabLst/>
+                        <a:defRPr/>
+                      </a:pPr>
+                      <a:r>
+                        <a:rPr lang="en-US" altLang="ko-KR" sz="900" dirty="0" err="1">
+                          <a:solidFill>
+                            <a:schemeClr val="tx1"/>
+                          </a:solidFill>
+                          <a:latin typeface="맑은 고딕" pitchFamily="50" charset="-127"/>
+                          <a:ea typeface="맑은 고딕" pitchFamily="50" charset="-127"/>
+                        </a:rPr>
+                        <a:t>DBConnection</a:t>
                       </a:r>
                       <a:r>
                         <a:rPr lang="en-US" altLang="ko-KR" sz="900" dirty="0">
@@ -5193,7 +5181,17 @@
                           <a:latin typeface="맑은 고딕" pitchFamily="50" charset="-127"/>
                           <a:ea typeface="맑은 고딕" pitchFamily="50" charset="-127"/>
                         </a:rPr>
-                        <a:t>Button</a:t>
+                        <a:t> </a:t>
+                      </a:r>
+                      <a:r>
+                        <a:rPr lang="en-US" altLang="ko-KR" sz="900" dirty="0" err="1">
+                          <a:solidFill>
+                            <a:schemeClr val="tx1"/>
+                          </a:solidFill>
+                          <a:latin typeface="맑은 고딕" pitchFamily="50" charset="-127"/>
+                          <a:ea typeface="맑은 고딕" pitchFamily="50" charset="-127"/>
+                        </a:rPr>
+                        <a:t>db</a:t>
                       </a:r>
                       <a:endParaRPr lang="ko-KR" altLang="en-US" sz="900" dirty="0">
                         <a:solidFill>
@@ -5246,7 +5244,7 @@
                 </a:tc>
                 <a:extLst>
                   <a:ext uri="{0D108BD9-81ED-4DB2-BD59-A6C34878D82A}">
-                    <a16:rowId xmlns:a16="http://schemas.microsoft.com/office/drawing/2014/main" xmlns="" val="2809090921"/>
+                    <a16:rowId xmlns:a16="http://schemas.microsoft.com/office/drawing/2014/main" val="2809090921"/>
                   </a:ext>
                 </a:extLst>
               </a:tr>
@@ -5277,6 +5275,39 @@
                         </a:rPr>
                         <a:t>()</a:t>
                       </a:r>
+                    </a:p>
+                    <a:p>
+                      <a:pPr latinLnBrk="1"/>
+                      <a:r>
+                        <a:rPr lang="en-US" altLang="ko-KR" sz="900" b="0" dirty="0" err="1">
+                          <a:solidFill>
+                            <a:schemeClr val="tx1"/>
+                          </a:solidFill>
+                          <a:latin typeface="맑은 고딕" pitchFamily="50" charset="-127"/>
+                          <a:ea typeface="맑은 고딕" pitchFamily="50" charset="-127"/>
+                        </a:rPr>
+                        <a:t>Todo</a:t>
+                      </a:r>
+                      <a:r>
+                        <a:rPr lang="ko-KR" altLang="en-US" sz="900" b="0" dirty="0">
+                          <a:solidFill>
+                            <a:schemeClr val="tx1"/>
+                          </a:solidFill>
+                          <a:latin typeface="맑은 고딕" pitchFamily="50" charset="-127"/>
+                          <a:ea typeface="맑은 고딕" pitchFamily="50" charset="-127"/>
+                        </a:rPr>
+                        <a:t>리스트 데이터 가져오기</a:t>
+                      </a:r>
+                      <a:r>
+                        <a:rPr lang="en-US" altLang="ko-KR" sz="900" b="0" dirty="0">
+                          <a:solidFill>
+                            <a:schemeClr val="tx1"/>
+                          </a:solidFill>
+                          <a:latin typeface="맑은 고딕" pitchFamily="50" charset="-127"/>
+                          <a:ea typeface="맑은 고딕" pitchFamily="50" charset="-127"/>
+                        </a:rPr>
+                        <a:t>()</a:t>
+                      </a:r>
                       <a:endParaRPr lang="ko-KR" altLang="en-US" sz="900" b="0" dirty="0">
                         <a:solidFill>
                           <a:schemeClr val="tx1"/>
@@ -5328,7 +5359,7 @@
                 </a:tc>
                 <a:extLst>
                   <a:ext uri="{0D108BD9-81ED-4DB2-BD59-A6C34878D82A}">
-                    <a16:rowId xmlns:a16="http://schemas.microsoft.com/office/drawing/2014/main" xmlns="" val="989837163"/>
+                    <a16:rowId xmlns:a16="http://schemas.microsoft.com/office/drawing/2014/main" val="989837163"/>
                   </a:ext>
                 </a:extLst>
               </a:tr>
@@ -5341,7 +5372,7 @@
           <p:cNvPr id="8" name="표 7">
             <a:extLst>
               <a:ext uri="{FF2B5EF4-FFF2-40B4-BE49-F238E27FC236}">
-                <a16:creationId xmlns:a16="http://schemas.microsoft.com/office/drawing/2014/main" xmlns="" id="{DF2A9454-8746-4514-B6B2-7E034471D80E}"/>
+                <a16:creationId xmlns:a16="http://schemas.microsoft.com/office/drawing/2014/main" id="{DF2A9454-8746-4514-B6B2-7E034471D80E}"/>
               </a:ext>
             </a:extLst>
           </p:cNvPr>
@@ -5351,14 +5382,14 @@
           <p:nvPr>
             <p:extLst>
               <p:ext uri="{D42A27DB-BD31-4B8C-83A1-F6EECF244321}">
-                <p14:modId xmlns:p14="http://schemas.microsoft.com/office/powerpoint/2010/main" val="2749771656"/>
+                <p14:modId xmlns:p14="http://schemas.microsoft.com/office/powerpoint/2010/main" val="90156090"/>
               </p:ext>
             </p:extLst>
           </p:nvPr>
         </p:nvGraphicFramePr>
         <p:xfrm>
           <a:off x="1815386" y="2170564"/>
-          <a:ext cx="1279376" cy="1524000"/>
+          <a:ext cx="1378364" cy="1798320"/>
         </p:xfrm>
         <a:graphic>
           <a:graphicData uri="http://schemas.openxmlformats.org/drawingml/2006/table">
@@ -5367,10 +5398,10 @@
                 <a:tableStyleId>{073A0DAA-6AF3-43AB-8588-CEC1D06C72B9}</a:tableStyleId>
               </a:tblPr>
               <a:tblGrid>
-                <a:gridCol w="1279376">
+                <a:gridCol w="1378364">
                   <a:extLst>
                     <a:ext uri="{9D8B030D-6E8A-4147-A177-3AD203B41FA5}">
-                      <a16:colId xmlns:a16="http://schemas.microsoft.com/office/drawing/2014/main" xmlns="" val="1145108348"/>
+                      <a16:colId xmlns:a16="http://schemas.microsoft.com/office/drawing/2014/main" val="1145108348"/>
                     </a:ext>
                   </a:extLst>
                 </a:gridCol>
@@ -5436,7 +5467,7 @@
                 </a:tc>
                 <a:extLst>
                   <a:ext uri="{0D108BD9-81ED-4DB2-BD59-A6C34878D82A}">
-                    <a16:rowId xmlns:a16="http://schemas.microsoft.com/office/drawing/2014/main" xmlns="" val="2109428318"/>
+                    <a16:rowId xmlns:a16="http://schemas.microsoft.com/office/drawing/2014/main" val="2109428318"/>
                   </a:ext>
                 </a:extLst>
               </a:tr>
@@ -5549,6 +5580,55 @@
                         </a:rPr>
                         <a:t>Table</a:t>
                       </a:r>
+                    </a:p>
+                    <a:p>
+                      <a:pPr marL="0" marR="0" lvl="0" indent="0" algn="l" defTabSz="914400" rtl="0" eaLnBrk="1" fontAlgn="auto" latinLnBrk="1" hangingPunct="1">
+                        <a:lnSpc>
+                          <a:spcPct val="100000"/>
+                        </a:lnSpc>
+                        <a:spcBef>
+                          <a:spcPts val="0"/>
+                        </a:spcBef>
+                        <a:spcAft>
+                          <a:spcPts val="0"/>
+                        </a:spcAft>
+                        <a:buClrTx/>
+                        <a:buSzTx/>
+                        <a:buFontTx/>
+                        <a:buNone/>
+                        <a:tabLst/>
+                        <a:defRPr/>
+                      </a:pPr>
+                      <a:r>
+                        <a:rPr lang="en-US" altLang="ko-KR" sz="900" dirty="0" err="1">
+                          <a:solidFill>
+                            <a:schemeClr val="tx1"/>
+                          </a:solidFill>
+                          <a:latin typeface="맑은 고딕" pitchFamily="50" charset="-127"/>
+                          <a:ea typeface="맑은 고딕" pitchFamily="50" charset="-127"/>
+                        </a:rPr>
+                        <a:t>DBConnection</a:t>
+                      </a:r>
+                      <a:r>
+                        <a:rPr lang="en-US" altLang="ko-KR" sz="900" dirty="0">
+                          <a:solidFill>
+                            <a:schemeClr val="tx1"/>
+                          </a:solidFill>
+                          <a:latin typeface="맑은 고딕" pitchFamily="50" charset="-127"/>
+                          <a:ea typeface="맑은 고딕" pitchFamily="50" charset="-127"/>
+                        </a:rPr>
+                        <a:t> </a:t>
+                      </a:r>
+                      <a:r>
+                        <a:rPr lang="en-US" altLang="ko-KR" sz="900" dirty="0" err="1">
+                          <a:solidFill>
+                            <a:schemeClr val="tx1"/>
+                          </a:solidFill>
+                          <a:latin typeface="맑은 고딕" pitchFamily="50" charset="-127"/>
+                          <a:ea typeface="맑은 고딕" pitchFamily="50" charset="-127"/>
+                        </a:rPr>
+                        <a:t>db</a:t>
+                      </a:r>
                       <a:endParaRPr lang="ko-KR" altLang="en-US" sz="900" dirty="0">
                         <a:solidFill>
                           <a:schemeClr val="tx1"/>
@@ -5600,7 +5680,7 @@
                 </a:tc>
                 <a:extLst>
                   <a:ext uri="{0D108BD9-81ED-4DB2-BD59-A6C34878D82A}">
-                    <a16:rowId xmlns:a16="http://schemas.microsoft.com/office/drawing/2014/main" xmlns="" val="2809090921"/>
+                    <a16:rowId xmlns:a16="http://schemas.microsoft.com/office/drawing/2014/main" val="2809090921"/>
                   </a:ext>
                 </a:extLst>
               </a:tr>
@@ -5678,6 +5758,29 @@
                         <a:t>()</a:t>
                       </a:r>
                     </a:p>
+                    <a:p>
+                      <a:pPr latinLnBrk="1"/>
+                      <a:r>
+                        <a:rPr lang="ko-KR" altLang="en-US" sz="900" b="0" dirty="0">
+                          <a:solidFill>
+                            <a:schemeClr val="tx1"/>
+                          </a:solidFill>
+                          <a:latin typeface="맑은 고딕" pitchFamily="50" charset="-127"/>
+                          <a:ea typeface="맑은 고딕" pitchFamily="50" charset="-127"/>
+                        </a:rPr>
+                        <a:t>과목 데이터 불러오기</a:t>
+                      </a:r>
+                      <a:r>
+                        <a:rPr lang="en-US" altLang="ko-KR" sz="900" b="0" dirty="0">
+                          <a:solidFill>
+                            <a:schemeClr val="tx1"/>
+                          </a:solidFill>
+                          <a:latin typeface="맑은 고딕" pitchFamily="50" charset="-127"/>
+                          <a:ea typeface="맑은 고딕" pitchFamily="50" charset="-127"/>
+                        </a:rPr>
+                        <a:t>()</a:t>
+                      </a:r>
+                    </a:p>
                   </a:txBody>
                   <a:tcPr marL="68580" marR="68580">
                     <a:lnL w="12700" cap="flat" cmpd="sng" algn="ctr">
@@ -5721,7 +5824,7 @@
                 </a:tc>
                 <a:extLst>
                   <a:ext uri="{0D108BD9-81ED-4DB2-BD59-A6C34878D82A}">
-                    <a16:rowId xmlns:a16="http://schemas.microsoft.com/office/drawing/2014/main" xmlns="" val="989837163"/>
+                    <a16:rowId xmlns:a16="http://schemas.microsoft.com/office/drawing/2014/main" val="989837163"/>
                   </a:ext>
                 </a:extLst>
               </a:tr>
@@ -5734,7 +5837,7 @@
           <p:cNvPr id="9" name="표 8">
             <a:extLst>
               <a:ext uri="{FF2B5EF4-FFF2-40B4-BE49-F238E27FC236}">
-                <a16:creationId xmlns:a16="http://schemas.microsoft.com/office/drawing/2014/main" xmlns="" id="{31E1606C-CD53-4F35-813D-A2F4931EAF9C}"/>
+                <a16:creationId xmlns:a16="http://schemas.microsoft.com/office/drawing/2014/main" id="{31E1606C-CD53-4F35-813D-A2F4931EAF9C}"/>
               </a:ext>
             </a:extLst>
           </p:cNvPr>
@@ -5744,14 +5847,14 @@
           <p:nvPr>
             <p:extLst>
               <p:ext uri="{D42A27DB-BD31-4B8C-83A1-F6EECF244321}">
-                <p14:modId xmlns:p14="http://schemas.microsoft.com/office/powerpoint/2010/main" val="1596453611"/>
+                <p14:modId xmlns:p14="http://schemas.microsoft.com/office/powerpoint/2010/main" val="424379529"/>
               </p:ext>
             </p:extLst>
           </p:nvPr>
         </p:nvGraphicFramePr>
         <p:xfrm>
-          <a:off x="5320457" y="1988130"/>
-          <a:ext cx="1685776" cy="3169920"/>
+          <a:off x="5320457" y="1791214"/>
+          <a:ext cx="1685776" cy="3444240"/>
         </p:xfrm>
         <a:graphic>
           <a:graphicData uri="http://schemas.openxmlformats.org/drawingml/2006/table">
@@ -5763,12 +5866,12 @@
                 <a:gridCol w="1685776">
                   <a:extLst>
                     <a:ext uri="{9D8B030D-6E8A-4147-A177-3AD203B41FA5}">
-                      <a16:colId xmlns:a16="http://schemas.microsoft.com/office/drawing/2014/main" xmlns="" val="1145108348"/>
+                      <a16:colId xmlns:a16="http://schemas.microsoft.com/office/drawing/2014/main" val="1145108348"/>
                     </a:ext>
                   </a:extLst>
                 </a:gridCol>
               </a:tblGrid>
-              <a:tr h="0">
+              <a:tr h="234380">
                 <a:tc>
                   <a:txBody>
                     <a:bodyPr/>
@@ -5839,11 +5942,11 @@
                 </a:tc>
                 <a:extLst>
                   <a:ext uri="{0D108BD9-81ED-4DB2-BD59-A6C34878D82A}">
-                    <a16:rowId xmlns:a16="http://schemas.microsoft.com/office/drawing/2014/main" xmlns="" val="2109428318"/>
+                    <a16:rowId xmlns:a16="http://schemas.microsoft.com/office/drawing/2014/main" val="2109428318"/>
                   </a:ext>
                 </a:extLst>
               </a:tr>
-              <a:tr h="0">
+              <a:tr h="1274439">
                 <a:tc>
                   <a:txBody>
                     <a:bodyPr/>
@@ -5999,7 +6102,7 @@
                         <a:t>중요도 </a:t>
                       </a:r>
                       <a:r>
-                        <a:rPr lang="en-US" altLang="ko-KR" sz="900" dirty="0" smtClean="0">
+                        <a:rPr lang="en-US" altLang="ko-KR" sz="900" dirty="0">
                           <a:solidFill>
                             <a:schemeClr val="tx1"/>
                           </a:solidFill>
@@ -6012,7 +6115,7 @@
                     <a:p>
                       <a:pPr latinLnBrk="1"/>
                       <a:r>
-                        <a:rPr lang="ko-KR" altLang="en-US" sz="900" dirty="0" smtClean="0">
+                        <a:rPr lang="ko-KR" altLang="en-US" sz="900" dirty="0">
                           <a:solidFill>
                             <a:schemeClr val="tx1"/>
                           </a:solidFill>
@@ -6022,7 +6125,7 @@
                         <a:t>보이기</a:t>
                       </a:r>
                       <a:r>
-                        <a:rPr lang="en-US" altLang="ko-KR" sz="900" dirty="0" smtClean="0">
+                        <a:rPr lang="en-US" altLang="ko-KR" sz="900" dirty="0">
                           <a:solidFill>
                             <a:schemeClr val="tx1"/>
                           </a:solidFill>
@@ -6032,7 +6135,7 @@
                         <a:t>/</a:t>
                       </a:r>
                       <a:r>
-                        <a:rPr lang="ko-KR" altLang="en-US" sz="900" dirty="0" smtClean="0">
+                        <a:rPr lang="ko-KR" altLang="en-US" sz="900" dirty="0">
                           <a:solidFill>
                             <a:schemeClr val="tx1"/>
                           </a:solidFill>
@@ -6042,7 +6145,7 @@
                         <a:t>숨기기 </a:t>
                       </a:r>
                       <a:r>
-                        <a:rPr lang="en-US" altLang="ko-KR" sz="900" dirty="0" smtClean="0">
+                        <a:rPr lang="en-US" altLang="ko-KR" sz="900" dirty="0">
                           <a:solidFill>
                             <a:schemeClr val="tx1"/>
                           </a:solidFill>
@@ -6050,6 +6153,39 @@
                           <a:ea typeface="맑은 고딕" pitchFamily="50" charset="-127"/>
                         </a:rPr>
                         <a:t>Button</a:t>
+                      </a:r>
+                    </a:p>
+                    <a:p>
+                      <a:pPr latinLnBrk="1"/>
+                      <a:r>
+                        <a:rPr lang="en-US" altLang="ko-KR" sz="900" dirty="0" err="1">
+                          <a:solidFill>
+                            <a:schemeClr val="tx1"/>
+                          </a:solidFill>
+                          <a:latin typeface="맑은 고딕" pitchFamily="50" charset="-127"/>
+                          <a:ea typeface="맑은 고딕" pitchFamily="50" charset="-127"/>
+                        </a:rPr>
+                        <a:t>DBConnection</a:t>
+                      </a:r>
+                      <a:r>
+                        <a:rPr lang="en-US" altLang="ko-KR" sz="900" dirty="0">
+                          <a:solidFill>
+                            <a:schemeClr val="tx1"/>
+                          </a:solidFill>
+                          <a:latin typeface="맑은 고딕" pitchFamily="50" charset="-127"/>
+                          <a:ea typeface="맑은 고딕" pitchFamily="50" charset="-127"/>
+                        </a:rPr>
+                        <a:t> </a:t>
+                      </a:r>
+                      <a:r>
+                        <a:rPr lang="en-US" altLang="ko-KR" sz="900" dirty="0" err="1">
+                          <a:solidFill>
+                            <a:schemeClr val="tx1"/>
+                          </a:solidFill>
+                          <a:latin typeface="맑은 고딕" pitchFamily="50" charset="-127"/>
+                          <a:ea typeface="맑은 고딕" pitchFamily="50" charset="-127"/>
+                        </a:rPr>
+                        <a:t>db</a:t>
                       </a:r>
                       <a:endParaRPr lang="en-US" altLang="ko-KR" sz="900" dirty="0">
                         <a:solidFill>
@@ -6102,11 +6238,11 @@
                 </a:tc>
                 <a:extLst>
                   <a:ext uri="{0D108BD9-81ED-4DB2-BD59-A6C34878D82A}">
-                    <a16:rowId xmlns:a16="http://schemas.microsoft.com/office/drawing/2014/main" xmlns="" val="2809090921"/>
+                    <a16:rowId xmlns:a16="http://schemas.microsoft.com/office/drawing/2014/main" val="2809090921"/>
                   </a:ext>
                 </a:extLst>
               </a:tr>
-              <a:tr h="0">
+              <a:tr h="1801793">
                 <a:tc>
                   <a:txBody>
                     <a:bodyPr/>
@@ -6371,7 +6507,7 @@
                         <a:t>상태 정렬</a:t>
                       </a:r>
                       <a:r>
-                        <a:rPr lang="en-US" altLang="ko-KR" sz="900" b="0" dirty="0" smtClean="0">
+                        <a:rPr lang="en-US" altLang="ko-KR" sz="900" b="0" dirty="0">
                           <a:solidFill>
                             <a:schemeClr val="tx1"/>
                           </a:solidFill>
@@ -6384,7 +6520,7 @@
                     <a:p>
                       <a:pPr latinLnBrk="1"/>
                       <a:r>
-                        <a:rPr lang="ko-KR" altLang="en-US" sz="900" b="0" dirty="0" smtClean="0">
+                        <a:rPr lang="ko-KR" altLang="en-US" sz="900" b="0" dirty="0">
                           <a:solidFill>
                             <a:schemeClr val="tx1"/>
                           </a:solidFill>
@@ -6394,7 +6530,7 @@
                         <a:t>완료 </a:t>
                       </a:r>
                       <a:r>
-                        <a:rPr lang="en-US" altLang="ko-KR" sz="900" b="0" dirty="0" smtClean="0">
+                        <a:rPr lang="en-US" altLang="ko-KR" sz="900" b="0" dirty="0">
                           <a:solidFill>
                             <a:schemeClr val="tx1"/>
                           </a:solidFill>
@@ -6404,7 +6540,7 @@
                         <a:t>To do </a:t>
                       </a:r>
                       <a:r>
-                        <a:rPr lang="ko-KR" altLang="en-US" sz="900" b="0" dirty="0" smtClean="0">
+                        <a:rPr lang="ko-KR" altLang="en-US" sz="900" b="0" dirty="0">
                           <a:solidFill>
                             <a:schemeClr val="tx1"/>
                           </a:solidFill>
@@ -6414,7 +6550,7 @@
                         <a:t>항목 보이기</a:t>
                       </a:r>
                       <a:r>
-                        <a:rPr lang="en-US" altLang="ko-KR" sz="900" b="0" dirty="0" smtClean="0">
+                        <a:rPr lang="en-US" altLang="ko-KR" sz="900" b="0" dirty="0">
                           <a:solidFill>
                             <a:schemeClr val="tx1"/>
                           </a:solidFill>
@@ -6427,7 +6563,7 @@
                     <a:p>
                       <a:pPr latinLnBrk="1"/>
                       <a:r>
-                        <a:rPr lang="ko-KR" altLang="en-US" sz="900" b="0" dirty="0" smtClean="0">
+                        <a:rPr lang="ko-KR" altLang="en-US" sz="900" b="0" dirty="0">
                           <a:solidFill>
                             <a:schemeClr val="tx1"/>
                           </a:solidFill>
@@ -6437,7 +6573,7 @@
                         <a:t>완료 </a:t>
                       </a:r>
                       <a:r>
-                        <a:rPr lang="en-US" altLang="ko-KR" sz="900" b="0" dirty="0" smtClean="0">
+                        <a:rPr lang="en-US" altLang="ko-KR" sz="900" b="0" dirty="0">
                           <a:solidFill>
                             <a:schemeClr val="tx1"/>
                           </a:solidFill>
@@ -6447,7 +6583,7 @@
                         <a:t>To</a:t>
                       </a:r>
                       <a:r>
-                        <a:rPr lang="en-US" altLang="ko-KR" sz="900" b="0" baseline="0" dirty="0" smtClean="0">
+                        <a:rPr lang="en-US" altLang="ko-KR" sz="900" b="0" baseline="0" dirty="0">
                           <a:solidFill>
                             <a:schemeClr val="tx1"/>
                           </a:solidFill>
@@ -6457,7 +6593,7 @@
                         <a:t> do </a:t>
                       </a:r>
                       <a:r>
-                        <a:rPr lang="ko-KR" altLang="en-US" sz="900" b="0" baseline="0" dirty="0" smtClean="0">
+                        <a:rPr lang="ko-KR" altLang="en-US" sz="900" b="0" baseline="0" dirty="0">
                           <a:solidFill>
                             <a:schemeClr val="tx1"/>
                           </a:solidFill>
@@ -6467,7 +6603,7 @@
                         <a:t>항목 숨기기</a:t>
                       </a:r>
                       <a:r>
-                        <a:rPr lang="en-US" altLang="ko-KR" sz="900" b="0" baseline="0" dirty="0" smtClean="0">
+                        <a:rPr lang="en-US" altLang="ko-KR" sz="900" b="0" baseline="0" dirty="0">
                           <a:solidFill>
                             <a:schemeClr val="tx1"/>
                           </a:solidFill>
@@ -6476,7 +6612,40 @@
                         </a:rPr>
                         <a:t>()</a:t>
                       </a:r>
-                      <a:endParaRPr lang="en-US" altLang="ko-KR" sz="900" b="0" dirty="0" smtClean="0">
+                    </a:p>
+                    <a:p>
+                      <a:pPr latinLnBrk="1"/>
+                      <a:r>
+                        <a:rPr lang="en-US" altLang="ko-KR" sz="900" b="0" baseline="0" dirty="0" err="1">
+                          <a:solidFill>
+                            <a:schemeClr val="tx1"/>
+                          </a:solidFill>
+                          <a:latin typeface="맑은 고딕" pitchFamily="50" charset="-127"/>
+                          <a:ea typeface="맑은 고딕" pitchFamily="50" charset="-127"/>
+                        </a:rPr>
+                        <a:t>Todo</a:t>
+                      </a:r>
+                      <a:r>
+                        <a:rPr lang="ko-KR" altLang="en-US" sz="900" b="0" baseline="0" dirty="0">
+                          <a:solidFill>
+                            <a:schemeClr val="tx1"/>
+                          </a:solidFill>
+                          <a:latin typeface="맑은 고딕" pitchFamily="50" charset="-127"/>
+                          <a:ea typeface="맑은 고딕" pitchFamily="50" charset="-127"/>
+                        </a:rPr>
+                        <a:t> 데이터 불러오기</a:t>
+                      </a:r>
+                      <a:r>
+                        <a:rPr lang="en-US" altLang="ko-KR" sz="900" b="0" baseline="0" dirty="0">
+                          <a:solidFill>
+                            <a:schemeClr val="tx1"/>
+                          </a:solidFill>
+                          <a:latin typeface="맑은 고딕" pitchFamily="50" charset="-127"/>
+                          <a:ea typeface="맑은 고딕" pitchFamily="50" charset="-127"/>
+                        </a:rPr>
+                        <a:t>()</a:t>
+                      </a:r>
+                      <a:endParaRPr lang="en-US" altLang="ko-KR" sz="900" b="0" dirty="0">
                         <a:solidFill>
                           <a:schemeClr val="tx1"/>
                         </a:solidFill>
@@ -6527,7 +6696,7 @@
                 </a:tc>
                 <a:extLst>
                   <a:ext uri="{0D108BD9-81ED-4DB2-BD59-A6C34878D82A}">
-                    <a16:rowId xmlns:a16="http://schemas.microsoft.com/office/drawing/2014/main" xmlns="" val="989837163"/>
+                    <a16:rowId xmlns:a16="http://schemas.microsoft.com/office/drawing/2014/main" val="989837163"/>
                   </a:ext>
                 </a:extLst>
               </a:tr>
@@ -6540,7 +6709,7 @@
           <p:cNvPr id="18" name="표 17">
             <a:extLst>
               <a:ext uri="{FF2B5EF4-FFF2-40B4-BE49-F238E27FC236}">
-                <a16:creationId xmlns:a16="http://schemas.microsoft.com/office/drawing/2014/main" xmlns="" id="{6FF3F8B8-8E27-4CEC-AC24-5E236327FD0F}"/>
+                <a16:creationId xmlns:a16="http://schemas.microsoft.com/office/drawing/2014/main" id="{6FF3F8B8-8E27-4CEC-AC24-5E236327FD0F}"/>
               </a:ext>
             </a:extLst>
           </p:cNvPr>
@@ -6550,14 +6719,14 @@
           <p:nvPr>
             <p:extLst>
               <p:ext uri="{D42A27DB-BD31-4B8C-83A1-F6EECF244321}">
-                <p14:modId xmlns:p14="http://schemas.microsoft.com/office/powerpoint/2010/main" val="2377576237"/>
+                <p14:modId xmlns:p14="http://schemas.microsoft.com/office/powerpoint/2010/main" val="1788755275"/>
               </p:ext>
             </p:extLst>
           </p:nvPr>
         </p:nvGraphicFramePr>
         <p:xfrm>
           <a:off x="3704297" y="3737428"/>
-          <a:ext cx="1009737" cy="975360"/>
+          <a:ext cx="1138223" cy="1249680"/>
         </p:xfrm>
         <a:graphic>
           <a:graphicData uri="http://schemas.openxmlformats.org/drawingml/2006/table">
@@ -6566,10 +6735,10 @@
                 <a:tableStyleId>{073A0DAA-6AF3-43AB-8588-CEC1D06C72B9}</a:tableStyleId>
               </a:tblPr>
               <a:tblGrid>
-                <a:gridCol w="1009737">
+                <a:gridCol w="1138223">
                   <a:extLst>
                     <a:ext uri="{9D8B030D-6E8A-4147-A177-3AD203B41FA5}">
-                      <a16:colId xmlns:a16="http://schemas.microsoft.com/office/drawing/2014/main" xmlns="" val="1145108348"/>
+                      <a16:colId xmlns:a16="http://schemas.microsoft.com/office/drawing/2014/main" val="1145108348"/>
                     </a:ext>
                   </a:extLst>
                 </a:gridCol>
@@ -6635,7 +6804,7 @@
                 </a:tc>
                 <a:extLst>
                   <a:ext uri="{0D108BD9-81ED-4DB2-BD59-A6C34878D82A}">
-                    <a16:rowId xmlns:a16="http://schemas.microsoft.com/office/drawing/2014/main" xmlns="" val="2109428318"/>
+                    <a16:rowId xmlns:a16="http://schemas.microsoft.com/office/drawing/2014/main" val="2109428318"/>
                   </a:ext>
                 </a:extLst>
               </a:tr>
@@ -6720,6 +6889,46 @@
                         <a:t>Button</a:t>
                       </a:r>
                     </a:p>
+                    <a:p>
+                      <a:pPr latinLnBrk="1"/>
+                      <a:r>
+                        <a:rPr lang="en-US" altLang="ko-KR" sz="900" dirty="0" err="1">
+                          <a:solidFill>
+                            <a:schemeClr val="tx1"/>
+                          </a:solidFill>
+                          <a:latin typeface="맑은 고딕" pitchFamily="50" charset="-127"/>
+                          <a:ea typeface="맑은 고딕" pitchFamily="50" charset="-127"/>
+                        </a:rPr>
+                        <a:t>DBConnection</a:t>
+                      </a:r>
+                      <a:r>
+                        <a:rPr lang="en-US" altLang="ko-KR" sz="900" dirty="0">
+                          <a:solidFill>
+                            <a:schemeClr val="tx1"/>
+                          </a:solidFill>
+                          <a:latin typeface="맑은 고딕" pitchFamily="50" charset="-127"/>
+                          <a:ea typeface="맑은 고딕" pitchFamily="50" charset="-127"/>
+                        </a:rPr>
+                        <a:t> </a:t>
+                      </a:r>
+                      <a:r>
+                        <a:rPr lang="en-US" altLang="ko-KR" sz="900" dirty="0" err="1">
+                          <a:solidFill>
+                            <a:schemeClr val="tx1"/>
+                          </a:solidFill>
+                          <a:latin typeface="맑은 고딕" pitchFamily="50" charset="-127"/>
+                          <a:ea typeface="맑은 고딕" pitchFamily="50" charset="-127"/>
+                        </a:rPr>
+                        <a:t>db</a:t>
+                      </a:r>
+                      <a:endParaRPr lang="en-US" altLang="ko-KR" sz="900" dirty="0">
+                        <a:solidFill>
+                          <a:schemeClr val="tx1"/>
+                        </a:solidFill>
+                        <a:latin typeface="맑은 고딕" pitchFamily="50" charset="-127"/>
+                        <a:ea typeface="맑은 고딕" pitchFamily="50" charset="-127"/>
+                      </a:endParaRPr>
+                    </a:p>
                   </a:txBody>
                   <a:tcPr marL="68580" marR="68580">
                     <a:lnL w="12700" cap="flat" cmpd="sng" algn="ctr">
@@ -6763,7 +6972,7 @@
                 </a:tc>
                 <a:extLst>
                   <a:ext uri="{0D108BD9-81ED-4DB2-BD59-A6C34878D82A}">
-                    <a16:rowId xmlns:a16="http://schemas.microsoft.com/office/drawing/2014/main" xmlns="" val="2809090921"/>
+                    <a16:rowId xmlns:a16="http://schemas.microsoft.com/office/drawing/2014/main" val="2809090921"/>
                   </a:ext>
                 </a:extLst>
               </a:tr>
@@ -6782,7 +6991,40 @@
                           <a:latin typeface="맑은 고딕" pitchFamily="50" charset="-127"/>
                           <a:ea typeface="맑은 고딕" pitchFamily="50" charset="-127"/>
                         </a:rPr>
-                        <a:t>삭제</a:t>
+                        <a:t>과목 데이터 삭제</a:t>
+                      </a:r>
+                      <a:r>
+                        <a:rPr lang="en-US" altLang="ko-KR" sz="900" b="0" dirty="0">
+                          <a:solidFill>
+                            <a:schemeClr val="tx1"/>
+                          </a:solidFill>
+                          <a:latin typeface="맑은 고딕" pitchFamily="50" charset="-127"/>
+                          <a:ea typeface="맑은 고딕" pitchFamily="50" charset="-127"/>
+                        </a:rPr>
+                        <a:t>()</a:t>
+                      </a:r>
+                    </a:p>
+                    <a:p>
+                      <a:pPr latinLnBrk="1"/>
+                      <a:r>
+                        <a:rPr lang="en-US" altLang="ko-KR" sz="900" b="0" dirty="0" err="1">
+                          <a:solidFill>
+                            <a:schemeClr val="tx1"/>
+                          </a:solidFill>
+                          <a:latin typeface="맑은 고딕" pitchFamily="50" charset="-127"/>
+                          <a:ea typeface="맑은 고딕" pitchFamily="50" charset="-127"/>
+                        </a:rPr>
+                        <a:t>Todo</a:t>
+                      </a:r>
+                      <a:r>
+                        <a:rPr lang="ko-KR" altLang="en-US" sz="900" b="0" dirty="0">
+                          <a:solidFill>
+                            <a:schemeClr val="tx1"/>
+                          </a:solidFill>
+                          <a:latin typeface="맑은 고딕" pitchFamily="50" charset="-127"/>
+                          <a:ea typeface="맑은 고딕" pitchFamily="50" charset="-127"/>
+                        </a:rPr>
+                        <a:t>데이터 삭제</a:t>
                       </a:r>
                       <a:r>
                         <a:rPr lang="en-US" altLang="ko-KR" sz="900" b="0" dirty="0">
@@ -6838,7 +7080,7 @@
                 </a:tc>
                 <a:extLst>
                   <a:ext uri="{0D108BD9-81ED-4DB2-BD59-A6C34878D82A}">
-                    <a16:rowId xmlns:a16="http://schemas.microsoft.com/office/drawing/2014/main" xmlns="" val="989837163"/>
+                    <a16:rowId xmlns:a16="http://schemas.microsoft.com/office/drawing/2014/main" val="989837163"/>
                   </a:ext>
                 </a:extLst>
               </a:tr>
@@ -6855,14 +7097,14 @@
           <p:nvPr>
             <p:extLst>
               <p:ext uri="{D42A27DB-BD31-4B8C-83A1-F6EECF244321}">
-                <p14:modId xmlns:p14="http://schemas.microsoft.com/office/powerpoint/2010/main" val="2366258275"/>
+                <p14:modId xmlns:p14="http://schemas.microsoft.com/office/powerpoint/2010/main" val="1711285106"/>
               </p:ext>
             </p:extLst>
           </p:nvPr>
         </p:nvGraphicFramePr>
         <p:xfrm>
-          <a:off x="321024" y="3571045"/>
-          <a:ext cx="1363134" cy="2636520"/>
+          <a:off x="290931" y="3325948"/>
+          <a:ext cx="1363134" cy="2910840"/>
         </p:xfrm>
         <a:graphic>
           <a:graphicData uri="http://schemas.openxmlformats.org/drawingml/2006/table">
@@ -6871,7 +7113,13 @@
                 <a:tableStyleId>{073A0DAA-6AF3-43AB-8588-CEC1D06C72B9}</a:tableStyleId>
               </a:tblPr>
               <a:tblGrid>
-                <a:gridCol w="1363134"/>
+                <a:gridCol w="1363134">
+                  <a:extLst>
+                    <a:ext uri="{9D8B030D-6E8A-4147-A177-3AD203B41FA5}">
+                      <a16:colId xmlns:a16="http://schemas.microsoft.com/office/drawing/2014/main" val="20000"/>
+                    </a:ext>
+                  </a:extLst>
+                </a:gridCol>
               </a:tblGrid>
               <a:tr h="0">
                 <a:tc>
@@ -6888,19 +7136,9 @@
                           <a:latin typeface="맑은 고딕" pitchFamily="50" charset="-127"/>
                           <a:ea typeface="맑은 고딕" pitchFamily="50" charset="-127"/>
                         </a:rPr>
-                        <a:t>과목 등록 </a:t>
-                      </a:r>
-                      <a:r>
-                        <a:rPr lang="ko-KR" altLang="en-US" sz="1000" dirty="0" smtClean="0">
-                          <a:solidFill>
-                            <a:schemeClr val="tx1"/>
-                          </a:solidFill>
-                          <a:latin typeface="맑은 고딕" pitchFamily="50" charset="-127"/>
-                          <a:ea typeface="맑은 고딕" pitchFamily="50" charset="-127"/>
-                        </a:rPr>
-                        <a:t>화면</a:t>
-                      </a:r>
-                      <a:endParaRPr lang="en-US" altLang="ko-KR" sz="1000" dirty="0" smtClean="0">
+                        <a:t>과목 등록 화면</a:t>
+                      </a:r>
+                      <a:endParaRPr lang="en-US" altLang="ko-KR" sz="1000" dirty="0">
                         <a:solidFill>
                           <a:schemeClr val="tx1"/>
                         </a:solidFill>
@@ -6911,7 +7149,7 @@
                     <a:p>
                       <a:pPr latinLnBrk="1"/>
                       <a:r>
-                        <a:rPr lang="en-US" altLang="ko-KR" sz="1000" dirty="0" smtClean="0">
+                        <a:rPr lang="en-US" altLang="ko-KR" sz="1000" dirty="0">
                           <a:solidFill>
                             <a:schemeClr val="tx1"/>
                           </a:solidFill>
@@ -6921,7 +7159,7 @@
                         <a:t>(</a:t>
                       </a:r>
                       <a:r>
-                        <a:rPr lang="ko-KR" altLang="en-US" sz="1000" dirty="0" smtClean="0">
+                        <a:rPr lang="ko-KR" altLang="en-US" sz="1000" dirty="0">
                           <a:solidFill>
                             <a:schemeClr val="tx1"/>
                           </a:solidFill>
@@ -6931,7 +7169,7 @@
                         <a:t>과목 변경 화면</a:t>
                       </a:r>
                       <a:r>
-                        <a:rPr lang="en-US" altLang="ko-KR" sz="1000" dirty="0" smtClean="0">
+                        <a:rPr lang="en-US" altLang="ko-KR" sz="1000" dirty="0">
                           <a:solidFill>
                             <a:schemeClr val="tx1"/>
                           </a:solidFill>
@@ -6989,6 +7227,11 @@
                     <a:noFill/>
                   </a:tcPr>
                 </a:tc>
+                <a:extLst>
+                  <a:ext uri="{0D108BD9-81ED-4DB2-BD59-A6C34878D82A}">
+                    <a16:rowId xmlns:a16="http://schemas.microsoft.com/office/drawing/2014/main" val="10000"/>
+                  </a:ext>
+                </a:extLst>
               </a:tr>
               <a:tr h="0">
                 <a:tc>
@@ -7357,6 +7600,46 @@
                         </a:rPr>
                         <a:t>TextField</a:t>
                       </a:r>
+                      <a:endParaRPr lang="en-US" altLang="ko-KR" sz="900" dirty="0">
+                        <a:solidFill>
+                          <a:schemeClr val="tx1"/>
+                        </a:solidFill>
+                        <a:latin typeface="맑은 고딕" pitchFamily="50" charset="-127"/>
+                        <a:ea typeface="맑은 고딕" pitchFamily="50" charset="-127"/>
+                      </a:endParaRPr>
+                    </a:p>
+                    <a:p>
+                      <a:pPr latinLnBrk="1"/>
+                      <a:r>
+                        <a:rPr lang="en-US" altLang="ko-KR" sz="900" dirty="0" err="1">
+                          <a:solidFill>
+                            <a:schemeClr val="tx1"/>
+                          </a:solidFill>
+                          <a:latin typeface="맑은 고딕" pitchFamily="50" charset="-127"/>
+                          <a:ea typeface="맑은 고딕" pitchFamily="50" charset="-127"/>
+                        </a:rPr>
+                        <a:t>DBConnection</a:t>
+                      </a:r>
+                      <a:r>
+                        <a:rPr lang="en-US" altLang="ko-KR" sz="900" dirty="0">
+                          <a:solidFill>
+                            <a:schemeClr val="tx1"/>
+                          </a:solidFill>
+                          <a:latin typeface="맑은 고딕" pitchFamily="50" charset="-127"/>
+                          <a:ea typeface="맑은 고딕" pitchFamily="50" charset="-127"/>
+                        </a:rPr>
+                        <a:t> </a:t>
+                      </a:r>
+                      <a:r>
+                        <a:rPr lang="en-US" altLang="ko-KR" sz="900" dirty="0" err="1">
+                          <a:solidFill>
+                            <a:schemeClr val="tx1"/>
+                          </a:solidFill>
+                          <a:latin typeface="맑은 고딕" pitchFamily="50" charset="-127"/>
+                          <a:ea typeface="맑은 고딕" pitchFamily="50" charset="-127"/>
+                        </a:rPr>
+                        <a:t>db</a:t>
+                      </a:r>
                       <a:endParaRPr lang="ko-KR" altLang="en-US" sz="900" dirty="0">
                         <a:solidFill>
                           <a:schemeClr val="tx1"/>
@@ -7406,6 +7689,11 @@
                     <a:noFill/>
                   </a:tcPr>
                 </a:tc>
+                <a:extLst>
+                  <a:ext uri="{0D108BD9-81ED-4DB2-BD59-A6C34878D82A}">
+                    <a16:rowId xmlns:a16="http://schemas.microsoft.com/office/drawing/2014/main" val="10001"/>
+                  </a:ext>
+                </a:extLst>
               </a:tr>
               <a:tr h="0">
                 <a:tc>
@@ -7422,7 +7710,30 @@
                           <a:latin typeface="맑은 고딕" pitchFamily="50" charset="-127"/>
                           <a:ea typeface="맑은 고딕" pitchFamily="50" charset="-127"/>
                         </a:rPr>
-                        <a:t>과목 저장</a:t>
+                        <a:t>과목 테이블 등록</a:t>
+                      </a:r>
+                      <a:r>
+                        <a:rPr lang="en-US" altLang="ko-KR" sz="900" b="0" dirty="0">
+                          <a:solidFill>
+                            <a:schemeClr val="tx1"/>
+                          </a:solidFill>
+                          <a:latin typeface="맑은 고딕" pitchFamily="50" charset="-127"/>
+                          <a:ea typeface="맑은 고딕" pitchFamily="50" charset="-127"/>
+                        </a:rPr>
+                        <a:t>()</a:t>
+                      </a:r>
+                    </a:p>
+                    <a:p>
+                      <a:pPr latinLnBrk="1"/>
+                      <a:r>
+                        <a:rPr lang="ko-KR" altLang="en-US" sz="900" b="0" dirty="0">
+                          <a:solidFill>
+                            <a:schemeClr val="tx1"/>
+                          </a:solidFill>
+                          <a:latin typeface="맑은 고딕" pitchFamily="50" charset="-127"/>
+                          <a:ea typeface="맑은 고딕" pitchFamily="50" charset="-127"/>
+                        </a:rPr>
+                        <a:t>과목 데이터 저장</a:t>
                       </a:r>
                       <a:r>
                         <a:rPr lang="en-US" altLang="ko-KR" sz="900" b="0" dirty="0">
@@ -7499,6 +7810,11 @@
                     <a:noFill/>
                   </a:tcPr>
                 </a:tc>
+                <a:extLst>
+                  <a:ext uri="{0D108BD9-81ED-4DB2-BD59-A6C34878D82A}">
+                    <a16:rowId xmlns:a16="http://schemas.microsoft.com/office/drawing/2014/main" val="10002"/>
+                  </a:ext>
+                </a:extLst>
               </a:tr>
             </a:tbl>
           </a:graphicData>
@@ -7509,7 +7825,7 @@
           <p:cNvPr id="20" name="표 19">
             <a:extLst>
               <a:ext uri="{FF2B5EF4-FFF2-40B4-BE49-F238E27FC236}">
-                <a16:creationId xmlns:a16="http://schemas.microsoft.com/office/drawing/2014/main" xmlns="" id="{7CFFD3B8-4DF0-48E5-8EE1-759C63D5B457}"/>
+                <a16:creationId xmlns:a16="http://schemas.microsoft.com/office/drawing/2014/main" id="{7CFFD3B8-4DF0-48E5-8EE1-759C63D5B457}"/>
               </a:ext>
             </a:extLst>
           </p:cNvPr>
@@ -7519,14 +7835,14 @@
           <p:nvPr>
             <p:extLst>
               <p:ext uri="{D42A27DB-BD31-4B8C-83A1-F6EECF244321}">
-                <p14:modId xmlns:p14="http://schemas.microsoft.com/office/powerpoint/2010/main" val="3834506331"/>
+                <p14:modId xmlns:p14="http://schemas.microsoft.com/office/powerpoint/2010/main" val="1650636677"/>
               </p:ext>
             </p:extLst>
           </p:nvPr>
         </p:nvGraphicFramePr>
         <p:xfrm>
-          <a:off x="7297749" y="3774741"/>
-          <a:ext cx="1480890" cy="2499360"/>
+          <a:off x="7297749" y="3600268"/>
+          <a:ext cx="1480890" cy="2773680"/>
         </p:xfrm>
         <a:graphic>
           <a:graphicData uri="http://schemas.openxmlformats.org/drawingml/2006/table">
@@ -7538,7 +7854,7 @@
                 <a:gridCol w="1480890">
                   <a:extLst>
                     <a:ext uri="{9D8B030D-6E8A-4147-A177-3AD203B41FA5}">
-                      <a16:colId xmlns:a16="http://schemas.microsoft.com/office/drawing/2014/main" xmlns="" val="1145108348"/>
+                      <a16:colId xmlns:a16="http://schemas.microsoft.com/office/drawing/2014/main" val="1145108348"/>
                     </a:ext>
                   </a:extLst>
                 </a:gridCol>
@@ -7578,19 +7894,9 @@
                           <a:latin typeface="맑은 고딕" pitchFamily="50" charset="-127"/>
                           <a:ea typeface="맑은 고딕" pitchFamily="50" charset="-127"/>
                         </a:rPr>
-                        <a:t>등록 </a:t>
-                      </a:r>
-                      <a:r>
-                        <a:rPr lang="ko-KR" altLang="en-US" sz="1000" dirty="0" smtClean="0">
-                          <a:solidFill>
-                            <a:schemeClr val="tx1"/>
-                          </a:solidFill>
-                          <a:latin typeface="맑은 고딕" pitchFamily="50" charset="-127"/>
-                          <a:ea typeface="맑은 고딕" pitchFamily="50" charset="-127"/>
-                        </a:rPr>
-                        <a:t>화면</a:t>
-                      </a:r>
-                      <a:endParaRPr lang="en-US" altLang="ko-KR" sz="1000" dirty="0" smtClean="0">
+                        <a:t>등록 화면</a:t>
+                      </a:r>
+                      <a:endParaRPr lang="en-US" altLang="ko-KR" sz="1000" dirty="0">
                         <a:solidFill>
                           <a:schemeClr val="tx1"/>
                         </a:solidFill>
@@ -7601,7 +7907,7 @@
                     <a:p>
                       <a:pPr latinLnBrk="1"/>
                       <a:r>
-                        <a:rPr lang="en-US" altLang="ko-KR" sz="1000" dirty="0" smtClean="0">
+                        <a:rPr lang="en-US" altLang="ko-KR" sz="1000" dirty="0">
                           <a:solidFill>
                             <a:schemeClr val="tx1"/>
                           </a:solidFill>
@@ -7611,7 +7917,7 @@
                         <a:t>(</a:t>
                       </a:r>
                       <a:r>
-                        <a:rPr lang="en-US" altLang="ko-KR" sz="1000" dirty="0" err="1" smtClean="0">
+                        <a:rPr lang="en-US" altLang="ko-KR" sz="1000" dirty="0" err="1">
                           <a:solidFill>
                             <a:schemeClr val="tx1"/>
                           </a:solidFill>
@@ -7621,7 +7927,7 @@
                         <a:t>Todo</a:t>
                       </a:r>
                       <a:r>
-                        <a:rPr lang="en-US" altLang="ko-KR" sz="1000" dirty="0" smtClean="0">
+                        <a:rPr lang="en-US" altLang="ko-KR" sz="1000" dirty="0">
                           <a:solidFill>
                             <a:schemeClr val="tx1"/>
                           </a:solidFill>
@@ -7631,7 +7937,7 @@
                         <a:t> </a:t>
                       </a:r>
                       <a:r>
-                        <a:rPr lang="ko-KR" altLang="en-US" sz="1000" dirty="0" smtClean="0">
+                        <a:rPr lang="ko-KR" altLang="en-US" sz="1000" dirty="0">
                           <a:solidFill>
                             <a:schemeClr val="tx1"/>
                           </a:solidFill>
@@ -7641,7 +7947,7 @@
                         <a:t>변경 화면</a:t>
                       </a:r>
                       <a:r>
-                        <a:rPr lang="en-US" altLang="ko-KR" sz="1000" dirty="0" smtClean="0">
+                        <a:rPr lang="en-US" altLang="ko-KR" sz="1000" dirty="0">
                           <a:solidFill>
                             <a:schemeClr val="tx1"/>
                           </a:solidFill>
@@ -7701,7 +8007,7 @@
                 </a:tc>
                 <a:extLst>
                   <a:ext uri="{0D108BD9-81ED-4DB2-BD59-A6C34878D82A}">
-                    <a16:rowId xmlns:a16="http://schemas.microsoft.com/office/drawing/2014/main" xmlns="" val="2109428318"/>
+                    <a16:rowId xmlns:a16="http://schemas.microsoft.com/office/drawing/2014/main" val="2109428318"/>
                   </a:ext>
                 </a:extLst>
               </a:tr>
@@ -7990,6 +8296,46 @@
                         <a:ea typeface="맑은 고딕" pitchFamily="50" charset="-127"/>
                       </a:endParaRPr>
                     </a:p>
+                    <a:p>
+                      <a:pPr latinLnBrk="1"/>
+                      <a:r>
+                        <a:rPr lang="en-US" altLang="ko-KR" sz="900" dirty="0" err="1">
+                          <a:solidFill>
+                            <a:schemeClr val="tx1"/>
+                          </a:solidFill>
+                          <a:latin typeface="맑은 고딕" pitchFamily="50" charset="-127"/>
+                          <a:ea typeface="맑은 고딕" pitchFamily="50" charset="-127"/>
+                        </a:rPr>
+                        <a:t>DBConnection</a:t>
+                      </a:r>
+                      <a:r>
+                        <a:rPr lang="en-US" altLang="ko-KR" sz="900" dirty="0">
+                          <a:solidFill>
+                            <a:schemeClr val="tx1"/>
+                          </a:solidFill>
+                          <a:latin typeface="맑은 고딕" pitchFamily="50" charset="-127"/>
+                          <a:ea typeface="맑은 고딕" pitchFamily="50" charset="-127"/>
+                        </a:rPr>
+                        <a:t> </a:t>
+                      </a:r>
+                      <a:r>
+                        <a:rPr lang="en-US" altLang="ko-KR" sz="900" dirty="0" err="1">
+                          <a:solidFill>
+                            <a:schemeClr val="tx1"/>
+                          </a:solidFill>
+                          <a:latin typeface="맑은 고딕" pitchFamily="50" charset="-127"/>
+                          <a:ea typeface="맑은 고딕" pitchFamily="50" charset="-127"/>
+                        </a:rPr>
+                        <a:t>db</a:t>
+                      </a:r>
+                      <a:endParaRPr lang="en-US" altLang="ko-KR" sz="900" dirty="0">
+                        <a:solidFill>
+                          <a:schemeClr val="tx1"/>
+                        </a:solidFill>
+                        <a:latin typeface="맑은 고딕" pitchFamily="50" charset="-127"/>
+                        <a:ea typeface="맑은 고딕" pitchFamily="50" charset="-127"/>
+                      </a:endParaRPr>
+                    </a:p>
                   </a:txBody>
                   <a:tcPr marL="68580" marR="68580">
                     <a:lnL w="12700" cap="flat" cmpd="sng" algn="ctr">
@@ -8033,7 +8379,7 @@
                 </a:tc>
                 <a:extLst>
                   <a:ext uri="{0D108BD9-81ED-4DB2-BD59-A6C34878D82A}">
-                    <a16:rowId xmlns:a16="http://schemas.microsoft.com/office/drawing/2014/main" xmlns="" val="2809090921"/>
+                    <a16:rowId xmlns:a16="http://schemas.microsoft.com/office/drawing/2014/main" val="2809090921"/>
                   </a:ext>
                 </a:extLst>
               </a:tr>
@@ -8055,6 +8401,16 @@
                         <a:t>Todo</a:t>
                       </a:r>
                       <a:r>
+                        <a:rPr lang="en-US" altLang="ko-KR" sz="900" b="0" dirty="0">
+                          <a:solidFill>
+                            <a:schemeClr val="tx1"/>
+                          </a:solidFill>
+                          <a:latin typeface="맑은 고딕" pitchFamily="50" charset="-127"/>
+                          <a:ea typeface="맑은 고딕" pitchFamily="50" charset="-127"/>
+                        </a:rPr>
+                        <a:t> </a:t>
+                      </a:r>
+                      <a:r>
                         <a:rPr lang="ko-KR" altLang="en-US" sz="900" b="0" dirty="0">
                           <a:solidFill>
                             <a:schemeClr val="tx1"/>
@@ -8062,7 +8418,37 @@
                           <a:latin typeface="맑은 고딕" pitchFamily="50" charset="-127"/>
                           <a:ea typeface="맑은 고딕" pitchFamily="50" charset="-127"/>
                         </a:rPr>
-                        <a:t> 저장</a:t>
+                        <a:t>테이블 등록</a:t>
+                      </a:r>
+                      <a:endParaRPr lang="en-US" altLang="ko-KR" sz="900" b="0" dirty="0">
+                        <a:solidFill>
+                          <a:schemeClr val="tx1"/>
+                        </a:solidFill>
+                        <a:latin typeface="맑은 고딕" pitchFamily="50" charset="-127"/>
+                        <a:ea typeface="맑은 고딕" pitchFamily="50" charset="-127"/>
+                      </a:endParaRPr>
+                    </a:p>
+                    <a:p>
+                      <a:pPr latinLnBrk="1"/>
+                      <a:r>
+                        <a:rPr lang="en-US" altLang="ko-KR" sz="900" b="0" dirty="0" err="1">
+                          <a:solidFill>
+                            <a:schemeClr val="tx1"/>
+                          </a:solidFill>
+                          <a:latin typeface="맑은 고딕" pitchFamily="50" charset="-127"/>
+                          <a:ea typeface="맑은 고딕" pitchFamily="50" charset="-127"/>
+                        </a:rPr>
+                        <a:t>Todo</a:t>
+                      </a:r>
+                      <a:r>
+                        <a:rPr lang="ko-KR" altLang="en-US" sz="900" b="0" dirty="0">
+                          <a:solidFill>
+                            <a:schemeClr val="tx1"/>
+                          </a:solidFill>
+                          <a:latin typeface="맑은 고딕" pitchFamily="50" charset="-127"/>
+                          <a:ea typeface="맑은 고딕" pitchFamily="50" charset="-127"/>
+                        </a:rPr>
+                        <a:t> 데이터 저장</a:t>
                       </a:r>
                       <a:r>
                         <a:rPr lang="en-US" altLang="ko-KR" sz="900" b="0" dirty="0">
@@ -8141,7 +8527,7 @@
                 </a:tc>
                 <a:extLst>
                   <a:ext uri="{0D108BD9-81ED-4DB2-BD59-A6C34878D82A}">
-                    <a16:rowId xmlns:a16="http://schemas.microsoft.com/office/drawing/2014/main" xmlns="" val="989837163"/>
+                    <a16:rowId xmlns:a16="http://schemas.microsoft.com/office/drawing/2014/main" val="989837163"/>
                   </a:ext>
                 </a:extLst>
               </a:tr>
@@ -8154,7 +8540,7 @@
           <p:cNvPr id="21" name="표 20">
             <a:extLst>
               <a:ext uri="{FF2B5EF4-FFF2-40B4-BE49-F238E27FC236}">
-                <a16:creationId xmlns:a16="http://schemas.microsoft.com/office/drawing/2014/main" xmlns="" id="{E2B46D3D-6110-4A99-9AC5-D0E02F81BC46}"/>
+                <a16:creationId xmlns:a16="http://schemas.microsoft.com/office/drawing/2014/main" id="{E2B46D3D-6110-4A99-9AC5-D0E02F81BC46}"/>
               </a:ext>
             </a:extLst>
           </p:cNvPr>
@@ -8164,14 +8550,14 @@
           <p:nvPr>
             <p:extLst>
               <p:ext uri="{D42A27DB-BD31-4B8C-83A1-F6EECF244321}">
-                <p14:modId xmlns:p14="http://schemas.microsoft.com/office/powerpoint/2010/main" val="2765136128"/>
+                <p14:modId xmlns:p14="http://schemas.microsoft.com/office/powerpoint/2010/main" val="381316895"/>
               </p:ext>
             </p:extLst>
           </p:nvPr>
         </p:nvGraphicFramePr>
         <p:xfrm>
-          <a:off x="4290083" y="5298741"/>
-          <a:ext cx="1030374" cy="975360"/>
+          <a:off x="4290082" y="5298741"/>
+          <a:ext cx="1104877" cy="1112520"/>
         </p:xfrm>
         <a:graphic>
           <a:graphicData uri="http://schemas.openxmlformats.org/drawingml/2006/table">
@@ -8180,10 +8566,10 @@
                 <a:tableStyleId>{073A0DAA-6AF3-43AB-8588-CEC1D06C72B9}</a:tableStyleId>
               </a:tblPr>
               <a:tblGrid>
-                <a:gridCol w="1030374">
+                <a:gridCol w="1104877">
                   <a:extLst>
                     <a:ext uri="{9D8B030D-6E8A-4147-A177-3AD203B41FA5}">
-                      <a16:colId xmlns:a16="http://schemas.microsoft.com/office/drawing/2014/main" xmlns="" val="1145108348"/>
+                      <a16:colId xmlns:a16="http://schemas.microsoft.com/office/drawing/2014/main" val="1145108348"/>
                     </a:ext>
                   </a:extLst>
                 </a:gridCol>
@@ -8249,7 +8635,7 @@
                 </a:tc>
                 <a:extLst>
                   <a:ext uri="{0D108BD9-81ED-4DB2-BD59-A6C34878D82A}">
-                    <a16:rowId xmlns:a16="http://schemas.microsoft.com/office/drawing/2014/main" xmlns="" val="2109428318"/>
+                    <a16:rowId xmlns:a16="http://schemas.microsoft.com/office/drawing/2014/main" val="2109428318"/>
                   </a:ext>
                 </a:extLst>
               </a:tr>
@@ -8334,6 +8720,46 @@
                         <a:ea typeface="맑은 고딕" pitchFamily="50" charset="-127"/>
                       </a:endParaRPr>
                     </a:p>
+                    <a:p>
+                      <a:pPr latinLnBrk="1"/>
+                      <a:r>
+                        <a:rPr lang="en-US" altLang="ko-KR" sz="900" dirty="0" err="1">
+                          <a:solidFill>
+                            <a:schemeClr val="tx1"/>
+                          </a:solidFill>
+                          <a:latin typeface="맑은 고딕" pitchFamily="50" charset="-127"/>
+                          <a:ea typeface="맑은 고딕" pitchFamily="50" charset="-127"/>
+                        </a:rPr>
+                        <a:t>DBConnection</a:t>
+                      </a:r>
+                      <a:r>
+                        <a:rPr lang="en-US" altLang="ko-KR" sz="900" dirty="0">
+                          <a:solidFill>
+                            <a:schemeClr val="tx1"/>
+                          </a:solidFill>
+                          <a:latin typeface="맑은 고딕" pitchFamily="50" charset="-127"/>
+                          <a:ea typeface="맑은 고딕" pitchFamily="50" charset="-127"/>
+                        </a:rPr>
+                        <a:t> </a:t>
+                      </a:r>
+                      <a:r>
+                        <a:rPr lang="en-US" altLang="ko-KR" sz="900" dirty="0" err="1">
+                          <a:solidFill>
+                            <a:schemeClr val="tx1"/>
+                          </a:solidFill>
+                          <a:latin typeface="맑은 고딕" pitchFamily="50" charset="-127"/>
+                          <a:ea typeface="맑은 고딕" pitchFamily="50" charset="-127"/>
+                        </a:rPr>
+                        <a:t>db</a:t>
+                      </a:r>
+                      <a:endParaRPr lang="en-US" altLang="ko-KR" sz="900" dirty="0">
+                        <a:solidFill>
+                          <a:schemeClr val="tx1"/>
+                        </a:solidFill>
+                        <a:latin typeface="맑은 고딕" pitchFamily="50" charset="-127"/>
+                        <a:ea typeface="맑은 고딕" pitchFamily="50" charset="-127"/>
+                      </a:endParaRPr>
+                    </a:p>
                   </a:txBody>
                   <a:tcPr marL="68580" marR="68580">
                     <a:lnL w="12700" cap="flat" cmpd="sng" algn="ctr">
@@ -8377,7 +8803,7 @@
                 </a:tc>
                 <a:extLst>
                   <a:ext uri="{0D108BD9-81ED-4DB2-BD59-A6C34878D82A}">
-                    <a16:rowId xmlns:a16="http://schemas.microsoft.com/office/drawing/2014/main" xmlns="" val="2809090921"/>
+                    <a16:rowId xmlns:a16="http://schemas.microsoft.com/office/drawing/2014/main" val="2809090921"/>
                   </a:ext>
                 </a:extLst>
               </a:tr>
@@ -8452,7 +8878,7 @@
                 </a:tc>
                 <a:extLst>
                   <a:ext uri="{0D108BD9-81ED-4DB2-BD59-A6C34878D82A}">
-                    <a16:rowId xmlns:a16="http://schemas.microsoft.com/office/drawing/2014/main" xmlns="" val="989837163"/>
+                    <a16:rowId xmlns:a16="http://schemas.microsoft.com/office/drawing/2014/main" val="989837163"/>
                   </a:ext>
                 </a:extLst>
               </a:tr>
@@ -8464,14 +8890,15 @@
         <p:nvCxnSpPr>
           <p:cNvPr id="26" name="직선 화살표 연결선 25"/>
           <p:cNvCxnSpPr>
+            <a:cxnSpLocks/>
             <a:stCxn id="5" idx="3"/>
           </p:cNvCxnSpPr>
           <p:nvPr/>
         </p:nvCxnSpPr>
         <p:spPr bwMode="auto">
-          <a:xfrm>
-            <a:off x="1242291" y="1654054"/>
-            <a:ext cx="2289282" cy="0"/>
+          <a:xfrm flipV="1">
+            <a:off x="1507974" y="1654054"/>
+            <a:ext cx="2023599" cy="137160"/>
           </a:xfrm>
           <a:prstGeom prst="straightConnector1">
             <a:avLst/>
@@ -8553,6 +8980,7 @@
         <p:nvCxnSpPr>
           <p:cNvPr id="39" name="직선 화살표 연결선 38"/>
           <p:cNvCxnSpPr>
+            <a:cxnSpLocks/>
             <a:endCxn id="7" idx="1"/>
           </p:cNvCxnSpPr>
           <p:nvPr/>
@@ -8560,7 +8988,7 @@
         <p:spPr bwMode="auto">
           <a:xfrm>
             <a:off x="4886757" y="1377975"/>
-            <a:ext cx="2503910" cy="0"/>
+            <a:ext cx="2503909" cy="205740"/>
           </a:xfrm>
           <a:prstGeom prst="straightConnector1">
             <a:avLst/>
@@ -8613,6 +9041,7 @@
         <p:nvCxnSpPr>
           <p:cNvPr id="45" name="직선 화살표 연결선 44"/>
           <p:cNvCxnSpPr>
+            <a:cxnSpLocks/>
             <a:stCxn id="8" idx="2"/>
             <a:endCxn id="16" idx="3"/>
           </p:cNvCxnSpPr>
@@ -8620,8 +9049,8 @@
         </p:nvCxnSpPr>
         <p:spPr bwMode="auto">
           <a:xfrm flipH="1">
-            <a:off x="1684158" y="3694564"/>
-            <a:ext cx="770916" cy="1194741"/>
+            <a:off x="1654065" y="3968884"/>
+            <a:ext cx="850503" cy="812484"/>
           </a:xfrm>
           <a:prstGeom prst="straightConnector1">
             <a:avLst/>
@@ -8645,6 +9074,7 @@
         <p:nvCxnSpPr>
           <p:cNvPr id="48" name="직선 화살표 연결선 47"/>
           <p:cNvCxnSpPr>
+            <a:cxnSpLocks/>
             <a:stCxn id="9" idx="3"/>
             <a:endCxn id="20" idx="0"/>
           </p:cNvCxnSpPr>
@@ -8652,8 +9082,8 @@
         </p:nvCxnSpPr>
         <p:spPr bwMode="auto">
           <a:xfrm>
-            <a:off x="7006233" y="3573090"/>
-            <a:ext cx="1031961" cy="201651"/>
+            <a:off x="7006233" y="3513334"/>
+            <a:ext cx="1031961" cy="86934"/>
           </a:xfrm>
           <a:prstGeom prst="straightConnector1">
             <a:avLst/>
@@ -8677,14 +9107,15 @@
         <p:nvCxnSpPr>
           <p:cNvPr id="51" name="직선 화살표 연결선 50"/>
           <p:cNvCxnSpPr>
+            <a:cxnSpLocks/>
             <a:endCxn id="21" idx="0"/>
           </p:cNvCxnSpPr>
           <p:nvPr/>
         </p:nvCxnSpPr>
         <p:spPr bwMode="auto">
           <a:xfrm flipH="1">
-            <a:off x="4805270" y="4816366"/>
-            <a:ext cx="515187" cy="482375"/>
+            <a:off x="4842520" y="4816366"/>
+            <a:ext cx="477940" cy="482375"/>
           </a:xfrm>
           <a:prstGeom prst="straightConnector1">
             <a:avLst/>
@@ -8738,13 +9169,6 @@
   <p:clrMapOvr>
     <a:masterClrMapping/>
   </p:clrMapOvr>
-  <p:timing>
-    <p:tnLst>
-      <p:par>
-        <p:cTn id="1" dur="indefinite" restart="never" nodeType="tmRoot"/>
-      </p:par>
-    </p:tnLst>
-  </p:timing>
 </p:sld>
 </file>
 

--- a/03 설계/Class 설계서_3조_THREEGO.pptx
+++ b/03 설계/Class 설계서_3조_THREEGO.pptx
@@ -3173,7 +3173,7 @@
             <p:ph idx="1"/>
             <p:extLst>
               <p:ext uri="{D42A27DB-BD31-4B8C-83A1-F6EECF244321}">
-                <p14:modId xmlns:p14="http://schemas.microsoft.com/office/powerpoint/2010/main" val="531889999"/>
+                <p14:modId xmlns:p14="http://schemas.microsoft.com/office/powerpoint/2010/main" val="2636734826"/>
               </p:ext>
             </p:extLst>
           </p:nvPr>
@@ -3643,6 +3643,16 @@
                     <a:lstStyle/>
                     <a:p>
                       <a:pPr algn="ctr" latinLnBrk="1"/>
+                      <a:r>
+                        <a:rPr lang="en-US" altLang="ko-KR" sz="1200" b="0" dirty="0">
+                          <a:solidFill>
+                            <a:schemeClr val="tx1"/>
+                          </a:solidFill>
+                          <a:latin typeface="맑은 고딕" pitchFamily="50" charset="-127"/>
+                          <a:ea typeface="맑은 고딕" pitchFamily="50" charset="-127"/>
+                        </a:rPr>
+                        <a:t>2018-05-30</a:t>
+                      </a:r>
                       <a:endParaRPr lang="ko-KR" altLang="en-US" sz="1200" b="0" dirty="0">
                         <a:solidFill>
                           <a:schemeClr val="tx1"/>
@@ -3664,6 +3674,16 @@
                     <a:lstStyle/>
                     <a:p>
                       <a:pPr algn="ctr" latinLnBrk="1"/>
+                      <a:r>
+                        <a:rPr lang="en-US" altLang="ko-KR" sz="1200" b="0" dirty="0">
+                          <a:solidFill>
+                            <a:schemeClr val="tx1"/>
+                          </a:solidFill>
+                          <a:latin typeface="맑은 고딕" pitchFamily="50" charset="-127"/>
+                          <a:ea typeface="맑은 고딕" pitchFamily="50" charset="-127"/>
+                        </a:rPr>
+                        <a:t>V 1.0.2</a:t>
+                      </a:r>
                       <a:endParaRPr lang="ko-KR" altLang="en-US" sz="1200" b="0" dirty="0">
                         <a:solidFill>
                           <a:schemeClr val="tx1"/>
@@ -3685,13 +3705,26 @@
                     <a:lstStyle/>
                     <a:p>
                       <a:pPr latinLnBrk="1"/>
-                      <a:endParaRPr lang="ko-KR" altLang="en-US" sz="1200" b="0">
-                        <a:solidFill>
-                          <a:schemeClr val="tx1"/>
-                        </a:solidFill>
-                        <a:latin typeface="맑은 고딕" pitchFamily="50" charset="-127"/>
-                        <a:ea typeface="맑은 고딕" pitchFamily="50" charset="-127"/>
-                      </a:endParaRPr>
+                      <a:r>
+                        <a:rPr lang="en-US" altLang="ko-KR" sz="1200" b="0" dirty="0">
+                          <a:solidFill>
+                            <a:schemeClr val="tx1"/>
+                          </a:solidFill>
+                          <a:latin typeface="맑은 고딕" pitchFamily="50" charset="-127"/>
+                          <a:ea typeface="맑은 고딕" pitchFamily="50" charset="-127"/>
+                        </a:rPr>
+                        <a:t>Class </a:t>
+                      </a:r>
+                      <a:r>
+                        <a:rPr lang="ko-KR" altLang="en-US" sz="1200" b="0" dirty="0">
+                          <a:solidFill>
+                            <a:schemeClr val="tx1"/>
+                          </a:solidFill>
+                          <a:latin typeface="맑은 고딕" pitchFamily="50" charset="-127"/>
+                          <a:ea typeface="맑은 고딕" pitchFamily="50" charset="-127"/>
+                        </a:rPr>
+                        <a:t>설계서 최종 수정</a:t>
+                      </a:r>
                     </a:p>
                   </a:txBody>
                   <a:tcPr anchor="ctr">
@@ -3706,13 +3739,16 @@
                     <a:lstStyle/>
                     <a:p>
                       <a:pPr algn="ctr" latinLnBrk="1"/>
-                      <a:endParaRPr lang="ko-KR" altLang="en-US" sz="1200" b="0" dirty="0">
-                        <a:solidFill>
-                          <a:schemeClr val="tx1"/>
-                        </a:solidFill>
-                        <a:latin typeface="맑은 고딕" pitchFamily="50" charset="-127"/>
-                        <a:ea typeface="맑은 고딕" pitchFamily="50" charset="-127"/>
-                      </a:endParaRPr>
+                      <a:r>
+                        <a:rPr lang="ko-KR" altLang="en-US" sz="1200" b="0" dirty="0">
+                          <a:solidFill>
+                            <a:schemeClr val="tx1"/>
+                          </a:solidFill>
+                          <a:latin typeface="맑은 고딕" pitchFamily="50" charset="-127"/>
+                          <a:ea typeface="맑은 고딕" pitchFamily="50" charset="-127"/>
+                        </a:rPr>
+                        <a:t>우 건 희</a:t>
+                      </a:r>
                     </a:p>
                   </a:txBody>
                   <a:tcPr anchor="ctr">
@@ -4163,7 +4199,7 @@
           <p:nvPr>
             <p:extLst>
               <p:ext uri="{D42A27DB-BD31-4B8C-83A1-F6EECF244321}">
-                <p14:modId xmlns:p14="http://schemas.microsoft.com/office/powerpoint/2010/main" val="55182723"/>
+                <p14:modId xmlns:p14="http://schemas.microsoft.com/office/powerpoint/2010/main" val="329993705"/>
               </p:ext>
             </p:extLst>
           </p:nvPr>
@@ -4399,27 +4435,27 @@
                           <a:latin typeface="맑은 고딕" pitchFamily="50" charset="-127"/>
                           <a:ea typeface="맑은 고딕" pitchFamily="50" charset="-127"/>
                         </a:rPr>
+                        <a:t>db</a:t>
+                      </a:r>
+                      <a:r>
+                        <a:rPr lang="en-US" altLang="ko-KR" sz="900" dirty="0">
+                          <a:solidFill>
+                            <a:schemeClr val="tx1"/>
+                          </a:solidFill>
+                          <a:latin typeface="맑은 고딕" pitchFamily="50" charset="-127"/>
+                          <a:ea typeface="맑은 고딕" pitchFamily="50" charset="-127"/>
+                        </a:rPr>
+                        <a:t> </a:t>
+                      </a:r>
+                      <a:r>
+                        <a:rPr lang="en-US" altLang="ko-KR" sz="900" dirty="0" err="1">
+                          <a:solidFill>
+                            <a:schemeClr val="tx1"/>
+                          </a:solidFill>
+                          <a:latin typeface="맑은 고딕" pitchFamily="50" charset="-127"/>
+                          <a:ea typeface="맑은 고딕" pitchFamily="50" charset="-127"/>
+                        </a:rPr>
                         <a:t>DBConnection</a:t>
-                      </a:r>
-                      <a:r>
-                        <a:rPr lang="en-US" altLang="ko-KR" sz="900" dirty="0">
-                          <a:solidFill>
-                            <a:schemeClr val="tx1"/>
-                          </a:solidFill>
-                          <a:latin typeface="맑은 고딕" pitchFamily="50" charset="-127"/>
-                          <a:ea typeface="맑은 고딕" pitchFamily="50" charset="-127"/>
-                        </a:rPr>
-                        <a:t> </a:t>
-                      </a:r>
-                      <a:r>
-                        <a:rPr lang="en-US" altLang="ko-KR" sz="900" dirty="0" err="1">
-                          <a:solidFill>
-                            <a:schemeClr val="tx1"/>
-                          </a:solidFill>
-                          <a:latin typeface="맑은 고딕" pitchFamily="50" charset="-127"/>
-                          <a:ea typeface="맑은 고딕" pitchFamily="50" charset="-127"/>
-                        </a:rPr>
-                        <a:t>db</a:t>
                       </a:r>
                       <a:endParaRPr lang="ko-KR" altLang="en-US" sz="900" dirty="0">
                         <a:solidFill>
@@ -5014,7 +5050,7 @@
           <p:nvPr>
             <p:extLst>
               <p:ext uri="{D42A27DB-BD31-4B8C-83A1-F6EECF244321}">
-                <p14:modId xmlns:p14="http://schemas.microsoft.com/office/powerpoint/2010/main" val="3452104341"/>
+                <p14:modId xmlns:p14="http://schemas.microsoft.com/office/powerpoint/2010/main" val="3279937515"/>
               </p:ext>
             </p:extLst>
           </p:nvPr>
@@ -5146,23 +5182,7 @@
                       </a:endParaRPr>
                     </a:p>
                     <a:p>
-                      <a:pPr marL="0" marR="0" lvl="0" indent="0" algn="l" defTabSz="914400" rtl="0" eaLnBrk="1" fontAlgn="auto" latinLnBrk="1" hangingPunct="1">
-                        <a:lnSpc>
-                          <a:spcPct val="100000"/>
-                        </a:lnSpc>
-                        <a:spcBef>
-                          <a:spcPts val="0"/>
-                        </a:spcBef>
-                        <a:spcAft>
-                          <a:spcPts val="0"/>
-                        </a:spcAft>
-                        <a:buClrTx/>
-                        <a:buSzTx/>
-                        <a:buFontTx/>
-                        <a:buNone/>
-                        <a:tabLst/>
-                        <a:defRPr/>
-                      </a:pPr>
+                      <a:pPr latinLnBrk="1"/>
                       <a:r>
                         <a:rPr lang="en-US" altLang="ko-KR" sz="900" dirty="0" err="1">
                           <a:solidFill>
@@ -5171,27 +5191,27 @@
                           <a:latin typeface="맑은 고딕" pitchFamily="50" charset="-127"/>
                           <a:ea typeface="맑은 고딕" pitchFamily="50" charset="-127"/>
                         </a:rPr>
+                        <a:t>db</a:t>
+                      </a:r>
+                      <a:r>
+                        <a:rPr lang="en-US" altLang="ko-KR" sz="900" dirty="0">
+                          <a:solidFill>
+                            <a:schemeClr val="tx1"/>
+                          </a:solidFill>
+                          <a:latin typeface="맑은 고딕" pitchFamily="50" charset="-127"/>
+                          <a:ea typeface="맑은 고딕" pitchFamily="50" charset="-127"/>
+                        </a:rPr>
+                        <a:t> </a:t>
+                      </a:r>
+                      <a:r>
+                        <a:rPr lang="en-US" altLang="ko-KR" sz="900" dirty="0" err="1">
+                          <a:solidFill>
+                            <a:schemeClr val="tx1"/>
+                          </a:solidFill>
+                          <a:latin typeface="맑은 고딕" pitchFamily="50" charset="-127"/>
+                          <a:ea typeface="맑은 고딕" pitchFamily="50" charset="-127"/>
+                        </a:rPr>
                         <a:t>DBConnection</a:t>
-                      </a:r>
-                      <a:r>
-                        <a:rPr lang="en-US" altLang="ko-KR" sz="900" dirty="0">
-                          <a:solidFill>
-                            <a:schemeClr val="tx1"/>
-                          </a:solidFill>
-                          <a:latin typeface="맑은 고딕" pitchFamily="50" charset="-127"/>
-                          <a:ea typeface="맑은 고딕" pitchFamily="50" charset="-127"/>
-                        </a:rPr>
-                        <a:t> </a:t>
-                      </a:r>
-                      <a:r>
-                        <a:rPr lang="en-US" altLang="ko-KR" sz="900" dirty="0" err="1">
-                          <a:solidFill>
-                            <a:schemeClr val="tx1"/>
-                          </a:solidFill>
-                          <a:latin typeface="맑은 고딕" pitchFamily="50" charset="-127"/>
-                          <a:ea typeface="맑은 고딕" pitchFamily="50" charset="-127"/>
-                        </a:rPr>
-                        <a:t>db</a:t>
                       </a:r>
                       <a:endParaRPr lang="ko-KR" altLang="en-US" sz="900" dirty="0">
                         <a:solidFill>
@@ -5382,7 +5402,7 @@
           <p:nvPr>
             <p:extLst>
               <p:ext uri="{D42A27DB-BD31-4B8C-83A1-F6EECF244321}">
-                <p14:modId xmlns:p14="http://schemas.microsoft.com/office/powerpoint/2010/main" val="90156090"/>
+                <p14:modId xmlns:p14="http://schemas.microsoft.com/office/powerpoint/2010/main" val="3335248489"/>
               </p:ext>
             </p:extLst>
           </p:nvPr>
@@ -5582,23 +5602,7 @@
                       </a:r>
                     </a:p>
                     <a:p>
-                      <a:pPr marL="0" marR="0" lvl="0" indent="0" algn="l" defTabSz="914400" rtl="0" eaLnBrk="1" fontAlgn="auto" latinLnBrk="1" hangingPunct="1">
-                        <a:lnSpc>
-                          <a:spcPct val="100000"/>
-                        </a:lnSpc>
-                        <a:spcBef>
-                          <a:spcPts val="0"/>
-                        </a:spcBef>
-                        <a:spcAft>
-                          <a:spcPts val="0"/>
-                        </a:spcAft>
-                        <a:buClrTx/>
-                        <a:buSzTx/>
-                        <a:buFontTx/>
-                        <a:buNone/>
-                        <a:tabLst/>
-                        <a:defRPr/>
-                      </a:pPr>
+                      <a:pPr latinLnBrk="1"/>
                       <a:r>
                         <a:rPr lang="en-US" altLang="ko-KR" sz="900" dirty="0" err="1">
                           <a:solidFill>
@@ -5607,27 +5611,27 @@
                           <a:latin typeface="맑은 고딕" pitchFamily="50" charset="-127"/>
                           <a:ea typeface="맑은 고딕" pitchFamily="50" charset="-127"/>
                         </a:rPr>
+                        <a:t>db</a:t>
+                      </a:r>
+                      <a:r>
+                        <a:rPr lang="en-US" altLang="ko-KR" sz="900" dirty="0">
+                          <a:solidFill>
+                            <a:schemeClr val="tx1"/>
+                          </a:solidFill>
+                          <a:latin typeface="맑은 고딕" pitchFamily="50" charset="-127"/>
+                          <a:ea typeface="맑은 고딕" pitchFamily="50" charset="-127"/>
+                        </a:rPr>
+                        <a:t> </a:t>
+                      </a:r>
+                      <a:r>
+                        <a:rPr lang="en-US" altLang="ko-KR" sz="900" dirty="0" err="1">
+                          <a:solidFill>
+                            <a:schemeClr val="tx1"/>
+                          </a:solidFill>
+                          <a:latin typeface="맑은 고딕" pitchFamily="50" charset="-127"/>
+                          <a:ea typeface="맑은 고딕" pitchFamily="50" charset="-127"/>
+                        </a:rPr>
                         <a:t>DBConnection</a:t>
-                      </a:r>
-                      <a:r>
-                        <a:rPr lang="en-US" altLang="ko-KR" sz="900" dirty="0">
-                          <a:solidFill>
-                            <a:schemeClr val="tx1"/>
-                          </a:solidFill>
-                          <a:latin typeface="맑은 고딕" pitchFamily="50" charset="-127"/>
-                          <a:ea typeface="맑은 고딕" pitchFamily="50" charset="-127"/>
-                        </a:rPr>
-                        <a:t> </a:t>
-                      </a:r>
-                      <a:r>
-                        <a:rPr lang="en-US" altLang="ko-KR" sz="900" dirty="0" err="1">
-                          <a:solidFill>
-                            <a:schemeClr val="tx1"/>
-                          </a:solidFill>
-                          <a:latin typeface="맑은 고딕" pitchFamily="50" charset="-127"/>
-                          <a:ea typeface="맑은 고딕" pitchFamily="50" charset="-127"/>
-                        </a:rPr>
-                        <a:t>db</a:t>
                       </a:r>
                       <a:endParaRPr lang="ko-KR" altLang="en-US" sz="900" dirty="0">
                         <a:solidFill>
@@ -5847,7 +5851,7 @@
           <p:nvPr>
             <p:extLst>
               <p:ext uri="{D42A27DB-BD31-4B8C-83A1-F6EECF244321}">
-                <p14:modId xmlns:p14="http://schemas.microsoft.com/office/powerpoint/2010/main" val="424379529"/>
+                <p14:modId xmlns:p14="http://schemas.microsoft.com/office/powerpoint/2010/main" val="2315511742"/>
               </p:ext>
             </p:extLst>
           </p:nvPr>
@@ -6165,29 +6169,29 @@
                           <a:latin typeface="맑은 고딕" pitchFamily="50" charset="-127"/>
                           <a:ea typeface="맑은 고딕" pitchFamily="50" charset="-127"/>
                         </a:rPr>
+                        <a:t>db</a:t>
+                      </a:r>
+                      <a:r>
+                        <a:rPr lang="en-US" altLang="ko-KR" sz="900" dirty="0">
+                          <a:solidFill>
+                            <a:schemeClr val="tx1"/>
+                          </a:solidFill>
+                          <a:latin typeface="맑은 고딕" pitchFamily="50" charset="-127"/>
+                          <a:ea typeface="맑은 고딕" pitchFamily="50" charset="-127"/>
+                        </a:rPr>
+                        <a:t> </a:t>
+                      </a:r>
+                      <a:r>
+                        <a:rPr lang="en-US" altLang="ko-KR" sz="900" dirty="0" err="1">
+                          <a:solidFill>
+                            <a:schemeClr val="tx1"/>
+                          </a:solidFill>
+                          <a:latin typeface="맑은 고딕" pitchFamily="50" charset="-127"/>
+                          <a:ea typeface="맑은 고딕" pitchFamily="50" charset="-127"/>
+                        </a:rPr>
                         <a:t>DBConnection</a:t>
                       </a:r>
-                      <a:r>
-                        <a:rPr lang="en-US" altLang="ko-KR" sz="900" dirty="0">
-                          <a:solidFill>
-                            <a:schemeClr val="tx1"/>
-                          </a:solidFill>
-                          <a:latin typeface="맑은 고딕" pitchFamily="50" charset="-127"/>
-                          <a:ea typeface="맑은 고딕" pitchFamily="50" charset="-127"/>
-                        </a:rPr>
-                        <a:t> </a:t>
-                      </a:r>
-                      <a:r>
-                        <a:rPr lang="en-US" altLang="ko-KR" sz="900" dirty="0" err="1">
-                          <a:solidFill>
-                            <a:schemeClr val="tx1"/>
-                          </a:solidFill>
-                          <a:latin typeface="맑은 고딕" pitchFamily="50" charset="-127"/>
-                          <a:ea typeface="맑은 고딕" pitchFamily="50" charset="-127"/>
-                        </a:rPr>
-                        <a:t>db</a:t>
-                      </a:r>
-                      <a:endParaRPr lang="en-US" altLang="ko-KR" sz="900" dirty="0">
+                      <a:endParaRPr lang="ko-KR" altLang="en-US" sz="900" dirty="0">
                         <a:solidFill>
                           <a:schemeClr val="tx1"/>
                         </a:solidFill>
@@ -7097,7 +7101,7 @@
           <p:nvPr>
             <p:extLst>
               <p:ext uri="{D42A27DB-BD31-4B8C-83A1-F6EECF244321}">
-                <p14:modId xmlns:p14="http://schemas.microsoft.com/office/powerpoint/2010/main" val="1711285106"/>
+                <p14:modId xmlns:p14="http://schemas.microsoft.com/office/powerpoint/2010/main" val="2515644564"/>
               </p:ext>
             </p:extLst>
           </p:nvPr>
@@ -7618,27 +7622,27 @@
                           <a:latin typeface="맑은 고딕" pitchFamily="50" charset="-127"/>
                           <a:ea typeface="맑은 고딕" pitchFamily="50" charset="-127"/>
                         </a:rPr>
+                        <a:t>db</a:t>
+                      </a:r>
+                      <a:r>
+                        <a:rPr lang="en-US" altLang="ko-KR" sz="900" dirty="0">
+                          <a:solidFill>
+                            <a:schemeClr val="tx1"/>
+                          </a:solidFill>
+                          <a:latin typeface="맑은 고딕" pitchFamily="50" charset="-127"/>
+                          <a:ea typeface="맑은 고딕" pitchFamily="50" charset="-127"/>
+                        </a:rPr>
+                        <a:t> </a:t>
+                      </a:r>
+                      <a:r>
+                        <a:rPr lang="en-US" altLang="ko-KR" sz="900" dirty="0" err="1">
+                          <a:solidFill>
+                            <a:schemeClr val="tx1"/>
+                          </a:solidFill>
+                          <a:latin typeface="맑은 고딕" pitchFamily="50" charset="-127"/>
+                          <a:ea typeface="맑은 고딕" pitchFamily="50" charset="-127"/>
+                        </a:rPr>
                         <a:t>DBConnection</a:t>
-                      </a:r>
-                      <a:r>
-                        <a:rPr lang="en-US" altLang="ko-KR" sz="900" dirty="0">
-                          <a:solidFill>
-                            <a:schemeClr val="tx1"/>
-                          </a:solidFill>
-                          <a:latin typeface="맑은 고딕" pitchFamily="50" charset="-127"/>
-                          <a:ea typeface="맑은 고딕" pitchFamily="50" charset="-127"/>
-                        </a:rPr>
-                        <a:t> </a:t>
-                      </a:r>
-                      <a:r>
-                        <a:rPr lang="en-US" altLang="ko-KR" sz="900" dirty="0" err="1">
-                          <a:solidFill>
-                            <a:schemeClr val="tx1"/>
-                          </a:solidFill>
-                          <a:latin typeface="맑은 고딕" pitchFamily="50" charset="-127"/>
-                          <a:ea typeface="맑은 고딕" pitchFamily="50" charset="-127"/>
-                        </a:rPr>
-                        <a:t>db</a:t>
                       </a:r>
                       <a:endParaRPr lang="ko-KR" altLang="en-US" sz="900" dirty="0">
                         <a:solidFill>
@@ -7835,7 +7839,7 @@
           <p:nvPr>
             <p:extLst>
               <p:ext uri="{D42A27DB-BD31-4B8C-83A1-F6EECF244321}">
-                <p14:modId xmlns:p14="http://schemas.microsoft.com/office/powerpoint/2010/main" val="1650636677"/>
+                <p14:modId xmlns:p14="http://schemas.microsoft.com/office/powerpoint/2010/main" val="953773698"/>
               </p:ext>
             </p:extLst>
           </p:nvPr>
@@ -8306,29 +8310,29 @@
                           <a:latin typeface="맑은 고딕" pitchFamily="50" charset="-127"/>
                           <a:ea typeface="맑은 고딕" pitchFamily="50" charset="-127"/>
                         </a:rPr>
+                        <a:t>db</a:t>
+                      </a:r>
+                      <a:r>
+                        <a:rPr lang="en-US" altLang="ko-KR" sz="900" dirty="0">
+                          <a:solidFill>
+                            <a:schemeClr val="tx1"/>
+                          </a:solidFill>
+                          <a:latin typeface="맑은 고딕" pitchFamily="50" charset="-127"/>
+                          <a:ea typeface="맑은 고딕" pitchFamily="50" charset="-127"/>
+                        </a:rPr>
+                        <a:t> </a:t>
+                      </a:r>
+                      <a:r>
+                        <a:rPr lang="en-US" altLang="ko-KR" sz="900" dirty="0" err="1">
+                          <a:solidFill>
+                            <a:schemeClr val="tx1"/>
+                          </a:solidFill>
+                          <a:latin typeface="맑은 고딕" pitchFamily="50" charset="-127"/>
+                          <a:ea typeface="맑은 고딕" pitchFamily="50" charset="-127"/>
+                        </a:rPr>
                         <a:t>DBConnection</a:t>
                       </a:r>
-                      <a:r>
-                        <a:rPr lang="en-US" altLang="ko-KR" sz="900" dirty="0">
-                          <a:solidFill>
-                            <a:schemeClr val="tx1"/>
-                          </a:solidFill>
-                          <a:latin typeface="맑은 고딕" pitchFamily="50" charset="-127"/>
-                          <a:ea typeface="맑은 고딕" pitchFamily="50" charset="-127"/>
-                        </a:rPr>
-                        <a:t> </a:t>
-                      </a:r>
-                      <a:r>
-                        <a:rPr lang="en-US" altLang="ko-KR" sz="900" dirty="0" err="1">
-                          <a:solidFill>
-                            <a:schemeClr val="tx1"/>
-                          </a:solidFill>
-                          <a:latin typeface="맑은 고딕" pitchFamily="50" charset="-127"/>
-                          <a:ea typeface="맑은 고딕" pitchFamily="50" charset="-127"/>
-                        </a:rPr>
-                        <a:t>db</a:t>
-                      </a:r>
-                      <a:endParaRPr lang="en-US" altLang="ko-KR" sz="900" dirty="0">
+                      <a:endParaRPr lang="ko-KR" altLang="en-US" sz="900" dirty="0">
                         <a:solidFill>
                           <a:schemeClr val="tx1"/>
                         </a:solidFill>
@@ -8550,7 +8554,7 @@
           <p:nvPr>
             <p:extLst>
               <p:ext uri="{D42A27DB-BD31-4B8C-83A1-F6EECF244321}">
-                <p14:modId xmlns:p14="http://schemas.microsoft.com/office/powerpoint/2010/main" val="381316895"/>
+                <p14:modId xmlns:p14="http://schemas.microsoft.com/office/powerpoint/2010/main" val="1867312225"/>
               </p:ext>
             </p:extLst>
           </p:nvPr>
@@ -8730,29 +8734,29 @@
                           <a:latin typeface="맑은 고딕" pitchFamily="50" charset="-127"/>
                           <a:ea typeface="맑은 고딕" pitchFamily="50" charset="-127"/>
                         </a:rPr>
+                        <a:t>db</a:t>
+                      </a:r>
+                      <a:r>
+                        <a:rPr lang="en-US" altLang="ko-KR" sz="900" dirty="0">
+                          <a:solidFill>
+                            <a:schemeClr val="tx1"/>
+                          </a:solidFill>
+                          <a:latin typeface="맑은 고딕" pitchFamily="50" charset="-127"/>
+                          <a:ea typeface="맑은 고딕" pitchFamily="50" charset="-127"/>
+                        </a:rPr>
+                        <a:t> </a:t>
+                      </a:r>
+                      <a:r>
+                        <a:rPr lang="en-US" altLang="ko-KR" sz="900" dirty="0" err="1">
+                          <a:solidFill>
+                            <a:schemeClr val="tx1"/>
+                          </a:solidFill>
+                          <a:latin typeface="맑은 고딕" pitchFamily="50" charset="-127"/>
+                          <a:ea typeface="맑은 고딕" pitchFamily="50" charset="-127"/>
+                        </a:rPr>
                         <a:t>DBConnection</a:t>
                       </a:r>
-                      <a:r>
-                        <a:rPr lang="en-US" altLang="ko-KR" sz="900" dirty="0">
-                          <a:solidFill>
-                            <a:schemeClr val="tx1"/>
-                          </a:solidFill>
-                          <a:latin typeface="맑은 고딕" pitchFamily="50" charset="-127"/>
-                          <a:ea typeface="맑은 고딕" pitchFamily="50" charset="-127"/>
-                        </a:rPr>
-                        <a:t> </a:t>
-                      </a:r>
-                      <a:r>
-                        <a:rPr lang="en-US" altLang="ko-KR" sz="900" dirty="0" err="1">
-                          <a:solidFill>
-                            <a:schemeClr val="tx1"/>
-                          </a:solidFill>
-                          <a:latin typeface="맑은 고딕" pitchFamily="50" charset="-127"/>
-                          <a:ea typeface="맑은 고딕" pitchFamily="50" charset="-127"/>
-                        </a:rPr>
-                        <a:t>db</a:t>
-                      </a:r>
-                      <a:endParaRPr lang="en-US" altLang="ko-KR" sz="900" dirty="0">
+                      <a:endParaRPr lang="ko-KR" altLang="en-US" sz="900" dirty="0">
                         <a:solidFill>
                           <a:schemeClr val="tx1"/>
                         </a:solidFill>
